--- a/powerpoints/Day_25.pptx
+++ b/powerpoints/Day_25.pptx
@@ -5,20 +5,26 @@
     <p:sldMasterId id="2147483661" r:id="rId1"/>
   </p:sldMasterIdLst>
   <p:notesMasterIdLst>
-    <p:notesMasterId r:id="rId13"/>
+    <p:notesMasterId r:id="rId19"/>
   </p:notesMasterIdLst>
   <p:sldIdLst>
     <p:sldId id="256" r:id="rId2"/>
     <p:sldId id="321" r:id="rId3"/>
-    <p:sldId id="332" r:id="rId4"/>
-    <p:sldId id="320" r:id="rId5"/>
-    <p:sldId id="327" r:id="rId6"/>
-    <p:sldId id="328" r:id="rId7"/>
-    <p:sldId id="323" r:id="rId8"/>
-    <p:sldId id="324" r:id="rId9"/>
-    <p:sldId id="331" r:id="rId10"/>
-    <p:sldId id="329" r:id="rId11"/>
-    <p:sldId id="270" r:id="rId12"/>
+    <p:sldId id="336" r:id="rId4"/>
+    <p:sldId id="332" r:id="rId5"/>
+    <p:sldId id="320" r:id="rId6"/>
+    <p:sldId id="327" r:id="rId7"/>
+    <p:sldId id="328" r:id="rId8"/>
+    <p:sldId id="323" r:id="rId9"/>
+    <p:sldId id="324" r:id="rId10"/>
+    <p:sldId id="305" r:id="rId11"/>
+    <p:sldId id="306" r:id="rId12"/>
+    <p:sldId id="333" r:id="rId13"/>
+    <p:sldId id="329" r:id="rId14"/>
+    <p:sldId id="334" r:id="rId15"/>
+    <p:sldId id="337" r:id="rId16"/>
+    <p:sldId id="338" r:id="rId17"/>
+    <p:sldId id="270" r:id="rId18"/>
   </p:sldIdLst>
   <p:sldSz cx="9144000" cy="6858000" type="screen4x3"/>
   <p:notesSz cx="7010400" cy="9296400"/>
@@ -1654,6 +1660,333 @@
 </file>
 
 <file path=ppt/notesSlides/notesSlide2.xml><?xml version="1.0" encoding="utf-8"?>
+<p:notes xmlns:a="http://schemas.openxmlformats.org/drawingml/2006/main" xmlns:r="http://schemas.openxmlformats.org/officeDocument/2006/relationships" xmlns:p="http://schemas.openxmlformats.org/presentationml/2006/main" showMasterSp="0" showMasterPhAnim="0">
+  <p:cSld>
+    <p:spTree>
+      <p:nvGrpSpPr>
+        <p:cNvPr id="1" name="Shape 291"/>
+        <p:cNvGrpSpPr/>
+        <p:nvPr/>
+      </p:nvGrpSpPr>
+      <p:grpSpPr>
+        <a:xfrm>
+          <a:off x="0" y="0"/>
+          <a:ext cx="0" cy="0"/>
+          <a:chOff x="0" y="0"/>
+          <a:chExt cx="0" cy="0"/>
+        </a:xfrm>
+      </p:grpSpPr>
+      <p:sp>
+        <p:nvSpPr>
+          <p:cNvPr id="292" name="Google Shape;292;p13:notes"/>
+          <p:cNvSpPr txBox="1">
+            <a:spLocks noGrp="1"/>
+          </p:cNvSpPr>
+          <p:nvPr>
+            <p:ph type="body" idx="1"/>
+          </p:nvPr>
+        </p:nvSpPr>
+        <p:spPr>
+          <a:xfrm>
+            <a:off x="701040" y="4415790"/>
+            <a:ext cx="5608320" cy="4183380"/>
+          </a:xfrm>
+          <a:prstGeom prst="rect">
+            <a:avLst/>
+          </a:prstGeom>
+        </p:spPr>
+        <p:txBody>
+          <a:bodyPr spcFirstLastPara="1" wrap="square" lIns="93150" tIns="46575" rIns="93150" bIns="46575" anchor="t" anchorCtr="0">
+            <a:noAutofit/>
+          </a:bodyPr>
+          <a:lstStyle/>
+          <a:p>
+            <a:pPr marL="0" lvl="0" indent="0" algn="l" rtl="0">
+              <a:spcBef>
+                <a:spcPts val="0"/>
+              </a:spcBef>
+              <a:spcAft>
+                <a:spcPts val="0"/>
+              </a:spcAft>
+              <a:buNone/>
+            </a:pPr>
+            <a:endParaRPr/>
+          </a:p>
+        </p:txBody>
+      </p:sp>
+      <p:sp>
+        <p:nvSpPr>
+          <p:cNvPr id="293" name="Google Shape;293;p13:notes"/>
+          <p:cNvSpPr>
+            <a:spLocks noGrp="1" noRot="1" noChangeAspect="1"/>
+          </p:cNvSpPr>
+          <p:nvPr>
+            <p:ph type="sldImg" idx="2"/>
+          </p:nvPr>
+        </p:nvSpPr>
+        <p:spPr>
+          <a:xfrm>
+            <a:off x="1181100" y="696913"/>
+            <a:ext cx="4648200" cy="3486150"/>
+          </a:xfrm>
+          <a:custGeom>
+            <a:avLst/>
+            <a:gdLst/>
+            <a:ahLst/>
+            <a:cxnLst/>
+            <a:rect l="l" t="t" r="r" b="b"/>
+            <a:pathLst>
+              <a:path w="120000" h="120000" extrusionOk="0">
+                <a:moveTo>
+                  <a:pt x="0" y="0"/>
+                </a:moveTo>
+                <a:lnTo>
+                  <a:pt x="120000" y="0"/>
+                </a:lnTo>
+                <a:lnTo>
+                  <a:pt x="120000" y="120000"/>
+                </a:lnTo>
+                <a:lnTo>
+                  <a:pt x="0" y="120000"/>
+                </a:lnTo>
+                <a:close/>
+              </a:path>
+            </a:pathLst>
+          </a:custGeom>
+        </p:spPr>
+      </p:sp>
+    </p:spTree>
+    <p:extLst>
+      <p:ext uri="{BB962C8B-B14F-4D97-AF65-F5344CB8AC3E}">
+        <p14:creationId xmlns:p14="http://schemas.microsoft.com/office/powerpoint/2010/main" val="635394070"/>
+      </p:ext>
+    </p:extLst>
+  </p:cSld>
+  <p:clrMapOvr>
+    <a:masterClrMapping/>
+  </p:clrMapOvr>
+</p:notes>
+</file>
+
+<file path=ppt/notesSlides/notesSlide3.xml><?xml version="1.0" encoding="utf-8"?>
+<p:notes xmlns:a="http://schemas.openxmlformats.org/drawingml/2006/main" xmlns:r="http://schemas.openxmlformats.org/officeDocument/2006/relationships" xmlns:p="http://schemas.openxmlformats.org/presentationml/2006/main" showMasterSp="0" showMasterPhAnim="0">
+  <p:cSld>
+    <p:spTree>
+      <p:nvGrpSpPr>
+        <p:cNvPr id="1" name="Shape 291"/>
+        <p:cNvGrpSpPr/>
+        <p:nvPr/>
+      </p:nvGrpSpPr>
+      <p:grpSpPr>
+        <a:xfrm>
+          <a:off x="0" y="0"/>
+          <a:ext cx="0" cy="0"/>
+          <a:chOff x="0" y="0"/>
+          <a:chExt cx="0" cy="0"/>
+        </a:xfrm>
+      </p:grpSpPr>
+      <p:sp>
+        <p:nvSpPr>
+          <p:cNvPr id="292" name="Google Shape;292;p13:notes"/>
+          <p:cNvSpPr txBox="1">
+            <a:spLocks noGrp="1"/>
+          </p:cNvSpPr>
+          <p:nvPr>
+            <p:ph type="body" idx="1"/>
+          </p:nvPr>
+        </p:nvSpPr>
+        <p:spPr>
+          <a:xfrm>
+            <a:off x="701040" y="4415790"/>
+            <a:ext cx="5608320" cy="4183380"/>
+          </a:xfrm>
+          <a:prstGeom prst="rect">
+            <a:avLst/>
+          </a:prstGeom>
+        </p:spPr>
+        <p:txBody>
+          <a:bodyPr spcFirstLastPara="1" wrap="square" lIns="93150" tIns="46575" rIns="93150" bIns="46575" anchor="t" anchorCtr="0">
+            <a:noAutofit/>
+          </a:bodyPr>
+          <a:lstStyle/>
+          <a:p>
+            <a:pPr marL="0" lvl="0" indent="0" algn="l" rtl="0">
+              <a:spcBef>
+                <a:spcPts val="0"/>
+              </a:spcBef>
+              <a:spcAft>
+                <a:spcPts val="0"/>
+              </a:spcAft>
+              <a:buNone/>
+            </a:pPr>
+            <a:endParaRPr/>
+          </a:p>
+        </p:txBody>
+      </p:sp>
+      <p:sp>
+        <p:nvSpPr>
+          <p:cNvPr id="293" name="Google Shape;293;p13:notes"/>
+          <p:cNvSpPr>
+            <a:spLocks noGrp="1" noRot="1" noChangeAspect="1"/>
+          </p:cNvSpPr>
+          <p:nvPr>
+            <p:ph type="sldImg" idx="2"/>
+          </p:nvPr>
+        </p:nvSpPr>
+        <p:spPr>
+          <a:xfrm>
+            <a:off x="1181100" y="696913"/>
+            <a:ext cx="4648200" cy="3486150"/>
+          </a:xfrm>
+          <a:custGeom>
+            <a:avLst/>
+            <a:gdLst/>
+            <a:ahLst/>
+            <a:cxnLst/>
+            <a:rect l="l" t="t" r="r" b="b"/>
+            <a:pathLst>
+              <a:path w="120000" h="120000" extrusionOk="0">
+                <a:moveTo>
+                  <a:pt x="0" y="0"/>
+                </a:moveTo>
+                <a:lnTo>
+                  <a:pt x="120000" y="0"/>
+                </a:lnTo>
+                <a:lnTo>
+                  <a:pt x="120000" y="120000"/>
+                </a:lnTo>
+                <a:lnTo>
+                  <a:pt x="0" y="120000"/>
+                </a:lnTo>
+                <a:close/>
+              </a:path>
+            </a:pathLst>
+          </a:custGeom>
+        </p:spPr>
+      </p:sp>
+    </p:spTree>
+    <p:extLst>
+      <p:ext uri="{BB962C8B-B14F-4D97-AF65-F5344CB8AC3E}">
+        <p14:creationId xmlns:p14="http://schemas.microsoft.com/office/powerpoint/2010/main" val="3848065040"/>
+      </p:ext>
+    </p:extLst>
+  </p:cSld>
+  <p:clrMapOvr>
+    <a:masterClrMapping/>
+  </p:clrMapOvr>
+</p:notes>
+</file>
+
+<file path=ppt/notesSlides/notesSlide4.xml><?xml version="1.0" encoding="utf-8"?>
+<p:notes xmlns:a="http://schemas.openxmlformats.org/drawingml/2006/main" xmlns:r="http://schemas.openxmlformats.org/officeDocument/2006/relationships" xmlns:p="http://schemas.openxmlformats.org/presentationml/2006/main" showMasterSp="0" showMasterPhAnim="0">
+  <p:cSld>
+    <p:spTree>
+      <p:nvGrpSpPr>
+        <p:cNvPr id="1" name="Shape 291"/>
+        <p:cNvGrpSpPr/>
+        <p:nvPr/>
+      </p:nvGrpSpPr>
+      <p:grpSpPr>
+        <a:xfrm>
+          <a:off x="0" y="0"/>
+          <a:ext cx="0" cy="0"/>
+          <a:chOff x="0" y="0"/>
+          <a:chExt cx="0" cy="0"/>
+        </a:xfrm>
+      </p:grpSpPr>
+      <p:sp>
+        <p:nvSpPr>
+          <p:cNvPr id="292" name="Google Shape;292;p13:notes"/>
+          <p:cNvSpPr txBox="1">
+            <a:spLocks noGrp="1"/>
+          </p:cNvSpPr>
+          <p:nvPr>
+            <p:ph type="body" idx="1"/>
+          </p:nvPr>
+        </p:nvSpPr>
+        <p:spPr>
+          <a:xfrm>
+            <a:off x="701040" y="4415790"/>
+            <a:ext cx="5608320" cy="4183380"/>
+          </a:xfrm>
+          <a:prstGeom prst="rect">
+            <a:avLst/>
+          </a:prstGeom>
+        </p:spPr>
+        <p:txBody>
+          <a:bodyPr spcFirstLastPara="1" wrap="square" lIns="93150" tIns="46575" rIns="93150" bIns="46575" anchor="t" anchorCtr="0">
+            <a:noAutofit/>
+          </a:bodyPr>
+          <a:lstStyle/>
+          <a:p>
+            <a:pPr marL="0" lvl="0" indent="0" algn="l" rtl="0">
+              <a:spcBef>
+                <a:spcPts val="0"/>
+              </a:spcBef>
+              <a:spcAft>
+                <a:spcPts val="0"/>
+              </a:spcAft>
+              <a:buNone/>
+            </a:pPr>
+            <a:endParaRPr/>
+          </a:p>
+        </p:txBody>
+      </p:sp>
+      <p:sp>
+        <p:nvSpPr>
+          <p:cNvPr id="293" name="Google Shape;293;p13:notes"/>
+          <p:cNvSpPr>
+            <a:spLocks noGrp="1" noRot="1" noChangeAspect="1"/>
+          </p:cNvSpPr>
+          <p:nvPr>
+            <p:ph type="sldImg" idx="2"/>
+          </p:nvPr>
+        </p:nvSpPr>
+        <p:spPr>
+          <a:xfrm>
+            <a:off x="1181100" y="696913"/>
+            <a:ext cx="4648200" cy="3486150"/>
+          </a:xfrm>
+          <a:custGeom>
+            <a:avLst/>
+            <a:gdLst/>
+            <a:ahLst/>
+            <a:cxnLst/>
+            <a:rect l="l" t="t" r="r" b="b"/>
+            <a:pathLst>
+              <a:path w="120000" h="120000" extrusionOk="0">
+                <a:moveTo>
+                  <a:pt x="0" y="0"/>
+                </a:moveTo>
+                <a:lnTo>
+                  <a:pt x="120000" y="0"/>
+                </a:lnTo>
+                <a:lnTo>
+                  <a:pt x="120000" y="120000"/>
+                </a:lnTo>
+                <a:lnTo>
+                  <a:pt x="0" y="120000"/>
+                </a:lnTo>
+                <a:close/>
+              </a:path>
+            </a:pathLst>
+          </a:custGeom>
+        </p:spPr>
+      </p:sp>
+    </p:spTree>
+    <p:extLst>
+      <p:ext uri="{BB962C8B-B14F-4D97-AF65-F5344CB8AC3E}">
+        <p14:creationId xmlns:p14="http://schemas.microsoft.com/office/powerpoint/2010/main" val="2039168433"/>
+      </p:ext>
+    </p:extLst>
+  </p:cSld>
+  <p:clrMapOvr>
+    <a:masterClrMapping/>
+  </p:clrMapOvr>
+</p:notes>
+</file>
+
+<file path=ppt/notesSlides/notesSlide5.xml><?xml version="1.0" encoding="utf-8"?>
 <p:notes xmlns:a="http://schemas.openxmlformats.org/drawingml/2006/main" xmlns:r="http://schemas.openxmlformats.org/officeDocument/2006/relationships" xmlns:p="http://schemas.openxmlformats.org/presentationml/2006/main" showMasterSp="0" showMasterPhAnim="0">
   <p:cSld>
     <p:spTree>
@@ -25089,7 +25422,14 @@
             </a:pPr>
             <a:r>
               <a:rPr lang="en-US" dirty="0"/>
-              <a:t>Maven and JDBC</a:t>
+              <a:t>Maven, JDBC</a:t>
+            </a:r>
+            <a:br>
+              <a:rPr lang="en-US" dirty="0"/>
+            </a:br>
+            <a:r>
+              <a:rPr lang="en-US" dirty="0"/>
+              <a:t>and basic Design Patterns</a:t>
             </a:r>
             <a:endParaRPr dirty="0"/>
           </a:p>
@@ -25116,6 +25456,1863 @@
 </file>
 
 <file path=ppt/slides/slide10.xml><?xml version="1.0" encoding="utf-8"?>
+<p:sld xmlns:a="http://schemas.openxmlformats.org/drawingml/2006/main" xmlns:r="http://schemas.openxmlformats.org/officeDocument/2006/relationships" xmlns:p="http://schemas.openxmlformats.org/presentationml/2006/main">
+  <p:cSld>
+    <p:spTree>
+      <p:nvGrpSpPr>
+        <p:cNvPr id="1" name="Shape 294"/>
+        <p:cNvGrpSpPr/>
+        <p:nvPr/>
+      </p:nvGrpSpPr>
+      <p:grpSpPr>
+        <a:xfrm>
+          <a:off x="0" y="0"/>
+          <a:ext cx="0" cy="0"/>
+          <a:chOff x="0" y="0"/>
+          <a:chExt cx="0" cy="0"/>
+        </a:xfrm>
+      </p:grpSpPr>
+      <p:sp>
+        <p:nvSpPr>
+          <p:cNvPr id="295" name="Google Shape;295;p27"/>
+          <p:cNvSpPr txBox="1">
+            <a:spLocks noGrp="1"/>
+          </p:cNvSpPr>
+          <p:nvPr>
+            <p:ph type="title"/>
+          </p:nvPr>
+        </p:nvSpPr>
+        <p:spPr>
+          <a:xfrm>
+            <a:off x="380010" y="-4950"/>
+            <a:ext cx="6222671" cy="1224150"/>
+          </a:xfrm>
+          <a:prstGeom prst="rect">
+            <a:avLst/>
+          </a:prstGeom>
+          <a:noFill/>
+          <a:ln>
+            <a:noFill/>
+          </a:ln>
+        </p:spPr>
+        <p:txBody>
+          <a:bodyPr spcFirstLastPara="1" wrap="square" lIns="91425" tIns="45700" rIns="91425" bIns="45700" anchor="ctr" anchorCtr="0">
+            <a:noAutofit/>
+          </a:bodyPr>
+          <a:lstStyle/>
+          <a:p>
+            <a:pPr marL="0" lvl="0" indent="0" algn="l" rtl="0">
+              <a:spcBef>
+                <a:spcPts val="0"/>
+              </a:spcBef>
+              <a:spcAft>
+                <a:spcPts val="0"/>
+              </a:spcAft>
+              <a:buClr>
+                <a:schemeClr val="lt1"/>
+              </a:buClr>
+              <a:buSzPts val="2400"/>
+              <a:buFont typeface="Arial"/>
+              <a:buNone/>
+            </a:pPr>
+            <a:r>
+              <a:rPr lang="en-US" dirty="0"/>
+              <a:t>Design Patterns - POJO</a:t>
+            </a:r>
+            <a:endParaRPr dirty="0"/>
+          </a:p>
+        </p:txBody>
+      </p:sp>
+      <p:sp>
+        <p:nvSpPr>
+          <p:cNvPr id="296" name="Google Shape;296;p27"/>
+          <p:cNvSpPr txBox="1">
+            <a:spLocks noGrp="1"/>
+          </p:cNvSpPr>
+          <p:nvPr>
+            <p:ph type="body" idx="1"/>
+          </p:nvPr>
+        </p:nvSpPr>
+        <p:spPr>
+          <a:xfrm>
+            <a:off x="380010" y="1377751"/>
+            <a:ext cx="8383980" cy="4985961"/>
+          </a:xfrm>
+          <a:prstGeom prst="rect">
+            <a:avLst/>
+          </a:prstGeom>
+          <a:noFill/>
+          <a:ln>
+            <a:noFill/>
+          </a:ln>
+        </p:spPr>
+        <p:txBody>
+          <a:bodyPr spcFirstLastPara="1" wrap="square" lIns="91425" tIns="45700" rIns="91425" bIns="45700" anchor="t" anchorCtr="0">
+            <a:normAutofit lnSpcReduction="10000"/>
+          </a:bodyPr>
+          <a:lstStyle/>
+          <a:p>
+            <a:pPr marL="342900" lvl="0" indent="-342900" algn="l" rtl="0">
+              <a:spcBef>
+                <a:spcPts val="0"/>
+              </a:spcBef>
+              <a:spcAft>
+                <a:spcPts val="0"/>
+              </a:spcAft>
+              <a:buSzPts val="2800"/>
+              <a:buChar char="•"/>
+            </a:pPr>
+            <a:r>
+              <a:rPr lang="en-US" dirty="0"/>
+              <a:t>POJO stands for ‘Plain Old Java Object’. </a:t>
+            </a:r>
+          </a:p>
+          <a:p>
+            <a:pPr marL="342900" lvl="0" indent="-342900" algn="l" rtl="0">
+              <a:spcBef>
+                <a:spcPts val="0"/>
+              </a:spcBef>
+              <a:spcAft>
+                <a:spcPts val="0"/>
+              </a:spcAft>
+              <a:buSzPts val="2800"/>
+              <a:buChar char="•"/>
+            </a:pPr>
+            <a:r>
+              <a:rPr lang="en-US" dirty="0"/>
+              <a:t>POJOs are an incredibly simply, and otherwise ordinary java object. </a:t>
+            </a:r>
+          </a:p>
+          <a:p>
+            <a:pPr marL="342900" lvl="0" indent="-342900" algn="l" rtl="0">
+              <a:spcBef>
+                <a:spcPts val="0"/>
+              </a:spcBef>
+              <a:spcAft>
+                <a:spcPts val="0"/>
+              </a:spcAft>
+              <a:buSzPts val="2800"/>
+              <a:buChar char="•"/>
+            </a:pPr>
+            <a:r>
+              <a:rPr lang="en-US" dirty="0"/>
+              <a:t>They are not bound by any special restrictions other than those enforced naturally by the java language.</a:t>
+            </a:r>
+          </a:p>
+          <a:p>
+            <a:pPr marL="342900" lvl="0" indent="-342900" algn="l" rtl="0">
+              <a:spcBef>
+                <a:spcPts val="0"/>
+              </a:spcBef>
+              <a:spcAft>
+                <a:spcPts val="0"/>
+              </a:spcAft>
+              <a:buSzPts val="2800"/>
+              <a:buChar char="•"/>
+            </a:pPr>
+            <a:r>
+              <a:rPr lang="en-US" dirty="0"/>
+              <a:t>POJOs are used due to readability and re-usability of a program.</a:t>
+            </a:r>
+          </a:p>
+          <a:p>
+            <a:pPr marL="342900" lvl="0" indent="-342900" algn="l" rtl="0">
+              <a:spcBef>
+                <a:spcPts val="0"/>
+              </a:spcBef>
+              <a:spcAft>
+                <a:spcPts val="0"/>
+              </a:spcAft>
+              <a:buSzPts val="2800"/>
+              <a:buChar char="•"/>
+            </a:pPr>
+            <a:r>
+              <a:rPr lang="en-US" dirty="0"/>
+              <a:t>POJOs are simply a way to retain state.</a:t>
+            </a:r>
+          </a:p>
+          <a:p>
+            <a:pPr marL="342900" indent="-342900">
+              <a:spcBef>
+                <a:spcPts val="0"/>
+              </a:spcBef>
+            </a:pPr>
+            <a:r>
+              <a:rPr lang="en-US" dirty="0"/>
+              <a:t>A POJO should NOT:</a:t>
+            </a:r>
+          </a:p>
+          <a:p>
+            <a:pPr marL="1257300" lvl="2" indent="-342900">
+              <a:spcBef>
+                <a:spcPts val="0"/>
+              </a:spcBef>
+              <a:buSzPts val="2800"/>
+            </a:pPr>
+            <a:r>
+              <a:rPr lang="en-US" dirty="0"/>
+              <a:t>Extends pre-defined classes</a:t>
+            </a:r>
+          </a:p>
+          <a:p>
+            <a:pPr marL="1257300" lvl="2" indent="-342900">
+              <a:spcBef>
+                <a:spcPts val="0"/>
+              </a:spcBef>
+              <a:buSzPts val="2800"/>
+            </a:pPr>
+            <a:r>
+              <a:rPr lang="en-US" dirty="0"/>
+              <a:t>Implement pre-defined interfaces</a:t>
+            </a:r>
+          </a:p>
+          <a:p>
+            <a:pPr marL="1257300" lvl="2" indent="-342900">
+              <a:spcBef>
+                <a:spcPts val="0"/>
+              </a:spcBef>
+              <a:buSzPts val="2800"/>
+            </a:pPr>
+            <a:r>
+              <a:rPr lang="en-US" dirty="0"/>
+              <a:t>Contain pre-defined annotations</a:t>
+            </a:r>
+          </a:p>
+        </p:txBody>
+      </p:sp>
+      <p:sp>
+        <p:nvSpPr>
+          <p:cNvPr id="297" name="Google Shape;297;p27"/>
+          <p:cNvSpPr txBox="1">
+            <a:spLocks noGrp="1"/>
+          </p:cNvSpPr>
+          <p:nvPr>
+            <p:ph type="sldNum" idx="12"/>
+          </p:nvPr>
+        </p:nvSpPr>
+        <p:spPr>
+          <a:xfrm>
+            <a:off x="8122757" y="6363712"/>
+            <a:ext cx="861671" cy="365125"/>
+          </a:xfrm>
+          <a:prstGeom prst="rect">
+            <a:avLst/>
+          </a:prstGeom>
+          <a:noFill/>
+          <a:ln>
+            <a:noFill/>
+          </a:ln>
+        </p:spPr>
+        <p:txBody>
+          <a:bodyPr spcFirstLastPara="1" wrap="square" lIns="91425" tIns="45700" rIns="91425" bIns="45700" anchor="ctr" anchorCtr="0">
+            <a:noAutofit/>
+          </a:bodyPr>
+          <a:lstStyle/>
+          <a:p>
+            <a:pPr marL="0" lvl="0" indent="0" algn="r" rtl="0">
+              <a:spcBef>
+                <a:spcPts val="0"/>
+              </a:spcBef>
+              <a:spcAft>
+                <a:spcPts val="0"/>
+              </a:spcAft>
+              <a:buNone/>
+            </a:pPr>
+            <a:fld id="{00000000-1234-1234-1234-123412341234}" type="slidenum">
+              <a:rPr lang="en-US"/>
+              <a:t>9</a:t>
+            </a:fld>
+            <a:endParaRPr/>
+          </a:p>
+        </p:txBody>
+      </p:sp>
+    </p:spTree>
+    <p:extLst>
+      <p:ext uri="{BB962C8B-B14F-4D97-AF65-F5344CB8AC3E}">
+        <p14:creationId xmlns:p14="http://schemas.microsoft.com/office/powerpoint/2010/main" val="1584756531"/>
+      </p:ext>
+    </p:extLst>
+  </p:cSld>
+  <p:clrMapOvr>
+    <a:masterClrMapping/>
+  </p:clrMapOvr>
+  <p:timing>
+    <p:tnLst>
+      <p:par>
+        <p:cTn id="1" dur="indefinite" restart="never" nodeType="tmRoot">
+          <p:childTnLst>
+            <p:seq concurrent="1" nextAc="seek">
+              <p:cTn id="2" dur="indefinite" nodeType="mainSeq">
+                <p:childTnLst>
+                  <p:par>
+                    <p:cTn id="3" fill="hold">
+                      <p:stCondLst>
+                        <p:cond delay="indefinite"/>
+                      </p:stCondLst>
+                      <p:childTnLst>
+                        <p:par>
+                          <p:cTn id="4" fill="hold">
+                            <p:stCondLst>
+                              <p:cond delay="0"/>
+                            </p:stCondLst>
+                            <p:childTnLst>
+                              <p:par>
+                                <p:cTn id="5" presetID="1" presetClass="entr" presetSubtype="0" fill="hold" grpId="0" nodeType="clickEffect">
+                                  <p:stCondLst>
+                                    <p:cond delay="0"/>
+                                  </p:stCondLst>
+                                  <p:childTnLst>
+                                    <p:set>
+                                      <p:cBhvr>
+                                        <p:cTn id="6" dur="1" fill="hold">
+                                          <p:stCondLst>
+                                            <p:cond delay="0"/>
+                                          </p:stCondLst>
+                                        </p:cTn>
+                                        <p:tgtEl>
+                                          <p:spTgt spid="296">
+                                            <p:txEl>
+                                              <p:pRg st="0" end="0"/>
+                                            </p:txEl>
+                                          </p:spTgt>
+                                        </p:tgtEl>
+                                        <p:attrNameLst>
+                                          <p:attrName>style.visibility</p:attrName>
+                                        </p:attrNameLst>
+                                      </p:cBhvr>
+                                      <p:to>
+                                        <p:strVal val="visible"/>
+                                      </p:to>
+                                    </p:set>
+                                  </p:childTnLst>
+                                </p:cTn>
+                              </p:par>
+                            </p:childTnLst>
+                          </p:cTn>
+                        </p:par>
+                      </p:childTnLst>
+                    </p:cTn>
+                  </p:par>
+                  <p:par>
+                    <p:cTn id="7" fill="hold">
+                      <p:stCondLst>
+                        <p:cond delay="indefinite"/>
+                      </p:stCondLst>
+                      <p:childTnLst>
+                        <p:par>
+                          <p:cTn id="8" fill="hold">
+                            <p:stCondLst>
+                              <p:cond delay="0"/>
+                            </p:stCondLst>
+                            <p:childTnLst>
+                              <p:par>
+                                <p:cTn id="9" presetID="1" presetClass="entr" presetSubtype="0" fill="hold" grpId="0" nodeType="clickEffect">
+                                  <p:stCondLst>
+                                    <p:cond delay="0"/>
+                                  </p:stCondLst>
+                                  <p:childTnLst>
+                                    <p:set>
+                                      <p:cBhvr>
+                                        <p:cTn id="10" dur="1" fill="hold">
+                                          <p:stCondLst>
+                                            <p:cond delay="0"/>
+                                          </p:stCondLst>
+                                        </p:cTn>
+                                        <p:tgtEl>
+                                          <p:spTgt spid="296">
+                                            <p:txEl>
+                                              <p:pRg st="1" end="1"/>
+                                            </p:txEl>
+                                          </p:spTgt>
+                                        </p:tgtEl>
+                                        <p:attrNameLst>
+                                          <p:attrName>style.visibility</p:attrName>
+                                        </p:attrNameLst>
+                                      </p:cBhvr>
+                                      <p:to>
+                                        <p:strVal val="visible"/>
+                                      </p:to>
+                                    </p:set>
+                                  </p:childTnLst>
+                                </p:cTn>
+                              </p:par>
+                            </p:childTnLst>
+                          </p:cTn>
+                        </p:par>
+                      </p:childTnLst>
+                    </p:cTn>
+                  </p:par>
+                  <p:par>
+                    <p:cTn id="11" fill="hold">
+                      <p:stCondLst>
+                        <p:cond delay="indefinite"/>
+                      </p:stCondLst>
+                      <p:childTnLst>
+                        <p:par>
+                          <p:cTn id="12" fill="hold">
+                            <p:stCondLst>
+                              <p:cond delay="0"/>
+                            </p:stCondLst>
+                            <p:childTnLst>
+                              <p:par>
+                                <p:cTn id="13" presetID="1" presetClass="entr" presetSubtype="0" fill="hold" grpId="0" nodeType="clickEffect">
+                                  <p:stCondLst>
+                                    <p:cond delay="0"/>
+                                  </p:stCondLst>
+                                  <p:childTnLst>
+                                    <p:set>
+                                      <p:cBhvr>
+                                        <p:cTn id="14" dur="1" fill="hold">
+                                          <p:stCondLst>
+                                            <p:cond delay="0"/>
+                                          </p:stCondLst>
+                                        </p:cTn>
+                                        <p:tgtEl>
+                                          <p:spTgt spid="296">
+                                            <p:txEl>
+                                              <p:pRg st="2" end="2"/>
+                                            </p:txEl>
+                                          </p:spTgt>
+                                        </p:tgtEl>
+                                        <p:attrNameLst>
+                                          <p:attrName>style.visibility</p:attrName>
+                                        </p:attrNameLst>
+                                      </p:cBhvr>
+                                      <p:to>
+                                        <p:strVal val="visible"/>
+                                      </p:to>
+                                    </p:set>
+                                  </p:childTnLst>
+                                </p:cTn>
+                              </p:par>
+                            </p:childTnLst>
+                          </p:cTn>
+                        </p:par>
+                      </p:childTnLst>
+                    </p:cTn>
+                  </p:par>
+                  <p:par>
+                    <p:cTn id="15" fill="hold">
+                      <p:stCondLst>
+                        <p:cond delay="indefinite"/>
+                      </p:stCondLst>
+                      <p:childTnLst>
+                        <p:par>
+                          <p:cTn id="16" fill="hold">
+                            <p:stCondLst>
+                              <p:cond delay="0"/>
+                            </p:stCondLst>
+                            <p:childTnLst>
+                              <p:par>
+                                <p:cTn id="17" presetID="1" presetClass="entr" presetSubtype="0" fill="hold" grpId="0" nodeType="clickEffect">
+                                  <p:stCondLst>
+                                    <p:cond delay="0"/>
+                                  </p:stCondLst>
+                                  <p:childTnLst>
+                                    <p:set>
+                                      <p:cBhvr>
+                                        <p:cTn id="18" dur="1" fill="hold">
+                                          <p:stCondLst>
+                                            <p:cond delay="0"/>
+                                          </p:stCondLst>
+                                        </p:cTn>
+                                        <p:tgtEl>
+                                          <p:spTgt spid="296">
+                                            <p:txEl>
+                                              <p:pRg st="3" end="3"/>
+                                            </p:txEl>
+                                          </p:spTgt>
+                                        </p:tgtEl>
+                                        <p:attrNameLst>
+                                          <p:attrName>style.visibility</p:attrName>
+                                        </p:attrNameLst>
+                                      </p:cBhvr>
+                                      <p:to>
+                                        <p:strVal val="visible"/>
+                                      </p:to>
+                                    </p:set>
+                                  </p:childTnLst>
+                                </p:cTn>
+                              </p:par>
+                            </p:childTnLst>
+                          </p:cTn>
+                        </p:par>
+                      </p:childTnLst>
+                    </p:cTn>
+                  </p:par>
+                  <p:par>
+                    <p:cTn id="19" fill="hold">
+                      <p:stCondLst>
+                        <p:cond delay="indefinite"/>
+                      </p:stCondLst>
+                      <p:childTnLst>
+                        <p:par>
+                          <p:cTn id="20" fill="hold">
+                            <p:stCondLst>
+                              <p:cond delay="0"/>
+                            </p:stCondLst>
+                            <p:childTnLst>
+                              <p:par>
+                                <p:cTn id="21" presetID="1" presetClass="entr" presetSubtype="0" fill="hold" grpId="0" nodeType="clickEffect">
+                                  <p:stCondLst>
+                                    <p:cond delay="0"/>
+                                  </p:stCondLst>
+                                  <p:childTnLst>
+                                    <p:set>
+                                      <p:cBhvr>
+                                        <p:cTn id="22" dur="1" fill="hold">
+                                          <p:stCondLst>
+                                            <p:cond delay="0"/>
+                                          </p:stCondLst>
+                                        </p:cTn>
+                                        <p:tgtEl>
+                                          <p:spTgt spid="296">
+                                            <p:txEl>
+                                              <p:pRg st="4" end="4"/>
+                                            </p:txEl>
+                                          </p:spTgt>
+                                        </p:tgtEl>
+                                        <p:attrNameLst>
+                                          <p:attrName>style.visibility</p:attrName>
+                                        </p:attrNameLst>
+                                      </p:cBhvr>
+                                      <p:to>
+                                        <p:strVal val="visible"/>
+                                      </p:to>
+                                    </p:set>
+                                  </p:childTnLst>
+                                </p:cTn>
+                              </p:par>
+                            </p:childTnLst>
+                          </p:cTn>
+                        </p:par>
+                      </p:childTnLst>
+                    </p:cTn>
+                  </p:par>
+                  <p:par>
+                    <p:cTn id="23" fill="hold">
+                      <p:stCondLst>
+                        <p:cond delay="indefinite"/>
+                      </p:stCondLst>
+                      <p:childTnLst>
+                        <p:par>
+                          <p:cTn id="24" fill="hold">
+                            <p:stCondLst>
+                              <p:cond delay="0"/>
+                            </p:stCondLst>
+                            <p:childTnLst>
+                              <p:par>
+                                <p:cTn id="25" presetID="1" presetClass="entr" presetSubtype="0" fill="hold" grpId="0" nodeType="clickEffect">
+                                  <p:stCondLst>
+                                    <p:cond delay="0"/>
+                                  </p:stCondLst>
+                                  <p:childTnLst>
+                                    <p:set>
+                                      <p:cBhvr>
+                                        <p:cTn id="26" dur="1" fill="hold">
+                                          <p:stCondLst>
+                                            <p:cond delay="0"/>
+                                          </p:stCondLst>
+                                        </p:cTn>
+                                        <p:tgtEl>
+                                          <p:spTgt spid="296">
+                                            <p:txEl>
+                                              <p:pRg st="5" end="5"/>
+                                            </p:txEl>
+                                          </p:spTgt>
+                                        </p:tgtEl>
+                                        <p:attrNameLst>
+                                          <p:attrName>style.visibility</p:attrName>
+                                        </p:attrNameLst>
+                                      </p:cBhvr>
+                                      <p:to>
+                                        <p:strVal val="visible"/>
+                                      </p:to>
+                                    </p:set>
+                                  </p:childTnLst>
+                                </p:cTn>
+                              </p:par>
+                              <p:par>
+                                <p:cTn id="27" presetID="1" presetClass="entr" presetSubtype="0" fill="hold" grpId="0" nodeType="withEffect">
+                                  <p:stCondLst>
+                                    <p:cond delay="0"/>
+                                  </p:stCondLst>
+                                  <p:childTnLst>
+                                    <p:set>
+                                      <p:cBhvr>
+                                        <p:cTn id="28" dur="1" fill="hold">
+                                          <p:stCondLst>
+                                            <p:cond delay="0"/>
+                                          </p:stCondLst>
+                                        </p:cTn>
+                                        <p:tgtEl>
+                                          <p:spTgt spid="296">
+                                            <p:txEl>
+                                              <p:pRg st="6" end="6"/>
+                                            </p:txEl>
+                                          </p:spTgt>
+                                        </p:tgtEl>
+                                        <p:attrNameLst>
+                                          <p:attrName>style.visibility</p:attrName>
+                                        </p:attrNameLst>
+                                      </p:cBhvr>
+                                      <p:to>
+                                        <p:strVal val="visible"/>
+                                      </p:to>
+                                    </p:set>
+                                  </p:childTnLst>
+                                </p:cTn>
+                              </p:par>
+                              <p:par>
+                                <p:cTn id="29" presetID="1" presetClass="entr" presetSubtype="0" fill="hold" grpId="0" nodeType="withEffect">
+                                  <p:stCondLst>
+                                    <p:cond delay="0"/>
+                                  </p:stCondLst>
+                                  <p:childTnLst>
+                                    <p:set>
+                                      <p:cBhvr>
+                                        <p:cTn id="30" dur="1" fill="hold">
+                                          <p:stCondLst>
+                                            <p:cond delay="0"/>
+                                          </p:stCondLst>
+                                        </p:cTn>
+                                        <p:tgtEl>
+                                          <p:spTgt spid="296">
+                                            <p:txEl>
+                                              <p:pRg st="7" end="7"/>
+                                            </p:txEl>
+                                          </p:spTgt>
+                                        </p:tgtEl>
+                                        <p:attrNameLst>
+                                          <p:attrName>style.visibility</p:attrName>
+                                        </p:attrNameLst>
+                                      </p:cBhvr>
+                                      <p:to>
+                                        <p:strVal val="visible"/>
+                                      </p:to>
+                                    </p:set>
+                                  </p:childTnLst>
+                                </p:cTn>
+                              </p:par>
+                              <p:par>
+                                <p:cTn id="31" presetID="1" presetClass="entr" presetSubtype="0" fill="hold" grpId="0" nodeType="withEffect">
+                                  <p:stCondLst>
+                                    <p:cond delay="0"/>
+                                  </p:stCondLst>
+                                  <p:childTnLst>
+                                    <p:set>
+                                      <p:cBhvr>
+                                        <p:cTn id="32" dur="1" fill="hold">
+                                          <p:stCondLst>
+                                            <p:cond delay="0"/>
+                                          </p:stCondLst>
+                                        </p:cTn>
+                                        <p:tgtEl>
+                                          <p:spTgt spid="296">
+                                            <p:txEl>
+                                              <p:pRg st="8" end="8"/>
+                                            </p:txEl>
+                                          </p:spTgt>
+                                        </p:tgtEl>
+                                        <p:attrNameLst>
+                                          <p:attrName>style.visibility</p:attrName>
+                                        </p:attrNameLst>
+                                      </p:cBhvr>
+                                      <p:to>
+                                        <p:strVal val="visible"/>
+                                      </p:to>
+                                    </p:set>
+                                  </p:childTnLst>
+                                </p:cTn>
+                              </p:par>
+                            </p:childTnLst>
+                          </p:cTn>
+                        </p:par>
+                      </p:childTnLst>
+                    </p:cTn>
+                  </p:par>
+                </p:childTnLst>
+              </p:cTn>
+              <p:prevCondLst>
+                <p:cond evt="onPrev" delay="0">
+                  <p:tgtEl>
+                    <p:sldTgt/>
+                  </p:tgtEl>
+                </p:cond>
+              </p:prevCondLst>
+              <p:nextCondLst>
+                <p:cond evt="onNext" delay="0">
+                  <p:tgtEl>
+                    <p:sldTgt/>
+                  </p:tgtEl>
+                </p:cond>
+              </p:nextCondLst>
+            </p:seq>
+          </p:childTnLst>
+        </p:cTn>
+      </p:par>
+    </p:tnLst>
+    <p:bldLst>
+      <p:bldP spid="296" grpId="0" build="p"/>
+    </p:bldLst>
+  </p:timing>
+</p:sld>
+</file>
+
+<file path=ppt/slides/slide11.xml><?xml version="1.0" encoding="utf-8"?>
+<p:sld xmlns:a="http://schemas.openxmlformats.org/drawingml/2006/main" xmlns:r="http://schemas.openxmlformats.org/officeDocument/2006/relationships" xmlns:p="http://schemas.openxmlformats.org/presentationml/2006/main">
+  <p:cSld>
+    <p:spTree>
+      <p:nvGrpSpPr>
+        <p:cNvPr id="1" name="Shape 294"/>
+        <p:cNvGrpSpPr/>
+        <p:nvPr/>
+      </p:nvGrpSpPr>
+      <p:grpSpPr>
+        <a:xfrm>
+          <a:off x="0" y="0"/>
+          <a:ext cx="0" cy="0"/>
+          <a:chOff x="0" y="0"/>
+          <a:chExt cx="0" cy="0"/>
+        </a:xfrm>
+      </p:grpSpPr>
+      <p:sp>
+        <p:nvSpPr>
+          <p:cNvPr id="295" name="Google Shape;295;p27"/>
+          <p:cNvSpPr txBox="1">
+            <a:spLocks noGrp="1"/>
+          </p:cNvSpPr>
+          <p:nvPr>
+            <p:ph type="title"/>
+          </p:nvPr>
+        </p:nvSpPr>
+        <p:spPr>
+          <a:xfrm>
+            <a:off x="380010" y="-4950"/>
+            <a:ext cx="6222671" cy="1224150"/>
+          </a:xfrm>
+          <a:prstGeom prst="rect">
+            <a:avLst/>
+          </a:prstGeom>
+          <a:noFill/>
+          <a:ln>
+            <a:noFill/>
+          </a:ln>
+        </p:spPr>
+        <p:txBody>
+          <a:bodyPr spcFirstLastPara="1" wrap="square" lIns="91425" tIns="45700" rIns="91425" bIns="45700" anchor="ctr" anchorCtr="0">
+            <a:noAutofit/>
+          </a:bodyPr>
+          <a:lstStyle/>
+          <a:p>
+            <a:pPr marL="0" lvl="0" indent="0" algn="l" rtl="0">
+              <a:spcBef>
+                <a:spcPts val="0"/>
+              </a:spcBef>
+              <a:spcAft>
+                <a:spcPts val="0"/>
+              </a:spcAft>
+              <a:buClr>
+                <a:schemeClr val="lt1"/>
+              </a:buClr>
+              <a:buSzPts val="2400"/>
+              <a:buFont typeface="Arial"/>
+              <a:buNone/>
+            </a:pPr>
+            <a:r>
+              <a:rPr lang="en-US" dirty="0"/>
+              <a:t>Design Patterns - Bean</a:t>
+            </a:r>
+            <a:endParaRPr dirty="0"/>
+          </a:p>
+        </p:txBody>
+      </p:sp>
+      <p:sp>
+        <p:nvSpPr>
+          <p:cNvPr id="296" name="Google Shape;296;p27"/>
+          <p:cNvSpPr txBox="1">
+            <a:spLocks noGrp="1"/>
+          </p:cNvSpPr>
+          <p:nvPr>
+            <p:ph type="body" idx="1"/>
+          </p:nvPr>
+        </p:nvSpPr>
+        <p:spPr>
+          <a:xfrm>
+            <a:off x="380010" y="1377751"/>
+            <a:ext cx="8383980" cy="4985961"/>
+          </a:xfrm>
+          <a:prstGeom prst="rect">
+            <a:avLst/>
+          </a:prstGeom>
+          <a:noFill/>
+          <a:ln>
+            <a:noFill/>
+          </a:ln>
+        </p:spPr>
+        <p:txBody>
+          <a:bodyPr spcFirstLastPara="1" wrap="square" lIns="91425" tIns="45700" rIns="91425" bIns="45700" anchor="t" anchorCtr="0">
+            <a:normAutofit fontScale="92500" lnSpcReduction="10000"/>
+          </a:bodyPr>
+          <a:lstStyle/>
+          <a:p>
+            <a:pPr marL="342900" lvl="0" indent="-342900" algn="l" rtl="0">
+              <a:spcBef>
+                <a:spcPts val="0"/>
+              </a:spcBef>
+              <a:spcAft>
+                <a:spcPts val="0"/>
+              </a:spcAft>
+              <a:buSzPts val="2800"/>
+              <a:buChar char="•"/>
+            </a:pPr>
+            <a:r>
+              <a:rPr lang="en-US" dirty="0"/>
+              <a:t>Beans are special types of POJOs that apply certain restrictions to their creation.</a:t>
+            </a:r>
+          </a:p>
+          <a:p>
+            <a:pPr marL="342900" lvl="0" indent="-342900" algn="l" rtl="0">
+              <a:spcBef>
+                <a:spcPts val="0"/>
+              </a:spcBef>
+              <a:spcAft>
+                <a:spcPts val="0"/>
+              </a:spcAft>
+              <a:buSzPts val="2800"/>
+              <a:buChar char="•"/>
+            </a:pPr>
+            <a:r>
+              <a:rPr lang="en-US" dirty="0"/>
+              <a:t>They are used to represent data and state:</a:t>
+            </a:r>
+          </a:p>
+          <a:p>
+            <a:pPr marL="800100" lvl="1" indent="-342900">
+              <a:spcBef>
+                <a:spcPts val="0"/>
+              </a:spcBef>
+              <a:buSzPts val="2800"/>
+              <a:buChar char="•"/>
+            </a:pPr>
+            <a:r>
+              <a:rPr lang="en-US" dirty="0"/>
+              <a:t>All JavaBeans are POJOs, but not all POJOs are JavaBeans</a:t>
+            </a:r>
+          </a:p>
+          <a:p>
+            <a:pPr marL="800100" lvl="1" indent="-342900">
+              <a:spcBef>
+                <a:spcPts val="0"/>
+              </a:spcBef>
+              <a:buSzPts val="2800"/>
+              <a:buChar char="•"/>
+            </a:pPr>
+            <a:r>
+              <a:rPr lang="en-US" dirty="0"/>
+              <a:t>All JavaBeans should implement the Serializable Interface (though some beans may not)</a:t>
+            </a:r>
+          </a:p>
+          <a:p>
+            <a:pPr marL="800100" lvl="1" indent="-342900">
+              <a:spcBef>
+                <a:spcPts val="0"/>
+              </a:spcBef>
+              <a:buSzPts val="2800"/>
+              <a:buChar char="•"/>
+            </a:pPr>
+            <a:r>
+              <a:rPr lang="en-US" dirty="0"/>
+              <a:t>All Fields should be private</a:t>
+            </a:r>
+          </a:p>
+          <a:p>
+            <a:pPr marL="800100" lvl="1" indent="-342900">
+              <a:spcBef>
+                <a:spcPts val="0"/>
+              </a:spcBef>
+              <a:buSzPts val="2800"/>
+              <a:buChar char="•"/>
+            </a:pPr>
+            <a:r>
+              <a:rPr lang="en-US" dirty="0"/>
+              <a:t>All accessor and mutator (getters and setters) methods must be named get&lt;</a:t>
+            </a:r>
+            <a:r>
+              <a:rPr lang="en-US" dirty="0" err="1"/>
+              <a:t>VarName</a:t>
+            </a:r>
+            <a:r>
+              <a:rPr lang="en-US" dirty="0"/>
+              <a:t>&gt;/set&lt;</a:t>
+            </a:r>
+            <a:r>
+              <a:rPr lang="en-US" dirty="0" err="1"/>
+              <a:t>VarName</a:t>
+            </a:r>
+            <a:r>
+              <a:rPr lang="en-US" dirty="0"/>
+              <a:t>&gt;, where &lt;</a:t>
+            </a:r>
+            <a:r>
+              <a:rPr lang="en-US" dirty="0" err="1"/>
+              <a:t>VarName</a:t>
+            </a:r>
+            <a:r>
+              <a:rPr lang="en-US" dirty="0"/>
+              <a:t>&gt; matches the name of the corresponding field</a:t>
+            </a:r>
+          </a:p>
+          <a:p>
+            <a:pPr marL="800100" lvl="1" indent="-342900">
+              <a:spcBef>
+                <a:spcPts val="0"/>
+              </a:spcBef>
+              <a:buSzPts val="2800"/>
+              <a:buChar char="•"/>
+            </a:pPr>
+            <a:r>
+              <a:rPr lang="en-US" dirty="0"/>
+              <a:t>All fields are only accessed using the accessor method</a:t>
+            </a:r>
+          </a:p>
+          <a:p>
+            <a:pPr marL="800100" lvl="1" indent="-342900">
+              <a:spcBef>
+                <a:spcPts val="0"/>
+              </a:spcBef>
+              <a:buSzPts val="2800"/>
+              <a:buChar char="•"/>
+            </a:pPr>
+            <a:r>
+              <a:rPr lang="en-US" dirty="0"/>
+              <a:t>Must have a no-</a:t>
+            </a:r>
+            <a:r>
+              <a:rPr lang="en-US" dirty="0" err="1"/>
+              <a:t>args</a:t>
+            </a:r>
+            <a:r>
+              <a:rPr lang="en-US" dirty="0"/>
+              <a:t> constructor</a:t>
+            </a:r>
+          </a:p>
+          <a:p>
+            <a:pPr marL="800100" lvl="1" indent="-342900">
+              <a:spcBef>
+                <a:spcPts val="0"/>
+              </a:spcBef>
+              <a:buSzPts val="2800"/>
+              <a:buChar char="•"/>
+            </a:pPr>
+            <a:r>
+              <a:rPr lang="en-US" dirty="0"/>
+              <a:t>Provide an </a:t>
+            </a:r>
+            <a:r>
+              <a:rPr lang="en-US" dirty="0" err="1"/>
+              <a:t>overriden</a:t>
+            </a:r>
+            <a:r>
+              <a:rPr lang="en-US" dirty="0"/>
+              <a:t> version of the equals(), </a:t>
+            </a:r>
+            <a:r>
+              <a:rPr lang="en-US" dirty="0" err="1"/>
+              <a:t>hashCode</a:t>
+            </a:r>
+            <a:r>
+              <a:rPr lang="en-US" dirty="0"/>
+              <a:t>() and </a:t>
+            </a:r>
+            <a:r>
+              <a:rPr lang="en-US" dirty="0" err="1"/>
+              <a:t>toString</a:t>
+            </a:r>
+            <a:r>
+              <a:rPr lang="en-US" dirty="0"/>
+              <a:t>() methods</a:t>
+            </a:r>
+          </a:p>
+          <a:p>
+            <a:pPr marL="800100" lvl="1" indent="-342900">
+              <a:spcBef>
+                <a:spcPts val="0"/>
+              </a:spcBef>
+              <a:buSzPts val="2800"/>
+              <a:buChar char="•"/>
+            </a:pPr>
+            <a:endParaRPr lang="en-US" dirty="0"/>
+          </a:p>
+        </p:txBody>
+      </p:sp>
+      <p:sp>
+        <p:nvSpPr>
+          <p:cNvPr id="297" name="Google Shape;297;p27"/>
+          <p:cNvSpPr txBox="1">
+            <a:spLocks noGrp="1"/>
+          </p:cNvSpPr>
+          <p:nvPr>
+            <p:ph type="sldNum" idx="12"/>
+          </p:nvPr>
+        </p:nvSpPr>
+        <p:spPr>
+          <a:xfrm>
+            <a:off x="8122757" y="6363712"/>
+            <a:ext cx="861671" cy="365125"/>
+          </a:xfrm>
+          <a:prstGeom prst="rect">
+            <a:avLst/>
+          </a:prstGeom>
+          <a:noFill/>
+          <a:ln>
+            <a:noFill/>
+          </a:ln>
+        </p:spPr>
+        <p:txBody>
+          <a:bodyPr spcFirstLastPara="1" wrap="square" lIns="91425" tIns="45700" rIns="91425" bIns="45700" anchor="ctr" anchorCtr="0">
+            <a:noAutofit/>
+          </a:bodyPr>
+          <a:lstStyle/>
+          <a:p>
+            <a:pPr marL="0" lvl="0" indent="0" algn="r" rtl="0">
+              <a:spcBef>
+                <a:spcPts val="0"/>
+              </a:spcBef>
+              <a:spcAft>
+                <a:spcPts val="0"/>
+              </a:spcAft>
+              <a:buNone/>
+            </a:pPr>
+            <a:fld id="{00000000-1234-1234-1234-123412341234}" type="slidenum">
+              <a:rPr lang="en-US"/>
+              <a:t>10</a:t>
+            </a:fld>
+            <a:endParaRPr/>
+          </a:p>
+        </p:txBody>
+      </p:sp>
+    </p:spTree>
+    <p:extLst>
+      <p:ext uri="{BB962C8B-B14F-4D97-AF65-F5344CB8AC3E}">
+        <p14:creationId xmlns:p14="http://schemas.microsoft.com/office/powerpoint/2010/main" val="455838254"/>
+      </p:ext>
+    </p:extLst>
+  </p:cSld>
+  <p:clrMapOvr>
+    <a:masterClrMapping/>
+  </p:clrMapOvr>
+  <p:timing>
+    <p:tnLst>
+      <p:par>
+        <p:cTn id="1" dur="indefinite" restart="never" nodeType="tmRoot">
+          <p:childTnLst>
+            <p:seq concurrent="1" nextAc="seek">
+              <p:cTn id="2" dur="indefinite" nodeType="mainSeq">
+                <p:childTnLst>
+                  <p:par>
+                    <p:cTn id="3" fill="hold">
+                      <p:stCondLst>
+                        <p:cond delay="indefinite"/>
+                      </p:stCondLst>
+                      <p:childTnLst>
+                        <p:par>
+                          <p:cTn id="4" fill="hold">
+                            <p:stCondLst>
+                              <p:cond delay="0"/>
+                            </p:stCondLst>
+                            <p:childTnLst>
+                              <p:par>
+                                <p:cTn id="5" presetID="1" presetClass="entr" presetSubtype="0" fill="hold" grpId="0" nodeType="clickEffect">
+                                  <p:stCondLst>
+                                    <p:cond delay="0"/>
+                                  </p:stCondLst>
+                                  <p:childTnLst>
+                                    <p:set>
+                                      <p:cBhvr>
+                                        <p:cTn id="6" dur="1" fill="hold">
+                                          <p:stCondLst>
+                                            <p:cond delay="0"/>
+                                          </p:stCondLst>
+                                        </p:cTn>
+                                        <p:tgtEl>
+                                          <p:spTgt spid="296">
+                                            <p:txEl>
+                                              <p:pRg st="0" end="0"/>
+                                            </p:txEl>
+                                          </p:spTgt>
+                                        </p:tgtEl>
+                                        <p:attrNameLst>
+                                          <p:attrName>style.visibility</p:attrName>
+                                        </p:attrNameLst>
+                                      </p:cBhvr>
+                                      <p:to>
+                                        <p:strVal val="visible"/>
+                                      </p:to>
+                                    </p:set>
+                                  </p:childTnLst>
+                                </p:cTn>
+                              </p:par>
+                            </p:childTnLst>
+                          </p:cTn>
+                        </p:par>
+                      </p:childTnLst>
+                    </p:cTn>
+                  </p:par>
+                  <p:par>
+                    <p:cTn id="7" fill="hold">
+                      <p:stCondLst>
+                        <p:cond delay="indefinite"/>
+                      </p:stCondLst>
+                      <p:childTnLst>
+                        <p:par>
+                          <p:cTn id="8" fill="hold">
+                            <p:stCondLst>
+                              <p:cond delay="0"/>
+                            </p:stCondLst>
+                            <p:childTnLst>
+                              <p:par>
+                                <p:cTn id="9" presetID="1" presetClass="entr" presetSubtype="0" fill="hold" grpId="0" nodeType="clickEffect">
+                                  <p:stCondLst>
+                                    <p:cond delay="0"/>
+                                  </p:stCondLst>
+                                  <p:childTnLst>
+                                    <p:set>
+                                      <p:cBhvr>
+                                        <p:cTn id="10" dur="1" fill="hold">
+                                          <p:stCondLst>
+                                            <p:cond delay="0"/>
+                                          </p:stCondLst>
+                                        </p:cTn>
+                                        <p:tgtEl>
+                                          <p:spTgt spid="296">
+                                            <p:txEl>
+                                              <p:pRg st="1" end="1"/>
+                                            </p:txEl>
+                                          </p:spTgt>
+                                        </p:tgtEl>
+                                        <p:attrNameLst>
+                                          <p:attrName>style.visibility</p:attrName>
+                                        </p:attrNameLst>
+                                      </p:cBhvr>
+                                      <p:to>
+                                        <p:strVal val="visible"/>
+                                      </p:to>
+                                    </p:set>
+                                  </p:childTnLst>
+                                </p:cTn>
+                              </p:par>
+                              <p:par>
+                                <p:cTn id="11" presetID="1" presetClass="entr" presetSubtype="0" fill="hold" grpId="0" nodeType="withEffect">
+                                  <p:stCondLst>
+                                    <p:cond delay="0"/>
+                                  </p:stCondLst>
+                                  <p:childTnLst>
+                                    <p:set>
+                                      <p:cBhvr>
+                                        <p:cTn id="12" dur="1" fill="hold">
+                                          <p:stCondLst>
+                                            <p:cond delay="0"/>
+                                          </p:stCondLst>
+                                        </p:cTn>
+                                        <p:tgtEl>
+                                          <p:spTgt spid="296">
+                                            <p:txEl>
+                                              <p:pRg st="2" end="2"/>
+                                            </p:txEl>
+                                          </p:spTgt>
+                                        </p:tgtEl>
+                                        <p:attrNameLst>
+                                          <p:attrName>style.visibility</p:attrName>
+                                        </p:attrNameLst>
+                                      </p:cBhvr>
+                                      <p:to>
+                                        <p:strVal val="visible"/>
+                                      </p:to>
+                                    </p:set>
+                                  </p:childTnLst>
+                                </p:cTn>
+                              </p:par>
+                              <p:par>
+                                <p:cTn id="13" presetID="1" presetClass="entr" presetSubtype="0" fill="hold" grpId="0" nodeType="withEffect">
+                                  <p:stCondLst>
+                                    <p:cond delay="0"/>
+                                  </p:stCondLst>
+                                  <p:childTnLst>
+                                    <p:set>
+                                      <p:cBhvr>
+                                        <p:cTn id="14" dur="1" fill="hold">
+                                          <p:stCondLst>
+                                            <p:cond delay="0"/>
+                                          </p:stCondLst>
+                                        </p:cTn>
+                                        <p:tgtEl>
+                                          <p:spTgt spid="296">
+                                            <p:txEl>
+                                              <p:pRg st="3" end="3"/>
+                                            </p:txEl>
+                                          </p:spTgt>
+                                        </p:tgtEl>
+                                        <p:attrNameLst>
+                                          <p:attrName>style.visibility</p:attrName>
+                                        </p:attrNameLst>
+                                      </p:cBhvr>
+                                      <p:to>
+                                        <p:strVal val="visible"/>
+                                      </p:to>
+                                    </p:set>
+                                  </p:childTnLst>
+                                </p:cTn>
+                              </p:par>
+                              <p:par>
+                                <p:cTn id="15" presetID="1" presetClass="entr" presetSubtype="0" fill="hold" grpId="0" nodeType="withEffect">
+                                  <p:stCondLst>
+                                    <p:cond delay="0"/>
+                                  </p:stCondLst>
+                                  <p:childTnLst>
+                                    <p:set>
+                                      <p:cBhvr>
+                                        <p:cTn id="16" dur="1" fill="hold">
+                                          <p:stCondLst>
+                                            <p:cond delay="0"/>
+                                          </p:stCondLst>
+                                        </p:cTn>
+                                        <p:tgtEl>
+                                          <p:spTgt spid="296">
+                                            <p:txEl>
+                                              <p:pRg st="4" end="4"/>
+                                            </p:txEl>
+                                          </p:spTgt>
+                                        </p:tgtEl>
+                                        <p:attrNameLst>
+                                          <p:attrName>style.visibility</p:attrName>
+                                        </p:attrNameLst>
+                                      </p:cBhvr>
+                                      <p:to>
+                                        <p:strVal val="visible"/>
+                                      </p:to>
+                                    </p:set>
+                                  </p:childTnLst>
+                                </p:cTn>
+                              </p:par>
+                              <p:par>
+                                <p:cTn id="17" presetID="1" presetClass="entr" presetSubtype="0" fill="hold" grpId="0" nodeType="withEffect">
+                                  <p:stCondLst>
+                                    <p:cond delay="0"/>
+                                  </p:stCondLst>
+                                  <p:childTnLst>
+                                    <p:set>
+                                      <p:cBhvr>
+                                        <p:cTn id="18" dur="1" fill="hold">
+                                          <p:stCondLst>
+                                            <p:cond delay="0"/>
+                                          </p:stCondLst>
+                                        </p:cTn>
+                                        <p:tgtEl>
+                                          <p:spTgt spid="296">
+                                            <p:txEl>
+                                              <p:pRg st="5" end="5"/>
+                                            </p:txEl>
+                                          </p:spTgt>
+                                        </p:tgtEl>
+                                        <p:attrNameLst>
+                                          <p:attrName>style.visibility</p:attrName>
+                                        </p:attrNameLst>
+                                      </p:cBhvr>
+                                      <p:to>
+                                        <p:strVal val="visible"/>
+                                      </p:to>
+                                    </p:set>
+                                  </p:childTnLst>
+                                </p:cTn>
+                              </p:par>
+                              <p:par>
+                                <p:cTn id="19" presetID="1" presetClass="entr" presetSubtype="0" fill="hold" grpId="0" nodeType="withEffect">
+                                  <p:stCondLst>
+                                    <p:cond delay="0"/>
+                                  </p:stCondLst>
+                                  <p:childTnLst>
+                                    <p:set>
+                                      <p:cBhvr>
+                                        <p:cTn id="20" dur="1" fill="hold">
+                                          <p:stCondLst>
+                                            <p:cond delay="0"/>
+                                          </p:stCondLst>
+                                        </p:cTn>
+                                        <p:tgtEl>
+                                          <p:spTgt spid="296">
+                                            <p:txEl>
+                                              <p:pRg st="6" end="6"/>
+                                            </p:txEl>
+                                          </p:spTgt>
+                                        </p:tgtEl>
+                                        <p:attrNameLst>
+                                          <p:attrName>style.visibility</p:attrName>
+                                        </p:attrNameLst>
+                                      </p:cBhvr>
+                                      <p:to>
+                                        <p:strVal val="visible"/>
+                                      </p:to>
+                                    </p:set>
+                                  </p:childTnLst>
+                                </p:cTn>
+                              </p:par>
+                              <p:par>
+                                <p:cTn id="21" presetID="1" presetClass="entr" presetSubtype="0" fill="hold" grpId="0" nodeType="withEffect">
+                                  <p:stCondLst>
+                                    <p:cond delay="0"/>
+                                  </p:stCondLst>
+                                  <p:childTnLst>
+                                    <p:set>
+                                      <p:cBhvr>
+                                        <p:cTn id="22" dur="1" fill="hold">
+                                          <p:stCondLst>
+                                            <p:cond delay="0"/>
+                                          </p:stCondLst>
+                                        </p:cTn>
+                                        <p:tgtEl>
+                                          <p:spTgt spid="296">
+                                            <p:txEl>
+                                              <p:pRg st="7" end="7"/>
+                                            </p:txEl>
+                                          </p:spTgt>
+                                        </p:tgtEl>
+                                        <p:attrNameLst>
+                                          <p:attrName>style.visibility</p:attrName>
+                                        </p:attrNameLst>
+                                      </p:cBhvr>
+                                      <p:to>
+                                        <p:strVal val="visible"/>
+                                      </p:to>
+                                    </p:set>
+                                  </p:childTnLst>
+                                </p:cTn>
+                              </p:par>
+                              <p:par>
+                                <p:cTn id="23" presetID="1" presetClass="entr" presetSubtype="0" fill="hold" grpId="0" nodeType="withEffect">
+                                  <p:stCondLst>
+                                    <p:cond delay="0"/>
+                                  </p:stCondLst>
+                                  <p:childTnLst>
+                                    <p:set>
+                                      <p:cBhvr>
+                                        <p:cTn id="24" dur="1" fill="hold">
+                                          <p:stCondLst>
+                                            <p:cond delay="0"/>
+                                          </p:stCondLst>
+                                        </p:cTn>
+                                        <p:tgtEl>
+                                          <p:spTgt spid="296">
+                                            <p:txEl>
+                                              <p:pRg st="8" end="8"/>
+                                            </p:txEl>
+                                          </p:spTgt>
+                                        </p:tgtEl>
+                                        <p:attrNameLst>
+                                          <p:attrName>style.visibility</p:attrName>
+                                        </p:attrNameLst>
+                                      </p:cBhvr>
+                                      <p:to>
+                                        <p:strVal val="visible"/>
+                                      </p:to>
+                                    </p:set>
+                                  </p:childTnLst>
+                                </p:cTn>
+                              </p:par>
+                            </p:childTnLst>
+                          </p:cTn>
+                        </p:par>
+                      </p:childTnLst>
+                    </p:cTn>
+                  </p:par>
+                </p:childTnLst>
+              </p:cTn>
+              <p:prevCondLst>
+                <p:cond evt="onPrev" delay="0">
+                  <p:tgtEl>
+                    <p:sldTgt/>
+                  </p:tgtEl>
+                </p:cond>
+              </p:prevCondLst>
+              <p:nextCondLst>
+                <p:cond evt="onNext" delay="0">
+                  <p:tgtEl>
+                    <p:sldTgt/>
+                  </p:tgtEl>
+                </p:cond>
+              </p:nextCondLst>
+            </p:seq>
+          </p:childTnLst>
+        </p:cTn>
+      </p:par>
+    </p:tnLst>
+    <p:bldLst>
+      <p:bldP spid="296" grpId="0" build="p"/>
+    </p:bldLst>
+  </p:timing>
+</p:sld>
+</file>
+
+<file path=ppt/slides/slide12.xml><?xml version="1.0" encoding="utf-8"?>
+<p:sld xmlns:a="http://schemas.openxmlformats.org/drawingml/2006/main" xmlns:r="http://schemas.openxmlformats.org/officeDocument/2006/relationships" xmlns:p="http://schemas.openxmlformats.org/presentationml/2006/main">
+  <p:cSld>
+    <p:spTree>
+      <p:nvGrpSpPr>
+        <p:cNvPr id="1" name="Shape 294"/>
+        <p:cNvGrpSpPr/>
+        <p:nvPr/>
+      </p:nvGrpSpPr>
+      <p:grpSpPr>
+        <a:xfrm>
+          <a:off x="0" y="0"/>
+          <a:ext cx="0" cy="0"/>
+          <a:chOff x="0" y="0"/>
+          <a:chExt cx="0" cy="0"/>
+        </a:xfrm>
+      </p:grpSpPr>
+      <p:sp>
+        <p:nvSpPr>
+          <p:cNvPr id="295" name="Google Shape;295;p27"/>
+          <p:cNvSpPr txBox="1">
+            <a:spLocks noGrp="1"/>
+          </p:cNvSpPr>
+          <p:nvPr>
+            <p:ph type="title"/>
+          </p:nvPr>
+        </p:nvSpPr>
+        <p:spPr>
+          <a:xfrm>
+            <a:off x="380010" y="-4950"/>
+            <a:ext cx="6222671" cy="1224150"/>
+          </a:xfrm>
+          <a:prstGeom prst="rect">
+            <a:avLst/>
+          </a:prstGeom>
+          <a:noFill/>
+          <a:ln>
+            <a:noFill/>
+          </a:ln>
+        </p:spPr>
+        <p:txBody>
+          <a:bodyPr spcFirstLastPara="1" wrap="square" lIns="91425" tIns="45700" rIns="91425" bIns="45700" anchor="ctr" anchorCtr="0">
+            <a:noAutofit/>
+          </a:bodyPr>
+          <a:lstStyle/>
+          <a:p>
+            <a:pPr marL="0" lvl="0" indent="0" algn="l" rtl="0">
+              <a:spcBef>
+                <a:spcPts val="0"/>
+              </a:spcBef>
+              <a:spcAft>
+                <a:spcPts val="0"/>
+              </a:spcAft>
+              <a:buClr>
+                <a:schemeClr val="lt1"/>
+              </a:buClr>
+              <a:buSzPts val="2400"/>
+              <a:buFont typeface="Arial"/>
+              <a:buNone/>
+            </a:pPr>
+            <a:r>
+              <a:rPr lang="en-US" dirty="0"/>
+              <a:t>Design Patterns – Model Classes</a:t>
+            </a:r>
+            <a:endParaRPr dirty="0"/>
+          </a:p>
+        </p:txBody>
+      </p:sp>
+      <p:sp>
+        <p:nvSpPr>
+          <p:cNvPr id="296" name="Google Shape;296;p27"/>
+          <p:cNvSpPr txBox="1">
+            <a:spLocks noGrp="1"/>
+          </p:cNvSpPr>
+          <p:nvPr>
+            <p:ph type="body" idx="1"/>
+          </p:nvPr>
+        </p:nvSpPr>
+        <p:spPr>
+          <a:xfrm>
+            <a:off x="380010" y="1377751"/>
+            <a:ext cx="8383980" cy="4985961"/>
+          </a:xfrm>
+          <a:prstGeom prst="rect">
+            <a:avLst/>
+          </a:prstGeom>
+          <a:noFill/>
+          <a:ln>
+            <a:noFill/>
+          </a:ln>
+        </p:spPr>
+        <p:txBody>
+          <a:bodyPr spcFirstLastPara="1" wrap="square" lIns="91425" tIns="45700" rIns="91425" bIns="45700" anchor="t" anchorCtr="0">
+            <a:normAutofit/>
+          </a:bodyPr>
+          <a:lstStyle/>
+          <a:p>
+            <a:pPr marL="342900" lvl="0" indent="-342900" algn="l" rtl="0">
+              <a:spcBef>
+                <a:spcPts val="0"/>
+              </a:spcBef>
+              <a:spcAft>
+                <a:spcPts val="0"/>
+              </a:spcAft>
+              <a:buSzPts val="2800"/>
+              <a:buChar char="•"/>
+            </a:pPr>
+            <a:r>
+              <a:rPr lang="en-US" dirty="0"/>
+              <a:t>When designing classes to work with databases, we often create “Model” classes.</a:t>
+            </a:r>
+          </a:p>
+          <a:p>
+            <a:pPr marL="800100" lvl="1" indent="-342900">
+              <a:spcBef>
+                <a:spcPts val="0"/>
+              </a:spcBef>
+              <a:buSzPts val="2800"/>
+              <a:buChar char="•"/>
+            </a:pPr>
+            <a:r>
+              <a:rPr lang="en-US" dirty="0"/>
+              <a:t>Used with Relational databases</a:t>
+            </a:r>
+          </a:p>
+          <a:p>
+            <a:pPr marL="800100" lvl="1" indent="-342900">
+              <a:spcBef>
+                <a:spcPts val="0"/>
+              </a:spcBef>
+              <a:buSzPts val="2800"/>
+              <a:buChar char="•"/>
+            </a:pPr>
+            <a:r>
+              <a:rPr lang="en-US" dirty="0"/>
+              <a:t>Represent data in our java application, as it is stored within a database</a:t>
+            </a:r>
+          </a:p>
+          <a:p>
+            <a:pPr marL="800100" lvl="1" indent="-342900">
+              <a:spcBef>
+                <a:spcPts val="0"/>
+              </a:spcBef>
+              <a:buSzPts val="2800"/>
+              <a:buChar char="•"/>
+            </a:pPr>
+            <a:r>
+              <a:rPr lang="en-US" dirty="0"/>
+              <a:t>Communicates information between database and Java Application.</a:t>
+            </a:r>
+          </a:p>
+          <a:p>
+            <a:pPr marL="800100" lvl="1" indent="-342900">
+              <a:spcBef>
+                <a:spcPts val="0"/>
+              </a:spcBef>
+              <a:buSzPts val="2800"/>
+              <a:buChar char="•"/>
+            </a:pPr>
+            <a:r>
+              <a:rPr lang="en-US" dirty="0"/>
+              <a:t>Model classes are used as part of other design patterns (DAO, Repository, Service, </a:t>
+            </a:r>
+            <a:r>
+              <a:rPr lang="en-US" dirty="0" err="1"/>
+              <a:t>etc</a:t>
+            </a:r>
+            <a:r>
+              <a:rPr lang="en-US" dirty="0"/>
+              <a:t>…)</a:t>
+            </a:r>
+          </a:p>
+          <a:p>
+            <a:pPr marL="800100" lvl="1" indent="-342900">
+              <a:spcBef>
+                <a:spcPts val="0"/>
+              </a:spcBef>
+              <a:buSzPts val="2800"/>
+              <a:buChar char="•"/>
+            </a:pPr>
+            <a:endParaRPr lang="en-US" dirty="0"/>
+          </a:p>
+          <a:p>
+            <a:pPr marL="800100" lvl="1" indent="-342900">
+              <a:spcBef>
+                <a:spcPts val="0"/>
+              </a:spcBef>
+              <a:buSzPts val="2800"/>
+              <a:buChar char="•"/>
+            </a:pPr>
+            <a:endParaRPr lang="en-US" dirty="0"/>
+          </a:p>
+        </p:txBody>
+      </p:sp>
+      <p:sp>
+        <p:nvSpPr>
+          <p:cNvPr id="297" name="Google Shape;297;p27"/>
+          <p:cNvSpPr txBox="1">
+            <a:spLocks noGrp="1"/>
+          </p:cNvSpPr>
+          <p:nvPr>
+            <p:ph type="sldNum" idx="12"/>
+          </p:nvPr>
+        </p:nvSpPr>
+        <p:spPr>
+          <a:xfrm>
+            <a:off x="8122757" y="6363712"/>
+            <a:ext cx="861671" cy="365125"/>
+          </a:xfrm>
+          <a:prstGeom prst="rect">
+            <a:avLst/>
+          </a:prstGeom>
+          <a:noFill/>
+          <a:ln>
+            <a:noFill/>
+          </a:ln>
+        </p:spPr>
+        <p:txBody>
+          <a:bodyPr spcFirstLastPara="1" wrap="square" lIns="91425" tIns="45700" rIns="91425" bIns="45700" anchor="ctr" anchorCtr="0">
+            <a:noAutofit/>
+          </a:bodyPr>
+          <a:lstStyle/>
+          <a:p>
+            <a:pPr marL="0" lvl="0" indent="0" algn="r" rtl="0">
+              <a:spcBef>
+                <a:spcPts val="0"/>
+              </a:spcBef>
+              <a:spcAft>
+                <a:spcPts val="0"/>
+              </a:spcAft>
+              <a:buNone/>
+            </a:pPr>
+            <a:fld id="{00000000-1234-1234-1234-123412341234}" type="slidenum">
+              <a:rPr lang="en-US"/>
+              <a:t>11</a:t>
+            </a:fld>
+            <a:endParaRPr/>
+          </a:p>
+        </p:txBody>
+      </p:sp>
+    </p:spTree>
+    <p:extLst>
+      <p:ext uri="{BB962C8B-B14F-4D97-AF65-F5344CB8AC3E}">
+        <p14:creationId xmlns:p14="http://schemas.microsoft.com/office/powerpoint/2010/main" val="4182362295"/>
+      </p:ext>
+    </p:extLst>
+  </p:cSld>
+  <p:clrMapOvr>
+    <a:masterClrMapping/>
+  </p:clrMapOvr>
+  <p:timing>
+    <p:tnLst>
+      <p:par>
+        <p:cTn id="1" dur="indefinite" restart="never" nodeType="tmRoot">
+          <p:childTnLst>
+            <p:seq concurrent="1" nextAc="seek">
+              <p:cTn id="2" dur="indefinite" nodeType="mainSeq">
+                <p:childTnLst>
+                  <p:par>
+                    <p:cTn id="3" fill="hold">
+                      <p:stCondLst>
+                        <p:cond delay="indefinite"/>
+                      </p:stCondLst>
+                      <p:childTnLst>
+                        <p:par>
+                          <p:cTn id="4" fill="hold">
+                            <p:stCondLst>
+                              <p:cond delay="0"/>
+                            </p:stCondLst>
+                            <p:childTnLst>
+                              <p:par>
+                                <p:cTn id="5" presetID="1" presetClass="entr" presetSubtype="0" fill="hold" grpId="0" nodeType="clickEffect">
+                                  <p:stCondLst>
+                                    <p:cond delay="0"/>
+                                  </p:stCondLst>
+                                  <p:childTnLst>
+                                    <p:set>
+                                      <p:cBhvr>
+                                        <p:cTn id="6" dur="1" fill="hold">
+                                          <p:stCondLst>
+                                            <p:cond delay="0"/>
+                                          </p:stCondLst>
+                                        </p:cTn>
+                                        <p:tgtEl>
+                                          <p:spTgt spid="296">
+                                            <p:txEl>
+                                              <p:pRg st="0" end="0"/>
+                                            </p:txEl>
+                                          </p:spTgt>
+                                        </p:tgtEl>
+                                        <p:attrNameLst>
+                                          <p:attrName>style.visibility</p:attrName>
+                                        </p:attrNameLst>
+                                      </p:cBhvr>
+                                      <p:to>
+                                        <p:strVal val="visible"/>
+                                      </p:to>
+                                    </p:set>
+                                  </p:childTnLst>
+                                </p:cTn>
+                              </p:par>
+                              <p:par>
+                                <p:cTn id="7" presetID="1" presetClass="entr" presetSubtype="0" fill="hold" grpId="0" nodeType="withEffect">
+                                  <p:stCondLst>
+                                    <p:cond delay="0"/>
+                                  </p:stCondLst>
+                                  <p:childTnLst>
+                                    <p:set>
+                                      <p:cBhvr>
+                                        <p:cTn id="8" dur="1" fill="hold">
+                                          <p:stCondLst>
+                                            <p:cond delay="0"/>
+                                          </p:stCondLst>
+                                        </p:cTn>
+                                        <p:tgtEl>
+                                          <p:spTgt spid="296">
+                                            <p:txEl>
+                                              <p:pRg st="1" end="1"/>
+                                            </p:txEl>
+                                          </p:spTgt>
+                                        </p:tgtEl>
+                                        <p:attrNameLst>
+                                          <p:attrName>style.visibility</p:attrName>
+                                        </p:attrNameLst>
+                                      </p:cBhvr>
+                                      <p:to>
+                                        <p:strVal val="visible"/>
+                                      </p:to>
+                                    </p:set>
+                                  </p:childTnLst>
+                                </p:cTn>
+                              </p:par>
+                              <p:par>
+                                <p:cTn id="9" presetID="1" presetClass="entr" presetSubtype="0" fill="hold" grpId="0" nodeType="withEffect">
+                                  <p:stCondLst>
+                                    <p:cond delay="0"/>
+                                  </p:stCondLst>
+                                  <p:childTnLst>
+                                    <p:set>
+                                      <p:cBhvr>
+                                        <p:cTn id="10" dur="1" fill="hold">
+                                          <p:stCondLst>
+                                            <p:cond delay="0"/>
+                                          </p:stCondLst>
+                                        </p:cTn>
+                                        <p:tgtEl>
+                                          <p:spTgt spid="296">
+                                            <p:txEl>
+                                              <p:pRg st="2" end="2"/>
+                                            </p:txEl>
+                                          </p:spTgt>
+                                        </p:tgtEl>
+                                        <p:attrNameLst>
+                                          <p:attrName>style.visibility</p:attrName>
+                                        </p:attrNameLst>
+                                      </p:cBhvr>
+                                      <p:to>
+                                        <p:strVal val="visible"/>
+                                      </p:to>
+                                    </p:set>
+                                  </p:childTnLst>
+                                </p:cTn>
+                              </p:par>
+                              <p:par>
+                                <p:cTn id="11" presetID="1" presetClass="entr" presetSubtype="0" fill="hold" grpId="0" nodeType="withEffect">
+                                  <p:stCondLst>
+                                    <p:cond delay="0"/>
+                                  </p:stCondLst>
+                                  <p:childTnLst>
+                                    <p:set>
+                                      <p:cBhvr>
+                                        <p:cTn id="12" dur="1" fill="hold">
+                                          <p:stCondLst>
+                                            <p:cond delay="0"/>
+                                          </p:stCondLst>
+                                        </p:cTn>
+                                        <p:tgtEl>
+                                          <p:spTgt spid="296">
+                                            <p:txEl>
+                                              <p:pRg st="3" end="3"/>
+                                            </p:txEl>
+                                          </p:spTgt>
+                                        </p:tgtEl>
+                                        <p:attrNameLst>
+                                          <p:attrName>style.visibility</p:attrName>
+                                        </p:attrNameLst>
+                                      </p:cBhvr>
+                                      <p:to>
+                                        <p:strVal val="visible"/>
+                                      </p:to>
+                                    </p:set>
+                                  </p:childTnLst>
+                                </p:cTn>
+                              </p:par>
+                              <p:par>
+                                <p:cTn id="13" presetID="1" presetClass="entr" presetSubtype="0" fill="hold" grpId="0" nodeType="withEffect">
+                                  <p:stCondLst>
+                                    <p:cond delay="0"/>
+                                  </p:stCondLst>
+                                  <p:childTnLst>
+                                    <p:set>
+                                      <p:cBhvr>
+                                        <p:cTn id="14" dur="1" fill="hold">
+                                          <p:stCondLst>
+                                            <p:cond delay="0"/>
+                                          </p:stCondLst>
+                                        </p:cTn>
+                                        <p:tgtEl>
+                                          <p:spTgt spid="296">
+                                            <p:txEl>
+                                              <p:pRg st="4" end="4"/>
+                                            </p:txEl>
+                                          </p:spTgt>
+                                        </p:tgtEl>
+                                        <p:attrNameLst>
+                                          <p:attrName>style.visibility</p:attrName>
+                                        </p:attrNameLst>
+                                      </p:cBhvr>
+                                      <p:to>
+                                        <p:strVal val="visible"/>
+                                      </p:to>
+                                    </p:set>
+                                  </p:childTnLst>
+                                </p:cTn>
+                              </p:par>
+                            </p:childTnLst>
+                          </p:cTn>
+                        </p:par>
+                      </p:childTnLst>
+                    </p:cTn>
+                  </p:par>
+                </p:childTnLst>
+              </p:cTn>
+              <p:prevCondLst>
+                <p:cond evt="onPrev" delay="0">
+                  <p:tgtEl>
+                    <p:sldTgt/>
+                  </p:tgtEl>
+                </p:cond>
+              </p:prevCondLst>
+              <p:nextCondLst>
+                <p:cond evt="onNext" delay="0">
+                  <p:tgtEl>
+                    <p:sldTgt/>
+                  </p:tgtEl>
+                </p:cond>
+              </p:nextCondLst>
+            </p:seq>
+          </p:childTnLst>
+        </p:cTn>
+      </p:par>
+    </p:tnLst>
+    <p:bldLst>
+      <p:bldP spid="296" grpId="0" build="p"/>
+    </p:bldLst>
+  </p:timing>
+</p:sld>
+</file>
+
+<file path=ppt/slides/slide13.xml><?xml version="1.0" encoding="utf-8"?>
 <p:sld xmlns:a="http://schemas.openxmlformats.org/drawingml/2006/main" xmlns:r="http://schemas.openxmlformats.org/officeDocument/2006/relationships" xmlns:p="http://schemas.openxmlformats.org/presentationml/2006/main">
   <p:cSld>
     <p:spTree>
@@ -25155,130 +27352,7 @@
           <a:p>
             <a:r>
               <a:rPr lang="en-US" dirty="0"/>
-              <a:t>try-with-resources</a:t>
-            </a:r>
-          </a:p>
-        </p:txBody>
-      </p:sp>
-      <p:sp>
-        <p:nvSpPr>
-          <p:cNvPr id="3" name="Text Placeholder 2">
-            <a:extLst>
-              <a:ext uri="{FF2B5EF4-FFF2-40B4-BE49-F238E27FC236}">
-                <a16:creationId xmlns:a16="http://schemas.microsoft.com/office/drawing/2014/main" id="{0C6BA468-B2FB-4410-8CC4-82872A4103B6}"/>
-              </a:ext>
-            </a:extLst>
-          </p:cNvPr>
-          <p:cNvSpPr>
-            <a:spLocks noGrp="1"/>
-          </p:cNvSpPr>
-          <p:nvPr>
-            <p:ph type="body" idx="1"/>
-          </p:nvPr>
-        </p:nvSpPr>
-        <p:spPr>
-          <a:xfrm>
-            <a:off x="380010" y="1481446"/>
-            <a:ext cx="8383980" cy="3788141"/>
-          </a:xfrm>
-        </p:spPr>
-        <p:txBody>
-          <a:bodyPr>
-            <a:normAutofit fontScale="85000" lnSpcReduction="20000"/>
-          </a:bodyPr>
-          <a:lstStyle/>
-          <a:p>
-            <a:r>
-              <a:rPr lang="en-US" dirty="0"/>
-              <a:t>In situations where a particular resource is needed or is used with code that can result in an error, a </a:t>
-            </a:r>
-            <a:r>
-              <a:rPr lang="en-US" dirty="0">
-                <a:latin typeface="Courier New" panose="02070309020205020404" pitchFamily="49" charset="0"/>
-                <a:cs typeface="Courier New" panose="02070309020205020404" pitchFamily="49" charset="0"/>
-              </a:rPr>
-              <a:t>try</a:t>
-            </a:r>
-            <a:r>
-              <a:rPr lang="en-US" dirty="0"/>
-              <a:t>-with-resources statement can be used.</a:t>
-            </a:r>
-          </a:p>
-          <a:p>
-            <a:r>
-              <a:rPr lang="en-US" dirty="0">
-                <a:latin typeface="Courier New" panose="02070309020205020404" pitchFamily="49" charset="0"/>
-                <a:cs typeface="Courier New" panose="02070309020205020404" pitchFamily="49" charset="0"/>
-              </a:rPr>
-              <a:t>try</a:t>
-            </a:r>
-            <a:r>
-              <a:rPr lang="en-US" dirty="0"/>
-              <a:t>-with-resources allows you to use a standard </a:t>
-            </a:r>
-            <a:r>
-              <a:rPr lang="en-US" dirty="0">
-                <a:latin typeface="Courier New" panose="02070309020205020404" pitchFamily="49" charset="0"/>
-                <a:cs typeface="Courier New" panose="02070309020205020404" pitchFamily="49" charset="0"/>
-              </a:rPr>
-              <a:t>try-catch</a:t>
-            </a:r>
-            <a:r>
-              <a:rPr lang="en-US" dirty="0"/>
-              <a:t> block but pass certain objects within the </a:t>
-            </a:r>
-            <a:r>
-              <a:rPr lang="en-US" dirty="0">
-                <a:latin typeface="Courier New" panose="02070309020205020404" pitchFamily="49" charset="0"/>
-                <a:cs typeface="Courier New" panose="02070309020205020404" pitchFamily="49" charset="0"/>
-              </a:rPr>
-              <a:t>try</a:t>
-            </a:r>
-            <a:r>
-              <a:rPr lang="en-US" dirty="0"/>
-              <a:t> statement.</a:t>
-            </a:r>
-          </a:p>
-          <a:p>
-            <a:pPr lvl="1"/>
-            <a:r>
-              <a:rPr lang="en-US" dirty="0"/>
-              <a:t>These objects must implement the </a:t>
-            </a:r>
-            <a:r>
-              <a:rPr lang="en-US" dirty="0" err="1">
-                <a:latin typeface="Courier New" panose="02070309020205020404" pitchFamily="49" charset="0"/>
-                <a:cs typeface="Courier New" panose="02070309020205020404" pitchFamily="49" charset="0"/>
-              </a:rPr>
-              <a:t>java.lang.AutoCloseable</a:t>
-            </a:r>
-            <a:r>
-              <a:rPr lang="en-US" dirty="0">
-                <a:latin typeface="Courier New" panose="02070309020205020404" pitchFamily="49" charset="0"/>
-                <a:cs typeface="Courier New" panose="02070309020205020404" pitchFamily="49" charset="0"/>
-              </a:rPr>
-              <a:t> </a:t>
-            </a:r>
-            <a:r>
-              <a:rPr lang="en-US" dirty="0"/>
-              <a:t>or </a:t>
-            </a:r>
-            <a:r>
-              <a:rPr lang="en-US" dirty="0" err="1">
-                <a:latin typeface="Courier New" panose="02070309020205020404" pitchFamily="49" charset="0"/>
-                <a:cs typeface="Courier New" panose="02070309020205020404" pitchFamily="49" charset="0"/>
-              </a:rPr>
-              <a:t>java.lang.Closeable</a:t>
-            </a:r>
-            <a:r>
-              <a:rPr lang="en-US" dirty="0"/>
-              <a:t> interface.</a:t>
-            </a:r>
-          </a:p>
-          <a:p>
-            <a:r>
-              <a:rPr lang="en-US" dirty="0"/>
-              <a:t>Try-with-resources ensures that each resource will be closed at the end of the statement.</a:t>
+              <a:t>Dates</a:t>
             </a:r>
           </a:p>
         </p:txBody>
@@ -25315,7 +27389,133 @@
             </a:pPr>
             <a:fld id="{00000000-1234-1234-1234-123412341234}" type="slidenum">
               <a:rPr lang="en-US" smtClean="0"/>
-              <a:t>9</a:t>
+              <a:t>12</a:t>
+            </a:fld>
+            <a:endParaRPr lang="en-US"/>
+          </a:p>
+        </p:txBody>
+      </p:sp>
+      <p:pic>
+        <p:nvPicPr>
+          <p:cNvPr id="7" name="Picture 6" descr="Graphical user interface, text, application&#10;&#10;Description automatically generated">
+            <a:extLst>
+              <a:ext uri="{FF2B5EF4-FFF2-40B4-BE49-F238E27FC236}">
+                <a16:creationId xmlns:a16="http://schemas.microsoft.com/office/drawing/2014/main" id="{B96E04BB-2889-4927-BD19-78F73A040EC2}"/>
+              </a:ext>
+            </a:extLst>
+          </p:cNvPr>
+          <p:cNvPicPr>
+            <a:picLocks noChangeAspect="1"/>
+          </p:cNvPicPr>
+          <p:nvPr/>
+        </p:nvPicPr>
+        <p:blipFill>
+          <a:blip r:embed="rId2"/>
+          <a:stretch>
+            <a:fillRect/>
+          </a:stretch>
+        </p:blipFill>
+        <p:spPr>
+          <a:xfrm>
+            <a:off x="0" y="0"/>
+            <a:ext cx="6842943" cy="6858000"/>
+          </a:xfrm>
+          <a:prstGeom prst="rect">
+            <a:avLst/>
+          </a:prstGeom>
+        </p:spPr>
+      </p:pic>
+    </p:spTree>
+    <p:extLst>
+      <p:ext uri="{BB962C8B-B14F-4D97-AF65-F5344CB8AC3E}">
+        <p14:creationId xmlns:p14="http://schemas.microsoft.com/office/powerpoint/2010/main" val="3118233354"/>
+      </p:ext>
+    </p:extLst>
+  </p:cSld>
+  <p:clrMapOvr>
+    <a:masterClrMapping/>
+  </p:clrMapOvr>
+</p:sld>
+</file>
+
+<file path=ppt/slides/slide14.xml><?xml version="1.0" encoding="utf-8"?>
+<p:sld xmlns:a="http://schemas.openxmlformats.org/drawingml/2006/main" xmlns:r="http://schemas.openxmlformats.org/officeDocument/2006/relationships" xmlns:p="http://schemas.openxmlformats.org/presentationml/2006/main">
+  <p:cSld>
+    <p:spTree>
+      <p:nvGrpSpPr>
+        <p:cNvPr id="1" name=""/>
+        <p:cNvGrpSpPr/>
+        <p:nvPr/>
+      </p:nvGrpSpPr>
+      <p:grpSpPr>
+        <a:xfrm>
+          <a:off x="0" y="0"/>
+          <a:ext cx="0" cy="0"/>
+          <a:chOff x="0" y="0"/>
+          <a:chExt cx="0" cy="0"/>
+        </a:xfrm>
+      </p:grpSpPr>
+      <p:sp>
+        <p:nvSpPr>
+          <p:cNvPr id="2" name="Title 1">
+            <a:extLst>
+              <a:ext uri="{FF2B5EF4-FFF2-40B4-BE49-F238E27FC236}">
+                <a16:creationId xmlns:a16="http://schemas.microsoft.com/office/drawing/2014/main" id="{437930B4-E996-4435-B9F1-D407853E2C03}"/>
+              </a:ext>
+            </a:extLst>
+          </p:cNvPr>
+          <p:cNvSpPr>
+            <a:spLocks noGrp="1"/>
+          </p:cNvSpPr>
+          <p:nvPr>
+            <p:ph type="title"/>
+          </p:nvPr>
+        </p:nvSpPr>
+        <p:spPr/>
+        <p:txBody>
+          <a:bodyPr/>
+          <a:lstStyle/>
+          <a:p>
+            <a:r>
+              <a:rPr lang="en-US" dirty="0"/>
+              <a:t>Java vs SQL Dates</a:t>
+            </a:r>
+          </a:p>
+        </p:txBody>
+      </p:sp>
+      <p:sp>
+        <p:nvSpPr>
+          <p:cNvPr id="4" name="Slide Number Placeholder 3">
+            <a:extLst>
+              <a:ext uri="{FF2B5EF4-FFF2-40B4-BE49-F238E27FC236}">
+                <a16:creationId xmlns:a16="http://schemas.microsoft.com/office/drawing/2014/main" id="{483A7CCD-D4F0-4527-9651-963B2389435E}"/>
+              </a:ext>
+            </a:extLst>
+          </p:cNvPr>
+          <p:cNvSpPr>
+            <a:spLocks noGrp="1"/>
+          </p:cNvSpPr>
+          <p:nvPr>
+            <p:ph type="sldNum" idx="12"/>
+          </p:nvPr>
+        </p:nvSpPr>
+        <p:spPr/>
+        <p:txBody>
+          <a:bodyPr/>
+          <a:lstStyle/>
+          <a:p>
+            <a:pPr marL="0" lvl="0" indent="0" algn="r" rtl="0">
+              <a:spcBef>
+                <a:spcPts val="0"/>
+              </a:spcBef>
+              <a:spcAft>
+                <a:spcPts val="0"/>
+              </a:spcAft>
+              <a:buNone/>
+            </a:pPr>
+            <a:fld id="{00000000-1234-1234-1234-123412341234}" type="slidenum">
+              <a:rPr lang="en-US" smtClean="0"/>
+              <a:t>13</a:t>
             </a:fld>
             <a:endParaRPr lang="en-US"/>
           </a:p>
@@ -25323,10 +27523,1034 @@
       </p:sp>
       <p:sp>
         <p:nvSpPr>
-          <p:cNvPr id="5" name="Rectangle 4">
+          <p:cNvPr id="5" name="Google Shape;296;p27">
             <a:extLst>
               <a:ext uri="{FF2B5EF4-FFF2-40B4-BE49-F238E27FC236}">
-                <a16:creationId xmlns:a16="http://schemas.microsoft.com/office/drawing/2014/main" id="{35349C8C-AE06-490B-AE3B-6FC5768DA991}"/>
+                <a16:creationId xmlns:a16="http://schemas.microsoft.com/office/drawing/2014/main" id="{B51B15C2-463C-45FB-9095-7D638494C1BB}"/>
+              </a:ext>
+            </a:extLst>
+          </p:cNvPr>
+          <p:cNvSpPr txBox="1">
+            <a:spLocks noGrp="1"/>
+          </p:cNvSpPr>
+          <p:nvPr>
+            <p:ph type="body" idx="1"/>
+          </p:nvPr>
+        </p:nvSpPr>
+        <p:spPr>
+          <a:xfrm>
+            <a:off x="380010" y="1377751"/>
+            <a:ext cx="8383980" cy="4985961"/>
+          </a:xfrm>
+          <a:prstGeom prst="rect">
+            <a:avLst/>
+          </a:prstGeom>
+          <a:noFill/>
+          <a:ln>
+            <a:noFill/>
+          </a:ln>
+        </p:spPr>
+        <p:txBody>
+          <a:bodyPr spcFirstLastPara="1" wrap="square" lIns="91425" tIns="45700" rIns="91425" bIns="45700" anchor="t" anchorCtr="0">
+            <a:normAutofit/>
+          </a:bodyPr>
+          <a:lstStyle/>
+          <a:p>
+            <a:pPr marL="800100" lvl="1" indent="-342900">
+              <a:spcBef>
+                <a:spcPts val="0"/>
+              </a:spcBef>
+              <a:buSzPts val="2800"/>
+              <a:buChar char="•"/>
+            </a:pPr>
+            <a:endParaRPr lang="en-US" dirty="0"/>
+          </a:p>
+          <a:p>
+            <a:pPr marL="800100" lvl="1" indent="-342900">
+              <a:spcBef>
+                <a:spcPts val="0"/>
+              </a:spcBef>
+              <a:buSzPts val="2800"/>
+              <a:buChar char="•"/>
+            </a:pPr>
+            <a:endParaRPr lang="en-US" dirty="0"/>
+          </a:p>
+        </p:txBody>
+      </p:sp>
+      <p:sp>
+        <p:nvSpPr>
+          <p:cNvPr id="6" name="Google Shape;296;p27">
+            <a:extLst>
+              <a:ext uri="{FF2B5EF4-FFF2-40B4-BE49-F238E27FC236}">
+                <a16:creationId xmlns:a16="http://schemas.microsoft.com/office/drawing/2014/main" id="{AC2AF8AB-9369-4B5E-AC04-263C48A2D78C}"/>
+              </a:ext>
+            </a:extLst>
+          </p:cNvPr>
+          <p:cNvSpPr txBox="1">
+            <a:spLocks/>
+          </p:cNvSpPr>
+          <p:nvPr/>
+        </p:nvSpPr>
+        <p:spPr>
+          <a:xfrm>
+            <a:off x="532410" y="1530151"/>
+            <a:ext cx="8383980" cy="4985961"/>
+          </a:xfrm>
+          <a:prstGeom prst="rect">
+            <a:avLst/>
+          </a:prstGeom>
+          <a:noFill/>
+          <a:ln>
+            <a:noFill/>
+          </a:ln>
+        </p:spPr>
+        <p:txBody>
+          <a:bodyPr spcFirstLastPara="1" wrap="square" lIns="91425" tIns="45700" rIns="91425" bIns="45700" anchor="t" anchorCtr="0">
+            <a:normAutofit/>
+          </a:bodyPr>
+          <a:lstStyle>
+            <a:defPPr marR="0" lvl="0" algn="l" rtl="0">
+              <a:lnSpc>
+                <a:spcPct val="100000"/>
+              </a:lnSpc>
+              <a:spcBef>
+                <a:spcPts val="0"/>
+              </a:spcBef>
+              <a:spcAft>
+                <a:spcPts val="0"/>
+              </a:spcAft>
+            </a:defPPr>
+            <a:lvl1pPr marL="457200" marR="0" lvl="0" indent="-406400" algn="l" rtl="0">
+              <a:lnSpc>
+                <a:spcPct val="100000"/>
+              </a:lnSpc>
+              <a:spcBef>
+                <a:spcPts val="560"/>
+              </a:spcBef>
+              <a:spcAft>
+                <a:spcPts val="0"/>
+              </a:spcAft>
+              <a:buClr>
+                <a:schemeClr val="accent1"/>
+              </a:buClr>
+              <a:buSzPts val="2800"/>
+              <a:buFont typeface="Arial"/>
+              <a:buChar char="•"/>
+              <a:defRPr sz="2800" b="0" i="0" u="none" strike="noStrike" cap="none">
+                <a:solidFill>
+                  <a:schemeClr val="dk2"/>
+                </a:solidFill>
+                <a:latin typeface="Arial"/>
+                <a:ea typeface="Arial"/>
+                <a:cs typeface="Arial"/>
+                <a:sym typeface="Arial"/>
+              </a:defRPr>
+            </a:lvl1pPr>
+            <a:lvl2pPr marL="914400" marR="0" lvl="1" indent="-381000" algn="l" rtl="0">
+              <a:lnSpc>
+                <a:spcPct val="100000"/>
+              </a:lnSpc>
+              <a:spcBef>
+                <a:spcPts val="480"/>
+              </a:spcBef>
+              <a:spcAft>
+                <a:spcPts val="0"/>
+              </a:spcAft>
+              <a:buClr>
+                <a:schemeClr val="accent1"/>
+              </a:buClr>
+              <a:buSzPts val="2400"/>
+              <a:buFont typeface="Arial"/>
+              <a:buChar char="–"/>
+              <a:defRPr sz="2400" b="0" i="0" u="none" strike="noStrike" cap="none">
+                <a:solidFill>
+                  <a:schemeClr val="dk2"/>
+                </a:solidFill>
+                <a:latin typeface="Arial"/>
+                <a:ea typeface="Arial"/>
+                <a:cs typeface="Arial"/>
+                <a:sym typeface="Arial"/>
+              </a:defRPr>
+            </a:lvl2pPr>
+            <a:lvl3pPr marL="1371600" marR="0" lvl="2" indent="-355600" algn="l" rtl="0">
+              <a:lnSpc>
+                <a:spcPct val="100000"/>
+              </a:lnSpc>
+              <a:spcBef>
+                <a:spcPts val="400"/>
+              </a:spcBef>
+              <a:spcAft>
+                <a:spcPts val="0"/>
+              </a:spcAft>
+              <a:buClr>
+                <a:schemeClr val="accent1"/>
+              </a:buClr>
+              <a:buSzPts val="2000"/>
+              <a:buFont typeface="Arial"/>
+              <a:buChar char="•"/>
+              <a:defRPr sz="2000" b="0" i="0" u="none" strike="noStrike" cap="none">
+                <a:solidFill>
+                  <a:schemeClr val="dk2"/>
+                </a:solidFill>
+                <a:latin typeface="Arial"/>
+                <a:ea typeface="Arial"/>
+                <a:cs typeface="Arial"/>
+                <a:sym typeface="Arial"/>
+              </a:defRPr>
+            </a:lvl3pPr>
+            <a:lvl4pPr marL="1828800" marR="0" lvl="3" indent="-342900" algn="l" rtl="0">
+              <a:lnSpc>
+                <a:spcPct val="100000"/>
+              </a:lnSpc>
+              <a:spcBef>
+                <a:spcPts val="360"/>
+              </a:spcBef>
+              <a:spcAft>
+                <a:spcPts val="0"/>
+              </a:spcAft>
+              <a:buClr>
+                <a:schemeClr val="accent1"/>
+              </a:buClr>
+              <a:buSzPts val="1800"/>
+              <a:buFont typeface="Arial"/>
+              <a:buChar char="–"/>
+              <a:defRPr sz="1800" b="0" i="0" u="none" strike="noStrike" cap="none">
+                <a:solidFill>
+                  <a:schemeClr val="dk2"/>
+                </a:solidFill>
+                <a:latin typeface="Arial"/>
+                <a:ea typeface="Arial"/>
+                <a:cs typeface="Arial"/>
+                <a:sym typeface="Arial"/>
+              </a:defRPr>
+            </a:lvl4pPr>
+            <a:lvl5pPr marL="2286000" marR="0" lvl="4" indent="-342900" algn="l" rtl="0">
+              <a:lnSpc>
+                <a:spcPct val="100000"/>
+              </a:lnSpc>
+              <a:spcBef>
+                <a:spcPts val="360"/>
+              </a:spcBef>
+              <a:spcAft>
+                <a:spcPts val="0"/>
+              </a:spcAft>
+              <a:buClr>
+                <a:schemeClr val="accent1"/>
+              </a:buClr>
+              <a:buSzPts val="1800"/>
+              <a:buFont typeface="Arial"/>
+              <a:buChar char="»"/>
+              <a:defRPr sz="1800" b="0" i="0" u="none" strike="noStrike" cap="none">
+                <a:solidFill>
+                  <a:schemeClr val="dk2"/>
+                </a:solidFill>
+                <a:latin typeface="Arial"/>
+                <a:ea typeface="Arial"/>
+                <a:cs typeface="Arial"/>
+                <a:sym typeface="Arial"/>
+              </a:defRPr>
+            </a:lvl5pPr>
+            <a:lvl6pPr marL="2743200" marR="0" lvl="5" indent="-342900" algn="l" rtl="0">
+              <a:lnSpc>
+                <a:spcPct val="100000"/>
+              </a:lnSpc>
+              <a:spcBef>
+                <a:spcPts val="360"/>
+              </a:spcBef>
+              <a:spcAft>
+                <a:spcPts val="0"/>
+              </a:spcAft>
+              <a:buClr>
+                <a:schemeClr val="dk1"/>
+              </a:buClr>
+              <a:buSzPts val="1800"/>
+              <a:buFont typeface="Arial"/>
+              <a:buChar char="•"/>
+              <a:defRPr sz="2000" b="0" i="0" u="none" strike="noStrike" cap="none">
+                <a:solidFill>
+                  <a:schemeClr val="dk1"/>
+                </a:solidFill>
+                <a:latin typeface="Arial"/>
+                <a:ea typeface="Arial"/>
+                <a:cs typeface="Arial"/>
+                <a:sym typeface="Arial"/>
+              </a:defRPr>
+            </a:lvl6pPr>
+            <a:lvl7pPr marL="3200400" marR="0" lvl="6" indent="-342900" algn="l" rtl="0">
+              <a:lnSpc>
+                <a:spcPct val="100000"/>
+              </a:lnSpc>
+              <a:spcBef>
+                <a:spcPts val="360"/>
+              </a:spcBef>
+              <a:spcAft>
+                <a:spcPts val="0"/>
+              </a:spcAft>
+              <a:buClr>
+                <a:schemeClr val="dk1"/>
+              </a:buClr>
+              <a:buSzPts val="1800"/>
+              <a:buFont typeface="Arial"/>
+              <a:buChar char="•"/>
+              <a:defRPr sz="2000" b="0" i="0" u="none" strike="noStrike" cap="none">
+                <a:solidFill>
+                  <a:schemeClr val="dk1"/>
+                </a:solidFill>
+                <a:latin typeface="Arial"/>
+                <a:ea typeface="Arial"/>
+                <a:cs typeface="Arial"/>
+                <a:sym typeface="Arial"/>
+              </a:defRPr>
+            </a:lvl7pPr>
+            <a:lvl8pPr marL="3657600" marR="0" lvl="7" indent="-342900" algn="l" rtl="0">
+              <a:lnSpc>
+                <a:spcPct val="100000"/>
+              </a:lnSpc>
+              <a:spcBef>
+                <a:spcPts val="360"/>
+              </a:spcBef>
+              <a:spcAft>
+                <a:spcPts val="0"/>
+              </a:spcAft>
+              <a:buClr>
+                <a:schemeClr val="dk1"/>
+              </a:buClr>
+              <a:buSzPts val="1800"/>
+              <a:buFont typeface="Arial"/>
+              <a:buChar char="•"/>
+              <a:defRPr sz="2000" b="0" i="0" u="none" strike="noStrike" cap="none">
+                <a:solidFill>
+                  <a:schemeClr val="dk1"/>
+                </a:solidFill>
+                <a:latin typeface="Arial"/>
+                <a:ea typeface="Arial"/>
+                <a:cs typeface="Arial"/>
+                <a:sym typeface="Arial"/>
+              </a:defRPr>
+            </a:lvl8pPr>
+            <a:lvl9pPr marL="4114800" marR="0" lvl="8" indent="-342900" algn="l" rtl="0">
+              <a:lnSpc>
+                <a:spcPct val="100000"/>
+              </a:lnSpc>
+              <a:spcBef>
+                <a:spcPts val="360"/>
+              </a:spcBef>
+              <a:spcAft>
+                <a:spcPts val="0"/>
+              </a:spcAft>
+              <a:buClr>
+                <a:schemeClr val="dk1"/>
+              </a:buClr>
+              <a:buSzPts val="1800"/>
+              <a:buFont typeface="Arial"/>
+              <a:buChar char="•"/>
+              <a:defRPr sz="2000" b="0" i="0" u="none" strike="noStrike" cap="none">
+                <a:solidFill>
+                  <a:schemeClr val="dk1"/>
+                </a:solidFill>
+                <a:latin typeface="Arial"/>
+                <a:ea typeface="Arial"/>
+                <a:cs typeface="Arial"/>
+                <a:sym typeface="Arial"/>
+              </a:defRPr>
+            </a:lvl9pPr>
+          </a:lstStyle>
+          <a:p>
+            <a:pPr marL="342900" indent="-342900">
+              <a:spcBef>
+                <a:spcPts val="0"/>
+              </a:spcBef>
+            </a:pPr>
+            <a:r>
+              <a:rPr lang="en-US" dirty="0"/>
+              <a:t>Java supports a variety of Date and Time classes to represent moments in time. The primary two classes are </a:t>
+            </a:r>
+            <a:r>
+              <a:rPr lang="en-US" dirty="0" err="1"/>
+              <a:t>java.util.Date</a:t>
+            </a:r>
+            <a:r>
+              <a:rPr lang="en-US" dirty="0"/>
+              <a:t> and </a:t>
+            </a:r>
+            <a:r>
+              <a:rPr lang="en-US" dirty="0" err="1"/>
+              <a:t>java.sql.Date</a:t>
+            </a:r>
+            <a:r>
+              <a:rPr lang="en-US" dirty="0"/>
+              <a:t>.</a:t>
+            </a:r>
+          </a:p>
+          <a:p>
+            <a:pPr marL="342900" indent="-342900">
+              <a:spcBef>
+                <a:spcPts val="0"/>
+              </a:spcBef>
+            </a:pPr>
+            <a:r>
+              <a:rPr lang="en-US" dirty="0" err="1"/>
+              <a:t>java.sql.Date</a:t>
+            </a:r>
+            <a:r>
+              <a:rPr lang="en-US" dirty="0"/>
+              <a:t> acts as a wrapper around </a:t>
+            </a:r>
+            <a:r>
+              <a:rPr lang="en-US" dirty="0" err="1"/>
+              <a:t>java.util.Date</a:t>
+            </a:r>
+            <a:r>
+              <a:rPr lang="en-US" dirty="0"/>
+              <a:t>, providing functionality more suitable for working with databases (particularly SQL databases, as the package declaration implies).</a:t>
+            </a:r>
+          </a:p>
+          <a:p>
+            <a:pPr marL="800100" lvl="1" indent="-342900">
+              <a:spcBef>
+                <a:spcPts val="0"/>
+              </a:spcBef>
+              <a:buSzPts val="2800"/>
+              <a:buFont typeface="Arial"/>
+              <a:buChar char="•"/>
+            </a:pPr>
+            <a:endParaRPr lang="en-US" dirty="0"/>
+          </a:p>
+        </p:txBody>
+      </p:sp>
+    </p:spTree>
+    <p:extLst>
+      <p:ext uri="{BB962C8B-B14F-4D97-AF65-F5344CB8AC3E}">
+        <p14:creationId xmlns:p14="http://schemas.microsoft.com/office/powerpoint/2010/main" val="2835611660"/>
+      </p:ext>
+    </p:extLst>
+  </p:cSld>
+  <p:clrMapOvr>
+    <a:masterClrMapping/>
+  </p:clrMapOvr>
+  <p:timing>
+    <p:tnLst>
+      <p:par>
+        <p:cTn id="1" dur="indefinite" restart="never" nodeType="tmRoot">
+          <p:childTnLst>
+            <p:seq concurrent="1" nextAc="seek">
+              <p:cTn id="2" dur="indefinite" nodeType="mainSeq">
+                <p:childTnLst>
+                  <p:par>
+                    <p:cTn id="3" fill="hold">
+                      <p:stCondLst>
+                        <p:cond delay="indefinite"/>
+                      </p:stCondLst>
+                      <p:childTnLst>
+                        <p:par>
+                          <p:cTn id="4" fill="hold">
+                            <p:stCondLst>
+                              <p:cond delay="0"/>
+                            </p:stCondLst>
+                            <p:childTnLst>
+                              <p:par>
+                                <p:cTn id="5" presetID="1" presetClass="entr" presetSubtype="0" fill="hold" grpId="0" nodeType="clickEffect">
+                                  <p:stCondLst>
+                                    <p:cond delay="0"/>
+                                  </p:stCondLst>
+                                  <p:childTnLst>
+                                    <p:set>
+                                      <p:cBhvr>
+                                        <p:cTn id="6" dur="1" fill="hold">
+                                          <p:stCondLst>
+                                            <p:cond delay="0"/>
+                                          </p:stCondLst>
+                                        </p:cTn>
+                                        <p:tgtEl>
+                                          <p:spTgt spid="6">
+                                            <p:txEl>
+                                              <p:pRg st="0" end="0"/>
+                                            </p:txEl>
+                                          </p:spTgt>
+                                        </p:tgtEl>
+                                        <p:attrNameLst>
+                                          <p:attrName>style.visibility</p:attrName>
+                                        </p:attrNameLst>
+                                      </p:cBhvr>
+                                      <p:to>
+                                        <p:strVal val="visible"/>
+                                      </p:to>
+                                    </p:set>
+                                  </p:childTnLst>
+                                </p:cTn>
+                              </p:par>
+                            </p:childTnLst>
+                          </p:cTn>
+                        </p:par>
+                      </p:childTnLst>
+                    </p:cTn>
+                  </p:par>
+                  <p:par>
+                    <p:cTn id="7" fill="hold">
+                      <p:stCondLst>
+                        <p:cond delay="indefinite"/>
+                      </p:stCondLst>
+                      <p:childTnLst>
+                        <p:par>
+                          <p:cTn id="8" fill="hold">
+                            <p:stCondLst>
+                              <p:cond delay="0"/>
+                            </p:stCondLst>
+                            <p:childTnLst>
+                              <p:par>
+                                <p:cTn id="9" presetID="1" presetClass="entr" presetSubtype="0" fill="hold" grpId="0" nodeType="clickEffect">
+                                  <p:stCondLst>
+                                    <p:cond delay="0"/>
+                                  </p:stCondLst>
+                                  <p:childTnLst>
+                                    <p:set>
+                                      <p:cBhvr>
+                                        <p:cTn id="10" dur="1" fill="hold">
+                                          <p:stCondLst>
+                                            <p:cond delay="0"/>
+                                          </p:stCondLst>
+                                        </p:cTn>
+                                        <p:tgtEl>
+                                          <p:spTgt spid="6">
+                                            <p:txEl>
+                                              <p:pRg st="1" end="1"/>
+                                            </p:txEl>
+                                          </p:spTgt>
+                                        </p:tgtEl>
+                                        <p:attrNameLst>
+                                          <p:attrName>style.visibility</p:attrName>
+                                        </p:attrNameLst>
+                                      </p:cBhvr>
+                                      <p:to>
+                                        <p:strVal val="visible"/>
+                                      </p:to>
+                                    </p:set>
+                                  </p:childTnLst>
+                                </p:cTn>
+                              </p:par>
+                            </p:childTnLst>
+                          </p:cTn>
+                        </p:par>
+                      </p:childTnLst>
+                    </p:cTn>
+                  </p:par>
+                </p:childTnLst>
+              </p:cTn>
+              <p:prevCondLst>
+                <p:cond evt="onPrev" delay="0">
+                  <p:tgtEl>
+                    <p:sldTgt/>
+                  </p:tgtEl>
+                </p:cond>
+              </p:prevCondLst>
+              <p:nextCondLst>
+                <p:cond evt="onNext" delay="0">
+                  <p:tgtEl>
+                    <p:sldTgt/>
+                  </p:tgtEl>
+                </p:cond>
+              </p:nextCondLst>
+            </p:seq>
+          </p:childTnLst>
+        </p:cTn>
+      </p:par>
+    </p:tnLst>
+    <p:bldLst>
+      <p:bldP spid="6" grpId="0" build="p"/>
+    </p:bldLst>
+  </p:timing>
+</p:sld>
+</file>
+
+<file path=ppt/slides/slide15.xml><?xml version="1.0" encoding="utf-8"?>
+<p:sld xmlns:a="http://schemas.openxmlformats.org/drawingml/2006/main" xmlns:r="http://schemas.openxmlformats.org/officeDocument/2006/relationships" xmlns:p="http://schemas.openxmlformats.org/presentationml/2006/main">
+  <p:cSld>
+    <p:spTree>
+      <p:nvGrpSpPr>
+        <p:cNvPr id="1" name=""/>
+        <p:cNvGrpSpPr/>
+        <p:nvPr/>
+      </p:nvGrpSpPr>
+      <p:grpSpPr>
+        <a:xfrm>
+          <a:off x="0" y="0"/>
+          <a:ext cx="0" cy="0"/>
+          <a:chOff x="0" y="0"/>
+          <a:chExt cx="0" cy="0"/>
+        </a:xfrm>
+      </p:grpSpPr>
+      <p:sp>
+        <p:nvSpPr>
+          <p:cNvPr id="2" name="Title 1">
+            <a:extLst>
+              <a:ext uri="{FF2B5EF4-FFF2-40B4-BE49-F238E27FC236}">
+                <a16:creationId xmlns:a16="http://schemas.microsoft.com/office/drawing/2014/main" id="{437930B4-E996-4435-B9F1-D407853E2C03}"/>
+              </a:ext>
+            </a:extLst>
+          </p:cNvPr>
+          <p:cNvSpPr>
+            <a:spLocks noGrp="1"/>
+          </p:cNvSpPr>
+          <p:nvPr>
+            <p:ph type="title"/>
+          </p:nvPr>
+        </p:nvSpPr>
+        <p:spPr/>
+        <p:txBody>
+          <a:bodyPr/>
+          <a:lstStyle/>
+          <a:p>
+            <a:r>
+              <a:rPr lang="en-US" i="1" dirty="0" err="1"/>
+              <a:t>java.util.Date</a:t>
+            </a:r>
+            <a:endParaRPr lang="en-US" i="1" dirty="0"/>
+          </a:p>
+        </p:txBody>
+      </p:sp>
+      <p:sp>
+        <p:nvSpPr>
+          <p:cNvPr id="4" name="Slide Number Placeholder 3">
+            <a:extLst>
+              <a:ext uri="{FF2B5EF4-FFF2-40B4-BE49-F238E27FC236}">
+                <a16:creationId xmlns:a16="http://schemas.microsoft.com/office/drawing/2014/main" id="{483A7CCD-D4F0-4527-9651-963B2389435E}"/>
+              </a:ext>
+            </a:extLst>
+          </p:cNvPr>
+          <p:cNvSpPr>
+            <a:spLocks noGrp="1"/>
+          </p:cNvSpPr>
+          <p:nvPr>
+            <p:ph type="sldNum" idx="12"/>
+          </p:nvPr>
+        </p:nvSpPr>
+        <p:spPr/>
+        <p:txBody>
+          <a:bodyPr/>
+          <a:lstStyle/>
+          <a:p>
+            <a:pPr marL="0" lvl="0" indent="0" algn="r" rtl="0">
+              <a:spcBef>
+                <a:spcPts val="0"/>
+              </a:spcBef>
+              <a:spcAft>
+                <a:spcPts val="0"/>
+              </a:spcAft>
+              <a:buNone/>
+            </a:pPr>
+            <a:fld id="{00000000-1234-1234-1234-123412341234}" type="slidenum">
+              <a:rPr lang="en-US" smtClean="0"/>
+              <a:t>14</a:t>
+            </a:fld>
+            <a:endParaRPr lang="en-US"/>
+          </a:p>
+        </p:txBody>
+      </p:sp>
+      <p:sp>
+        <p:nvSpPr>
+          <p:cNvPr id="5" name="Google Shape;296;p27">
+            <a:extLst>
+              <a:ext uri="{FF2B5EF4-FFF2-40B4-BE49-F238E27FC236}">
+                <a16:creationId xmlns:a16="http://schemas.microsoft.com/office/drawing/2014/main" id="{B51B15C2-463C-45FB-9095-7D638494C1BB}"/>
+              </a:ext>
+            </a:extLst>
+          </p:cNvPr>
+          <p:cNvSpPr txBox="1">
+            <a:spLocks noGrp="1"/>
+          </p:cNvSpPr>
+          <p:nvPr>
+            <p:ph type="body" idx="1"/>
+          </p:nvPr>
+        </p:nvSpPr>
+        <p:spPr>
+          <a:xfrm>
+            <a:off x="380010" y="1377751"/>
+            <a:ext cx="8383980" cy="4985961"/>
+          </a:xfrm>
+          <a:prstGeom prst="rect">
+            <a:avLst/>
+          </a:prstGeom>
+          <a:noFill/>
+          <a:ln>
+            <a:noFill/>
+          </a:ln>
+        </p:spPr>
+        <p:txBody>
+          <a:bodyPr spcFirstLastPara="1" wrap="square" lIns="91425" tIns="45700" rIns="91425" bIns="45700" anchor="t" anchorCtr="0">
+            <a:normAutofit/>
+          </a:bodyPr>
+          <a:lstStyle/>
+          <a:p>
+            <a:pPr marL="800100" lvl="1" indent="-342900">
+              <a:spcBef>
+                <a:spcPts val="0"/>
+              </a:spcBef>
+              <a:buSzPts val="2800"/>
+              <a:buChar char="•"/>
+            </a:pPr>
+            <a:endParaRPr lang="en-US" dirty="0"/>
+          </a:p>
+          <a:p>
+            <a:pPr marL="800100" lvl="1" indent="-342900">
+              <a:spcBef>
+                <a:spcPts val="0"/>
+              </a:spcBef>
+              <a:buSzPts val="2800"/>
+              <a:buChar char="•"/>
+            </a:pPr>
+            <a:endParaRPr lang="en-US" dirty="0"/>
+          </a:p>
+        </p:txBody>
+      </p:sp>
+      <p:sp>
+        <p:nvSpPr>
+          <p:cNvPr id="6" name="Google Shape;296;p27">
+            <a:extLst>
+              <a:ext uri="{FF2B5EF4-FFF2-40B4-BE49-F238E27FC236}">
+                <a16:creationId xmlns:a16="http://schemas.microsoft.com/office/drawing/2014/main" id="{AC2AF8AB-9369-4B5E-AC04-263C48A2D78C}"/>
+              </a:ext>
+            </a:extLst>
+          </p:cNvPr>
+          <p:cNvSpPr txBox="1">
+            <a:spLocks/>
+          </p:cNvSpPr>
+          <p:nvPr/>
+        </p:nvSpPr>
+        <p:spPr>
+          <a:xfrm>
+            <a:off x="532410" y="1530152"/>
+            <a:ext cx="8383980" cy="2735564"/>
+          </a:xfrm>
+          <a:prstGeom prst="rect">
+            <a:avLst/>
+          </a:prstGeom>
+          <a:noFill/>
+          <a:ln>
+            <a:noFill/>
+          </a:ln>
+        </p:spPr>
+        <p:txBody>
+          <a:bodyPr spcFirstLastPara="1" wrap="square" lIns="91425" tIns="45700" rIns="91425" bIns="45700" anchor="t" anchorCtr="0">
+            <a:normAutofit/>
+          </a:bodyPr>
+          <a:lstStyle>
+            <a:defPPr marR="0" lvl="0" algn="l" rtl="0">
+              <a:lnSpc>
+                <a:spcPct val="100000"/>
+              </a:lnSpc>
+              <a:spcBef>
+                <a:spcPts val="0"/>
+              </a:spcBef>
+              <a:spcAft>
+                <a:spcPts val="0"/>
+              </a:spcAft>
+            </a:defPPr>
+            <a:lvl1pPr marL="457200" marR="0" lvl="0" indent="-406400" algn="l" rtl="0">
+              <a:lnSpc>
+                <a:spcPct val="100000"/>
+              </a:lnSpc>
+              <a:spcBef>
+                <a:spcPts val="560"/>
+              </a:spcBef>
+              <a:spcAft>
+                <a:spcPts val="0"/>
+              </a:spcAft>
+              <a:buClr>
+                <a:schemeClr val="accent1"/>
+              </a:buClr>
+              <a:buSzPts val="2800"/>
+              <a:buFont typeface="Arial"/>
+              <a:buChar char="•"/>
+              <a:defRPr sz="2800" b="0" i="0" u="none" strike="noStrike" cap="none">
+                <a:solidFill>
+                  <a:schemeClr val="dk2"/>
+                </a:solidFill>
+                <a:latin typeface="Arial"/>
+                <a:ea typeface="Arial"/>
+                <a:cs typeface="Arial"/>
+                <a:sym typeface="Arial"/>
+              </a:defRPr>
+            </a:lvl1pPr>
+            <a:lvl2pPr marL="914400" marR="0" lvl="1" indent="-381000" algn="l" rtl="0">
+              <a:lnSpc>
+                <a:spcPct val="100000"/>
+              </a:lnSpc>
+              <a:spcBef>
+                <a:spcPts val="480"/>
+              </a:spcBef>
+              <a:spcAft>
+                <a:spcPts val="0"/>
+              </a:spcAft>
+              <a:buClr>
+                <a:schemeClr val="accent1"/>
+              </a:buClr>
+              <a:buSzPts val="2400"/>
+              <a:buFont typeface="Arial"/>
+              <a:buChar char="–"/>
+              <a:defRPr sz="2400" b="0" i="0" u="none" strike="noStrike" cap="none">
+                <a:solidFill>
+                  <a:schemeClr val="dk2"/>
+                </a:solidFill>
+                <a:latin typeface="Arial"/>
+                <a:ea typeface="Arial"/>
+                <a:cs typeface="Arial"/>
+                <a:sym typeface="Arial"/>
+              </a:defRPr>
+            </a:lvl2pPr>
+            <a:lvl3pPr marL="1371600" marR="0" lvl="2" indent="-355600" algn="l" rtl="0">
+              <a:lnSpc>
+                <a:spcPct val="100000"/>
+              </a:lnSpc>
+              <a:spcBef>
+                <a:spcPts val="400"/>
+              </a:spcBef>
+              <a:spcAft>
+                <a:spcPts val="0"/>
+              </a:spcAft>
+              <a:buClr>
+                <a:schemeClr val="accent1"/>
+              </a:buClr>
+              <a:buSzPts val="2000"/>
+              <a:buFont typeface="Arial"/>
+              <a:buChar char="•"/>
+              <a:defRPr sz="2000" b="0" i="0" u="none" strike="noStrike" cap="none">
+                <a:solidFill>
+                  <a:schemeClr val="dk2"/>
+                </a:solidFill>
+                <a:latin typeface="Arial"/>
+                <a:ea typeface="Arial"/>
+                <a:cs typeface="Arial"/>
+                <a:sym typeface="Arial"/>
+              </a:defRPr>
+            </a:lvl3pPr>
+            <a:lvl4pPr marL="1828800" marR="0" lvl="3" indent="-342900" algn="l" rtl="0">
+              <a:lnSpc>
+                <a:spcPct val="100000"/>
+              </a:lnSpc>
+              <a:spcBef>
+                <a:spcPts val="360"/>
+              </a:spcBef>
+              <a:spcAft>
+                <a:spcPts val="0"/>
+              </a:spcAft>
+              <a:buClr>
+                <a:schemeClr val="accent1"/>
+              </a:buClr>
+              <a:buSzPts val="1800"/>
+              <a:buFont typeface="Arial"/>
+              <a:buChar char="–"/>
+              <a:defRPr sz="1800" b="0" i="0" u="none" strike="noStrike" cap="none">
+                <a:solidFill>
+                  <a:schemeClr val="dk2"/>
+                </a:solidFill>
+                <a:latin typeface="Arial"/>
+                <a:ea typeface="Arial"/>
+                <a:cs typeface="Arial"/>
+                <a:sym typeface="Arial"/>
+              </a:defRPr>
+            </a:lvl4pPr>
+            <a:lvl5pPr marL="2286000" marR="0" lvl="4" indent="-342900" algn="l" rtl="0">
+              <a:lnSpc>
+                <a:spcPct val="100000"/>
+              </a:lnSpc>
+              <a:spcBef>
+                <a:spcPts val="360"/>
+              </a:spcBef>
+              <a:spcAft>
+                <a:spcPts val="0"/>
+              </a:spcAft>
+              <a:buClr>
+                <a:schemeClr val="accent1"/>
+              </a:buClr>
+              <a:buSzPts val="1800"/>
+              <a:buFont typeface="Arial"/>
+              <a:buChar char="»"/>
+              <a:defRPr sz="1800" b="0" i="0" u="none" strike="noStrike" cap="none">
+                <a:solidFill>
+                  <a:schemeClr val="dk2"/>
+                </a:solidFill>
+                <a:latin typeface="Arial"/>
+                <a:ea typeface="Arial"/>
+                <a:cs typeface="Arial"/>
+                <a:sym typeface="Arial"/>
+              </a:defRPr>
+            </a:lvl5pPr>
+            <a:lvl6pPr marL="2743200" marR="0" lvl="5" indent="-342900" algn="l" rtl="0">
+              <a:lnSpc>
+                <a:spcPct val="100000"/>
+              </a:lnSpc>
+              <a:spcBef>
+                <a:spcPts val="360"/>
+              </a:spcBef>
+              <a:spcAft>
+                <a:spcPts val="0"/>
+              </a:spcAft>
+              <a:buClr>
+                <a:schemeClr val="dk1"/>
+              </a:buClr>
+              <a:buSzPts val="1800"/>
+              <a:buFont typeface="Arial"/>
+              <a:buChar char="•"/>
+              <a:defRPr sz="2000" b="0" i="0" u="none" strike="noStrike" cap="none">
+                <a:solidFill>
+                  <a:schemeClr val="dk1"/>
+                </a:solidFill>
+                <a:latin typeface="Arial"/>
+                <a:ea typeface="Arial"/>
+                <a:cs typeface="Arial"/>
+                <a:sym typeface="Arial"/>
+              </a:defRPr>
+            </a:lvl6pPr>
+            <a:lvl7pPr marL="3200400" marR="0" lvl="6" indent="-342900" algn="l" rtl="0">
+              <a:lnSpc>
+                <a:spcPct val="100000"/>
+              </a:lnSpc>
+              <a:spcBef>
+                <a:spcPts val="360"/>
+              </a:spcBef>
+              <a:spcAft>
+                <a:spcPts val="0"/>
+              </a:spcAft>
+              <a:buClr>
+                <a:schemeClr val="dk1"/>
+              </a:buClr>
+              <a:buSzPts val="1800"/>
+              <a:buFont typeface="Arial"/>
+              <a:buChar char="•"/>
+              <a:defRPr sz="2000" b="0" i="0" u="none" strike="noStrike" cap="none">
+                <a:solidFill>
+                  <a:schemeClr val="dk1"/>
+                </a:solidFill>
+                <a:latin typeface="Arial"/>
+                <a:ea typeface="Arial"/>
+                <a:cs typeface="Arial"/>
+                <a:sym typeface="Arial"/>
+              </a:defRPr>
+            </a:lvl7pPr>
+            <a:lvl8pPr marL="3657600" marR="0" lvl="7" indent="-342900" algn="l" rtl="0">
+              <a:lnSpc>
+                <a:spcPct val="100000"/>
+              </a:lnSpc>
+              <a:spcBef>
+                <a:spcPts val="360"/>
+              </a:spcBef>
+              <a:spcAft>
+                <a:spcPts val="0"/>
+              </a:spcAft>
+              <a:buClr>
+                <a:schemeClr val="dk1"/>
+              </a:buClr>
+              <a:buSzPts val="1800"/>
+              <a:buFont typeface="Arial"/>
+              <a:buChar char="•"/>
+              <a:defRPr sz="2000" b="0" i="0" u="none" strike="noStrike" cap="none">
+                <a:solidFill>
+                  <a:schemeClr val="dk1"/>
+                </a:solidFill>
+                <a:latin typeface="Arial"/>
+                <a:ea typeface="Arial"/>
+                <a:cs typeface="Arial"/>
+                <a:sym typeface="Arial"/>
+              </a:defRPr>
+            </a:lvl8pPr>
+            <a:lvl9pPr marL="4114800" marR="0" lvl="8" indent="-342900" algn="l" rtl="0">
+              <a:lnSpc>
+                <a:spcPct val="100000"/>
+              </a:lnSpc>
+              <a:spcBef>
+                <a:spcPts val="360"/>
+              </a:spcBef>
+              <a:spcAft>
+                <a:spcPts val="0"/>
+              </a:spcAft>
+              <a:buClr>
+                <a:schemeClr val="dk1"/>
+              </a:buClr>
+              <a:buSzPts val="1800"/>
+              <a:buFont typeface="Arial"/>
+              <a:buChar char="•"/>
+              <a:defRPr sz="2000" b="0" i="0" u="none" strike="noStrike" cap="none">
+                <a:solidFill>
+                  <a:schemeClr val="dk1"/>
+                </a:solidFill>
+                <a:latin typeface="Arial"/>
+                <a:ea typeface="Arial"/>
+                <a:cs typeface="Arial"/>
+                <a:sym typeface="Arial"/>
+              </a:defRPr>
+            </a:lvl9pPr>
+          </a:lstStyle>
+          <a:p>
+            <a:pPr marL="342900" indent="-342900">
+              <a:spcBef>
+                <a:spcPts val="0"/>
+              </a:spcBef>
+            </a:pPr>
+            <a:r>
+              <a:rPr lang="en-US" dirty="0"/>
+              <a:t>Java Dates are created using a constructor which takes a long value. </a:t>
+            </a:r>
+            <a:r>
+              <a:rPr lang="en-US" dirty="0" err="1"/>
+              <a:t>Thes</a:t>
+            </a:r>
+            <a:r>
+              <a:rPr lang="en-US" dirty="0"/>
+              <a:t> value represents milliseconds since Jan 01, 1990 (based on the United States Naval Observatory Master clock).</a:t>
+            </a:r>
+          </a:p>
+          <a:p>
+            <a:pPr marL="342900" indent="-342900">
+              <a:spcBef>
+                <a:spcPts val="0"/>
+              </a:spcBef>
+            </a:pPr>
+            <a:r>
+              <a:rPr lang="en-US" dirty="0"/>
+              <a:t>Java dates will display in the following format:</a:t>
+            </a:r>
+          </a:p>
+          <a:p>
+            <a:pPr marL="0" indent="0">
+              <a:spcBef>
+                <a:spcPts val="0"/>
+              </a:spcBef>
+              <a:buNone/>
+            </a:pPr>
+            <a:r>
+              <a:rPr lang="en-US" dirty="0"/>
+              <a:t>	Dow Mon DD </a:t>
+            </a:r>
+            <a:r>
+              <a:rPr lang="en-US" dirty="0" err="1"/>
+              <a:t>hh:mm:ss</a:t>
+            </a:r>
+            <a:r>
+              <a:rPr lang="en-US" dirty="0"/>
+              <a:t> </a:t>
+            </a:r>
+            <a:r>
+              <a:rPr lang="en-US" dirty="0" err="1"/>
+              <a:t>zzz</a:t>
+            </a:r>
+            <a:r>
+              <a:rPr lang="en-US" dirty="0"/>
+              <a:t> </a:t>
+            </a:r>
+            <a:r>
+              <a:rPr lang="en-US" dirty="0" err="1"/>
+              <a:t>yyyy</a:t>
+            </a:r>
+            <a:endParaRPr lang="en-US" dirty="0"/>
+          </a:p>
+        </p:txBody>
+      </p:sp>
+      <p:sp>
+        <p:nvSpPr>
+          <p:cNvPr id="7" name="Rectangle 6">
+            <a:extLst>
+              <a:ext uri="{FF2B5EF4-FFF2-40B4-BE49-F238E27FC236}">
+                <a16:creationId xmlns:a16="http://schemas.microsoft.com/office/drawing/2014/main" id="{2743A122-FF1D-45B4-9D2C-294A3BC48189}"/>
               </a:ext>
             </a:extLst>
           </p:cNvPr>
@@ -25335,8 +28559,8 @@
         </p:nvSpPr>
         <p:spPr>
           <a:xfrm>
-            <a:off x="1827251" y="5049079"/>
-            <a:ext cx="5489498" cy="1314634"/>
+            <a:off x="532410" y="4265716"/>
+            <a:ext cx="8231579" cy="1732870"/>
           </a:xfrm>
           <a:prstGeom prst="rect">
             <a:avLst/>
@@ -25358,71 +28582,658 @@
         </p:style>
         <p:txBody>
           <a:bodyPr rtlCol="0" anchor="ctr">
-            <a:normAutofit fontScale="92500" lnSpcReduction="20000"/>
+            <a:normAutofit lnSpcReduction="10000"/>
           </a:bodyPr>
           <a:lstStyle/>
           <a:p>
-            <a:pPr defTabSz="228600"/>
+            <a:pPr algn="l"/>
             <a:r>
-              <a:rPr lang="en-US" sz="2000" dirty="0">
-                <a:latin typeface="+mj-lt"/>
-                <a:cs typeface="Courier New" panose="02070309020205020404" pitchFamily="49" charset="0"/>
+              <a:rPr lang="en-US" sz="1800" b="1" dirty="0">
+                <a:solidFill>
+                  <a:srgbClr val="7F0055"/>
+                </a:solidFill>
+                <a:latin typeface="Consolas" panose="020B0609020204030204" pitchFamily="49" charset="0"/>
               </a:rPr>
-              <a:t>try (resource) {</a:t>
+              <a:t>import</a:t>
+            </a:r>
+            <a:r>
+              <a:rPr lang="en-US" sz="1800" b="1" dirty="0">
+                <a:solidFill>
+                  <a:srgbClr val="000000"/>
+                </a:solidFill>
+                <a:latin typeface="Consolas" panose="020B0609020204030204" pitchFamily="49" charset="0"/>
+              </a:rPr>
+              <a:t> </a:t>
+            </a:r>
+            <a:r>
+              <a:rPr lang="en-US" sz="1800" b="1" dirty="0" err="1">
+                <a:solidFill>
+                  <a:srgbClr val="000000"/>
+                </a:solidFill>
+                <a:latin typeface="Consolas" panose="020B0609020204030204" pitchFamily="49" charset="0"/>
+              </a:rPr>
+              <a:t>java.util.Date</a:t>
+            </a:r>
+            <a:r>
+              <a:rPr lang="en-US" sz="1800" b="1" dirty="0">
+                <a:solidFill>
+                  <a:srgbClr val="000000"/>
+                </a:solidFill>
+                <a:latin typeface="Consolas" panose="020B0609020204030204" pitchFamily="49" charset="0"/>
+              </a:rPr>
+              <a:t>;</a:t>
             </a:r>
           </a:p>
           <a:p>
-            <a:pPr defTabSz="228600"/>
+            <a:pPr algn="l"/>
             <a:r>
-              <a:rPr lang="en-US" sz="2000" dirty="0">
-                <a:latin typeface="+mj-lt"/>
-                <a:cs typeface="Courier New" panose="02070309020205020404" pitchFamily="49" charset="0"/>
+              <a:rPr lang="en-US" sz="1800" dirty="0">
+                <a:solidFill>
+                  <a:srgbClr val="000000"/>
+                </a:solidFill>
+                <a:latin typeface="Consolas" panose="020B0609020204030204" pitchFamily="49" charset="0"/>
               </a:rPr>
-              <a:t>	//	statements;</a:t>
+              <a:t>// ...</a:t>
             </a:r>
           </a:p>
           <a:p>
-            <a:pPr defTabSz="228600"/>
+            <a:pPr algn="l"/>
             <a:r>
-              <a:rPr lang="en-US" sz="2000" dirty="0">
-                <a:latin typeface="+mj-lt"/>
-                <a:cs typeface="Courier New" panose="02070309020205020404" pitchFamily="49" charset="0"/>
+              <a:rPr lang="en-US" sz="1800" dirty="0">
+                <a:solidFill>
+                  <a:srgbClr val="000000"/>
+                </a:solidFill>
+                <a:latin typeface="Consolas" panose="020B0609020204030204" pitchFamily="49" charset="0"/>
               </a:rPr>
-              <a:t>} catch (</a:t>
+              <a:t>Date </a:t>
             </a:r>
             <a:r>
-              <a:rPr lang="en-US" sz="2000" dirty="0" err="1">
-                <a:latin typeface="+mj-lt"/>
-                <a:cs typeface="Courier New" panose="02070309020205020404" pitchFamily="49" charset="0"/>
+              <a:rPr lang="en-US" sz="1800" dirty="0">
+                <a:solidFill>
+                  <a:srgbClr val="6A3E3E"/>
+                </a:solidFill>
+                <a:latin typeface="Consolas" panose="020B0609020204030204" pitchFamily="49" charset="0"/>
               </a:rPr>
-              <a:t>Exception_type</a:t>
+              <a:t>javaDate_1</a:t>
             </a:r>
             <a:r>
-              <a:rPr lang="en-US" sz="2000" dirty="0">
-                <a:latin typeface="+mj-lt"/>
-                <a:cs typeface="Courier New" panose="02070309020205020404" pitchFamily="49" charset="0"/>
+              <a:rPr lang="en-US" sz="1800" dirty="0">
+                <a:solidFill>
+                  <a:srgbClr val="000000"/>
+                </a:solidFill>
+                <a:latin typeface="Consolas" panose="020B0609020204030204" pitchFamily="49" charset="0"/>
               </a:rPr>
-              <a:t> e) {</a:t>
+              <a:t> = </a:t>
+            </a:r>
+            <a:r>
+              <a:rPr lang="en-US" sz="1800" b="1" dirty="0">
+                <a:solidFill>
+                  <a:srgbClr val="7F0055"/>
+                </a:solidFill>
+                <a:latin typeface="Consolas" panose="020B0609020204030204" pitchFamily="49" charset="0"/>
+              </a:rPr>
+              <a:t>new</a:t>
+            </a:r>
+            <a:r>
+              <a:rPr lang="en-US" sz="1800" b="1" dirty="0">
+                <a:solidFill>
+                  <a:srgbClr val="000000"/>
+                </a:solidFill>
+                <a:latin typeface="Consolas" panose="020B0609020204030204" pitchFamily="49" charset="0"/>
+              </a:rPr>
+              <a:t> Date</a:t>
+            </a:r>
+            <a:r>
+              <a:rPr lang="en-US" sz="1800" dirty="0">
+                <a:solidFill>
+                  <a:srgbClr val="000000"/>
+                </a:solidFill>
+                <a:latin typeface="Consolas" panose="020B0609020204030204" pitchFamily="49" charset="0"/>
+              </a:rPr>
+              <a:t>(0)</a:t>
+            </a:r>
+            <a:r>
+              <a:rPr lang="en-US" sz="1800" b="1" dirty="0">
+                <a:solidFill>
+                  <a:srgbClr val="000000"/>
+                </a:solidFill>
+                <a:latin typeface="Consolas" panose="020B0609020204030204" pitchFamily="49" charset="0"/>
+              </a:rPr>
+              <a:t>;</a:t>
             </a:r>
           </a:p>
           <a:p>
-            <a:pPr defTabSz="228600"/>
+            <a:pPr algn="l"/>
             <a:r>
-              <a:rPr lang="en-US" sz="2000" dirty="0">
-                <a:latin typeface="+mj-lt"/>
-                <a:cs typeface="Courier New" panose="02070309020205020404" pitchFamily="49" charset="0"/>
+              <a:rPr lang="en-US" sz="1800" dirty="0">
+                <a:solidFill>
+                  <a:srgbClr val="000000"/>
+                </a:solidFill>
+                <a:latin typeface="Consolas" panose="020B0609020204030204" pitchFamily="49" charset="0"/>
               </a:rPr>
-              <a:t>	//	statements;</a:t>
+              <a:t>Date </a:t>
+            </a:r>
+            <a:r>
+              <a:rPr lang="en-US" sz="1800" dirty="0">
+                <a:solidFill>
+                  <a:srgbClr val="6A3E3E"/>
+                </a:solidFill>
+                <a:latin typeface="Consolas" panose="020B0609020204030204" pitchFamily="49" charset="0"/>
+              </a:rPr>
+              <a:t>javaDate_2</a:t>
+            </a:r>
+            <a:r>
+              <a:rPr lang="en-US" sz="1800" dirty="0">
+                <a:solidFill>
+                  <a:srgbClr val="000000"/>
+                </a:solidFill>
+                <a:latin typeface="Consolas" panose="020B0609020204030204" pitchFamily="49" charset="0"/>
+              </a:rPr>
+              <a:t> = </a:t>
+            </a:r>
+            <a:r>
+              <a:rPr lang="en-US" sz="1800" b="1" dirty="0">
+                <a:solidFill>
+                  <a:srgbClr val="7F0055"/>
+                </a:solidFill>
+                <a:latin typeface="Consolas" panose="020B0609020204030204" pitchFamily="49" charset="0"/>
+              </a:rPr>
+              <a:t>new</a:t>
+            </a:r>
+            <a:r>
+              <a:rPr lang="en-US" sz="1800" b="1" dirty="0">
+                <a:solidFill>
+                  <a:srgbClr val="000000"/>
+                </a:solidFill>
+                <a:latin typeface="Consolas" panose="020B0609020204030204" pitchFamily="49" charset="0"/>
+              </a:rPr>
+              <a:t> Date</a:t>
+            </a:r>
+            <a:r>
+              <a:rPr lang="en-US" sz="1800" dirty="0">
+                <a:solidFill>
+                  <a:srgbClr val="000000"/>
+                </a:solidFill>
+                <a:latin typeface="Consolas" panose="020B0609020204030204" pitchFamily="49" charset="0"/>
+              </a:rPr>
+              <a:t>(</a:t>
+            </a:r>
+            <a:r>
+              <a:rPr lang="en-US" sz="1800" b="1" dirty="0" err="1">
+                <a:solidFill>
+                  <a:srgbClr val="000000"/>
+                </a:solidFill>
+                <a:latin typeface="Consolas" panose="020B0609020204030204" pitchFamily="49" charset="0"/>
+              </a:rPr>
+              <a:t>System.</a:t>
+            </a:r>
+            <a:r>
+              <a:rPr lang="en-US" sz="1800" i="1" dirty="0" err="1">
+                <a:solidFill>
+                  <a:srgbClr val="000000"/>
+                </a:solidFill>
+                <a:latin typeface="Consolas" panose="020B0609020204030204" pitchFamily="49" charset="0"/>
+              </a:rPr>
+              <a:t>currentTimeMillis</a:t>
+            </a:r>
+            <a:r>
+              <a:rPr lang="en-US" sz="1800" i="1" dirty="0">
+                <a:solidFill>
+                  <a:srgbClr val="000000"/>
+                </a:solidFill>
+                <a:latin typeface="Consolas" panose="020B0609020204030204" pitchFamily="49" charset="0"/>
+              </a:rPr>
+              <a:t>())</a:t>
+            </a:r>
+            <a:r>
+              <a:rPr lang="en-US" sz="1800" b="1" i="1" dirty="0">
+                <a:solidFill>
+                  <a:srgbClr val="000000"/>
+                </a:solidFill>
+                <a:latin typeface="Consolas" panose="020B0609020204030204" pitchFamily="49" charset="0"/>
+              </a:rPr>
+              <a:t>;</a:t>
             </a:r>
           </a:p>
           <a:p>
-            <a:pPr defTabSz="228600"/>
+            <a:pPr algn="l"/>
             <a:r>
-              <a:rPr lang="en-US" sz="2000" dirty="0">
-                <a:latin typeface="+mj-lt"/>
-                <a:cs typeface="Courier New" panose="02070309020205020404" pitchFamily="49" charset="0"/>
+              <a:rPr lang="en-US" sz="1800" dirty="0" err="1">
+                <a:solidFill>
+                  <a:srgbClr val="000000"/>
+                </a:solidFill>
+                <a:latin typeface="Consolas" panose="020B0609020204030204" pitchFamily="49" charset="0"/>
               </a:rPr>
-              <a:t>}</a:t>
+              <a:t>System.</a:t>
+            </a:r>
+            <a:r>
+              <a:rPr lang="en-US" sz="1800" b="1" i="1" dirty="0" err="1">
+                <a:solidFill>
+                  <a:srgbClr val="0000C0"/>
+                </a:solidFill>
+                <a:latin typeface="Consolas" panose="020B0609020204030204" pitchFamily="49" charset="0"/>
+              </a:rPr>
+              <a:t>out</a:t>
+            </a:r>
+            <a:r>
+              <a:rPr lang="en-US" sz="1800" b="1" i="1" dirty="0" err="1">
+                <a:solidFill>
+                  <a:srgbClr val="000000"/>
+                </a:solidFill>
+                <a:latin typeface="Consolas" panose="020B0609020204030204" pitchFamily="49" charset="0"/>
+              </a:rPr>
+              <a:t>.println</a:t>
+            </a:r>
+            <a:r>
+              <a:rPr lang="en-US" sz="1800" i="1" dirty="0">
+                <a:solidFill>
+                  <a:srgbClr val="000000"/>
+                </a:solidFill>
+                <a:latin typeface="Consolas" panose="020B0609020204030204" pitchFamily="49" charset="0"/>
+              </a:rPr>
+              <a:t>(</a:t>
+            </a:r>
+            <a:r>
+              <a:rPr lang="en-US" sz="1800" i="1" dirty="0">
+                <a:solidFill>
+                  <a:srgbClr val="6A3E3E"/>
+                </a:solidFill>
+                <a:latin typeface="Consolas" panose="020B0609020204030204" pitchFamily="49" charset="0"/>
+              </a:rPr>
+              <a:t>javaDate_1</a:t>
+            </a:r>
+            <a:r>
+              <a:rPr lang="en-US" sz="1800" i="1" dirty="0">
+                <a:solidFill>
+                  <a:srgbClr val="000000"/>
+                </a:solidFill>
+                <a:latin typeface="Consolas" panose="020B0609020204030204" pitchFamily="49" charset="0"/>
+              </a:rPr>
+              <a:t>)</a:t>
+            </a:r>
+            <a:r>
+              <a:rPr lang="en-US" sz="1800" b="1" i="1" dirty="0">
+                <a:solidFill>
+                  <a:srgbClr val="000000"/>
+                </a:solidFill>
+                <a:latin typeface="Consolas" panose="020B0609020204030204" pitchFamily="49" charset="0"/>
+              </a:rPr>
+              <a:t>;</a:t>
+            </a:r>
+            <a:r>
+              <a:rPr lang="en-US" sz="1800" dirty="0">
+                <a:solidFill>
+                  <a:srgbClr val="000000"/>
+                </a:solidFill>
+                <a:latin typeface="Consolas" panose="020B0609020204030204" pitchFamily="49" charset="0"/>
+              </a:rPr>
+              <a:t> // Thu Jan 01 00:00:00 GMT 1970</a:t>
+            </a:r>
+          </a:p>
+          <a:p>
+            <a:pPr algn="l"/>
+            <a:r>
+              <a:rPr lang="en-US" sz="1800" dirty="0" err="1">
+                <a:solidFill>
+                  <a:srgbClr val="000000"/>
+                </a:solidFill>
+                <a:latin typeface="Consolas" panose="020B0609020204030204" pitchFamily="49" charset="0"/>
+              </a:rPr>
+              <a:t>System.</a:t>
+            </a:r>
+            <a:r>
+              <a:rPr lang="en-US" sz="1800" b="1" i="1" dirty="0" err="1">
+                <a:solidFill>
+                  <a:srgbClr val="0000C0"/>
+                </a:solidFill>
+                <a:latin typeface="Consolas" panose="020B0609020204030204" pitchFamily="49" charset="0"/>
+              </a:rPr>
+              <a:t>out</a:t>
+            </a:r>
+            <a:r>
+              <a:rPr lang="en-US" sz="1800" b="1" i="1" dirty="0" err="1">
+                <a:solidFill>
+                  <a:srgbClr val="000000"/>
+                </a:solidFill>
+                <a:latin typeface="Consolas" panose="020B0609020204030204" pitchFamily="49" charset="0"/>
+              </a:rPr>
+              <a:t>.println</a:t>
+            </a:r>
+            <a:r>
+              <a:rPr lang="en-US" sz="1800" i="1" dirty="0">
+                <a:solidFill>
+                  <a:srgbClr val="000000"/>
+                </a:solidFill>
+                <a:latin typeface="Consolas" panose="020B0609020204030204" pitchFamily="49" charset="0"/>
+              </a:rPr>
+              <a:t>(</a:t>
+            </a:r>
+            <a:r>
+              <a:rPr lang="en-US" sz="1800" i="1" dirty="0">
+                <a:solidFill>
+                  <a:srgbClr val="6A3E3E"/>
+                </a:solidFill>
+                <a:latin typeface="Consolas" panose="020B0609020204030204" pitchFamily="49" charset="0"/>
+              </a:rPr>
+              <a:t>javaDate_2</a:t>
+            </a:r>
+            <a:r>
+              <a:rPr lang="en-US" sz="1800" i="1" dirty="0">
+                <a:solidFill>
+                  <a:srgbClr val="000000"/>
+                </a:solidFill>
+                <a:latin typeface="Consolas" panose="020B0609020204030204" pitchFamily="49" charset="0"/>
+              </a:rPr>
+              <a:t>)</a:t>
+            </a:r>
+            <a:r>
+              <a:rPr lang="en-US" sz="1800" b="1" i="1" dirty="0">
+                <a:solidFill>
+                  <a:srgbClr val="000000"/>
+                </a:solidFill>
+                <a:latin typeface="Consolas" panose="020B0609020204030204" pitchFamily="49" charset="0"/>
+              </a:rPr>
+              <a:t>; </a:t>
+            </a:r>
+            <a:r>
+              <a:rPr lang="en-US" sz="1800" dirty="0">
+                <a:solidFill>
+                  <a:srgbClr val="000000"/>
+                </a:solidFill>
+                <a:latin typeface="Consolas" panose="020B0609020204030204" pitchFamily="49" charset="0"/>
+              </a:rPr>
+              <a:t>// current date and time</a:t>
+            </a:r>
+          </a:p>
+        </p:txBody>
+      </p:sp>
+      <p:sp>
+        <p:nvSpPr>
+          <p:cNvPr id="9" name="Google Shape;296;p27">
+            <a:extLst>
+              <a:ext uri="{FF2B5EF4-FFF2-40B4-BE49-F238E27FC236}">
+                <a16:creationId xmlns:a16="http://schemas.microsoft.com/office/drawing/2014/main" id="{816F96CE-CDB7-4CC8-BB9E-BBD27380B18F}"/>
+              </a:ext>
+            </a:extLst>
+          </p:cNvPr>
+          <p:cNvSpPr txBox="1">
+            <a:spLocks/>
+          </p:cNvSpPr>
+          <p:nvPr/>
+        </p:nvSpPr>
+        <p:spPr>
+          <a:xfrm>
+            <a:off x="380010" y="6181149"/>
+            <a:ext cx="8383980" cy="365125"/>
+          </a:xfrm>
+          <a:prstGeom prst="rect">
+            <a:avLst/>
+          </a:prstGeom>
+          <a:noFill/>
+          <a:ln>
+            <a:noFill/>
+          </a:ln>
+        </p:spPr>
+        <p:txBody>
+          <a:bodyPr spcFirstLastPara="1" wrap="square" lIns="91425" tIns="45700" rIns="91425" bIns="45700" anchor="t" anchorCtr="0">
+            <a:normAutofit fontScale="77500" lnSpcReduction="20000"/>
+          </a:bodyPr>
+          <a:lstStyle>
+            <a:defPPr marR="0" lvl="0" algn="l" rtl="0">
+              <a:lnSpc>
+                <a:spcPct val="100000"/>
+              </a:lnSpc>
+              <a:spcBef>
+                <a:spcPts val="0"/>
+              </a:spcBef>
+              <a:spcAft>
+                <a:spcPts val="0"/>
+              </a:spcAft>
+            </a:defPPr>
+            <a:lvl1pPr marL="457200" marR="0" lvl="0" indent="-406400" algn="l" rtl="0">
+              <a:lnSpc>
+                <a:spcPct val="100000"/>
+              </a:lnSpc>
+              <a:spcBef>
+                <a:spcPts val="560"/>
+              </a:spcBef>
+              <a:spcAft>
+                <a:spcPts val="0"/>
+              </a:spcAft>
+              <a:buClr>
+                <a:schemeClr val="accent1"/>
+              </a:buClr>
+              <a:buSzPts val="2800"/>
+              <a:buFont typeface="Arial"/>
+              <a:buChar char="•"/>
+              <a:defRPr sz="2800" b="0" i="0" u="none" strike="noStrike" cap="none">
+                <a:solidFill>
+                  <a:schemeClr val="dk2"/>
+                </a:solidFill>
+                <a:latin typeface="Arial"/>
+                <a:ea typeface="Arial"/>
+                <a:cs typeface="Arial"/>
+                <a:sym typeface="Arial"/>
+              </a:defRPr>
+            </a:lvl1pPr>
+            <a:lvl2pPr marL="914400" marR="0" lvl="1" indent="-381000" algn="l" rtl="0">
+              <a:lnSpc>
+                <a:spcPct val="100000"/>
+              </a:lnSpc>
+              <a:spcBef>
+                <a:spcPts val="480"/>
+              </a:spcBef>
+              <a:spcAft>
+                <a:spcPts val="0"/>
+              </a:spcAft>
+              <a:buClr>
+                <a:schemeClr val="accent1"/>
+              </a:buClr>
+              <a:buSzPts val="2400"/>
+              <a:buFont typeface="Arial"/>
+              <a:buChar char="–"/>
+              <a:defRPr sz="2400" b="0" i="0" u="none" strike="noStrike" cap="none">
+                <a:solidFill>
+                  <a:schemeClr val="dk2"/>
+                </a:solidFill>
+                <a:latin typeface="Arial"/>
+                <a:ea typeface="Arial"/>
+                <a:cs typeface="Arial"/>
+                <a:sym typeface="Arial"/>
+              </a:defRPr>
+            </a:lvl2pPr>
+            <a:lvl3pPr marL="1371600" marR="0" lvl="2" indent="-355600" algn="l" rtl="0">
+              <a:lnSpc>
+                <a:spcPct val="100000"/>
+              </a:lnSpc>
+              <a:spcBef>
+                <a:spcPts val="400"/>
+              </a:spcBef>
+              <a:spcAft>
+                <a:spcPts val="0"/>
+              </a:spcAft>
+              <a:buClr>
+                <a:schemeClr val="accent1"/>
+              </a:buClr>
+              <a:buSzPts val="2000"/>
+              <a:buFont typeface="Arial"/>
+              <a:buChar char="•"/>
+              <a:defRPr sz="2000" b="0" i="0" u="none" strike="noStrike" cap="none">
+                <a:solidFill>
+                  <a:schemeClr val="dk2"/>
+                </a:solidFill>
+                <a:latin typeface="Arial"/>
+                <a:ea typeface="Arial"/>
+                <a:cs typeface="Arial"/>
+                <a:sym typeface="Arial"/>
+              </a:defRPr>
+            </a:lvl3pPr>
+            <a:lvl4pPr marL="1828800" marR="0" lvl="3" indent="-342900" algn="l" rtl="0">
+              <a:lnSpc>
+                <a:spcPct val="100000"/>
+              </a:lnSpc>
+              <a:spcBef>
+                <a:spcPts val="360"/>
+              </a:spcBef>
+              <a:spcAft>
+                <a:spcPts val="0"/>
+              </a:spcAft>
+              <a:buClr>
+                <a:schemeClr val="accent1"/>
+              </a:buClr>
+              <a:buSzPts val="1800"/>
+              <a:buFont typeface="Arial"/>
+              <a:buChar char="–"/>
+              <a:defRPr sz="1800" b="0" i="0" u="none" strike="noStrike" cap="none">
+                <a:solidFill>
+                  <a:schemeClr val="dk2"/>
+                </a:solidFill>
+                <a:latin typeface="Arial"/>
+                <a:ea typeface="Arial"/>
+                <a:cs typeface="Arial"/>
+                <a:sym typeface="Arial"/>
+              </a:defRPr>
+            </a:lvl4pPr>
+            <a:lvl5pPr marL="2286000" marR="0" lvl="4" indent="-342900" algn="l" rtl="0">
+              <a:lnSpc>
+                <a:spcPct val="100000"/>
+              </a:lnSpc>
+              <a:spcBef>
+                <a:spcPts val="360"/>
+              </a:spcBef>
+              <a:spcAft>
+                <a:spcPts val="0"/>
+              </a:spcAft>
+              <a:buClr>
+                <a:schemeClr val="accent1"/>
+              </a:buClr>
+              <a:buSzPts val="1800"/>
+              <a:buFont typeface="Arial"/>
+              <a:buChar char="»"/>
+              <a:defRPr sz="1800" b="0" i="0" u="none" strike="noStrike" cap="none">
+                <a:solidFill>
+                  <a:schemeClr val="dk2"/>
+                </a:solidFill>
+                <a:latin typeface="Arial"/>
+                <a:ea typeface="Arial"/>
+                <a:cs typeface="Arial"/>
+                <a:sym typeface="Arial"/>
+              </a:defRPr>
+            </a:lvl5pPr>
+            <a:lvl6pPr marL="2743200" marR="0" lvl="5" indent="-342900" algn="l" rtl="0">
+              <a:lnSpc>
+                <a:spcPct val="100000"/>
+              </a:lnSpc>
+              <a:spcBef>
+                <a:spcPts val="360"/>
+              </a:spcBef>
+              <a:spcAft>
+                <a:spcPts val="0"/>
+              </a:spcAft>
+              <a:buClr>
+                <a:schemeClr val="dk1"/>
+              </a:buClr>
+              <a:buSzPts val="1800"/>
+              <a:buFont typeface="Arial"/>
+              <a:buChar char="•"/>
+              <a:defRPr sz="2000" b="0" i="0" u="none" strike="noStrike" cap="none">
+                <a:solidFill>
+                  <a:schemeClr val="dk1"/>
+                </a:solidFill>
+                <a:latin typeface="Arial"/>
+                <a:ea typeface="Arial"/>
+                <a:cs typeface="Arial"/>
+                <a:sym typeface="Arial"/>
+              </a:defRPr>
+            </a:lvl6pPr>
+            <a:lvl7pPr marL="3200400" marR="0" lvl="6" indent="-342900" algn="l" rtl="0">
+              <a:lnSpc>
+                <a:spcPct val="100000"/>
+              </a:lnSpc>
+              <a:spcBef>
+                <a:spcPts val="360"/>
+              </a:spcBef>
+              <a:spcAft>
+                <a:spcPts val="0"/>
+              </a:spcAft>
+              <a:buClr>
+                <a:schemeClr val="dk1"/>
+              </a:buClr>
+              <a:buSzPts val="1800"/>
+              <a:buFont typeface="Arial"/>
+              <a:buChar char="•"/>
+              <a:defRPr sz="2000" b="0" i="0" u="none" strike="noStrike" cap="none">
+                <a:solidFill>
+                  <a:schemeClr val="dk1"/>
+                </a:solidFill>
+                <a:latin typeface="Arial"/>
+                <a:ea typeface="Arial"/>
+                <a:cs typeface="Arial"/>
+                <a:sym typeface="Arial"/>
+              </a:defRPr>
+            </a:lvl7pPr>
+            <a:lvl8pPr marL="3657600" marR="0" lvl="7" indent="-342900" algn="l" rtl="0">
+              <a:lnSpc>
+                <a:spcPct val="100000"/>
+              </a:lnSpc>
+              <a:spcBef>
+                <a:spcPts val="360"/>
+              </a:spcBef>
+              <a:spcAft>
+                <a:spcPts val="0"/>
+              </a:spcAft>
+              <a:buClr>
+                <a:schemeClr val="dk1"/>
+              </a:buClr>
+              <a:buSzPts val="1800"/>
+              <a:buFont typeface="Arial"/>
+              <a:buChar char="•"/>
+              <a:defRPr sz="2000" b="0" i="0" u="none" strike="noStrike" cap="none">
+                <a:solidFill>
+                  <a:schemeClr val="dk1"/>
+                </a:solidFill>
+                <a:latin typeface="Arial"/>
+                <a:ea typeface="Arial"/>
+                <a:cs typeface="Arial"/>
+                <a:sym typeface="Arial"/>
+              </a:defRPr>
+            </a:lvl8pPr>
+            <a:lvl9pPr marL="4114800" marR="0" lvl="8" indent="-342900" algn="l" rtl="0">
+              <a:lnSpc>
+                <a:spcPct val="100000"/>
+              </a:lnSpc>
+              <a:spcBef>
+                <a:spcPts val="360"/>
+              </a:spcBef>
+              <a:spcAft>
+                <a:spcPts val="0"/>
+              </a:spcAft>
+              <a:buClr>
+                <a:schemeClr val="dk1"/>
+              </a:buClr>
+              <a:buSzPts val="1800"/>
+              <a:buFont typeface="Arial"/>
+              <a:buChar char="•"/>
+              <a:defRPr sz="2000" b="0" i="0" u="none" strike="noStrike" cap="none">
+                <a:solidFill>
+                  <a:schemeClr val="dk1"/>
+                </a:solidFill>
+                <a:latin typeface="Arial"/>
+                <a:ea typeface="Arial"/>
+                <a:cs typeface="Arial"/>
+                <a:sym typeface="Arial"/>
+              </a:defRPr>
+            </a:lvl9pPr>
+          </a:lstStyle>
+          <a:p>
+            <a:pPr marL="342900" indent="-342900">
+              <a:spcBef>
+                <a:spcPts val="0"/>
+              </a:spcBef>
+            </a:pPr>
+            <a:r>
+              <a:rPr lang="en-US" dirty="0"/>
+              <a:t>Note: the JVM will convert to your machine’s local time-zone.</a:t>
             </a:r>
           </a:p>
         </p:txBody>
@@ -25430,17 +29241,1327 @@
     </p:spTree>
     <p:extLst>
       <p:ext uri="{BB962C8B-B14F-4D97-AF65-F5344CB8AC3E}">
-        <p14:creationId xmlns:p14="http://schemas.microsoft.com/office/powerpoint/2010/main" val="3118233354"/>
+        <p14:creationId xmlns:p14="http://schemas.microsoft.com/office/powerpoint/2010/main" val="4142364810"/>
       </p:ext>
     </p:extLst>
   </p:cSld>
   <p:clrMapOvr>
     <a:masterClrMapping/>
   </p:clrMapOvr>
+  <p:timing>
+    <p:tnLst>
+      <p:par>
+        <p:cTn id="1" dur="indefinite" restart="never" nodeType="tmRoot">
+          <p:childTnLst>
+            <p:seq concurrent="1" nextAc="seek">
+              <p:cTn id="2" dur="indefinite" nodeType="mainSeq">
+                <p:childTnLst>
+                  <p:par>
+                    <p:cTn id="3" fill="hold">
+                      <p:stCondLst>
+                        <p:cond delay="indefinite"/>
+                      </p:stCondLst>
+                      <p:childTnLst>
+                        <p:par>
+                          <p:cTn id="4" fill="hold">
+                            <p:stCondLst>
+                              <p:cond delay="0"/>
+                            </p:stCondLst>
+                            <p:childTnLst>
+                              <p:par>
+                                <p:cTn id="5" presetID="1" presetClass="entr" presetSubtype="0" fill="hold" grpId="0" nodeType="clickEffect">
+                                  <p:stCondLst>
+                                    <p:cond delay="0"/>
+                                  </p:stCondLst>
+                                  <p:childTnLst>
+                                    <p:set>
+                                      <p:cBhvr>
+                                        <p:cTn id="6" dur="1" fill="hold">
+                                          <p:stCondLst>
+                                            <p:cond delay="0"/>
+                                          </p:stCondLst>
+                                        </p:cTn>
+                                        <p:tgtEl>
+                                          <p:spTgt spid="6">
+                                            <p:txEl>
+                                              <p:pRg st="0" end="0"/>
+                                            </p:txEl>
+                                          </p:spTgt>
+                                        </p:tgtEl>
+                                        <p:attrNameLst>
+                                          <p:attrName>style.visibility</p:attrName>
+                                        </p:attrNameLst>
+                                      </p:cBhvr>
+                                      <p:to>
+                                        <p:strVal val="visible"/>
+                                      </p:to>
+                                    </p:set>
+                                  </p:childTnLst>
+                                </p:cTn>
+                              </p:par>
+                            </p:childTnLst>
+                          </p:cTn>
+                        </p:par>
+                      </p:childTnLst>
+                    </p:cTn>
+                  </p:par>
+                  <p:par>
+                    <p:cTn id="7" fill="hold">
+                      <p:stCondLst>
+                        <p:cond delay="indefinite"/>
+                      </p:stCondLst>
+                      <p:childTnLst>
+                        <p:par>
+                          <p:cTn id="8" fill="hold">
+                            <p:stCondLst>
+                              <p:cond delay="0"/>
+                            </p:stCondLst>
+                            <p:childTnLst>
+                              <p:par>
+                                <p:cTn id="9" presetID="1" presetClass="entr" presetSubtype="0" fill="hold" grpId="0" nodeType="clickEffect">
+                                  <p:stCondLst>
+                                    <p:cond delay="0"/>
+                                  </p:stCondLst>
+                                  <p:childTnLst>
+                                    <p:set>
+                                      <p:cBhvr>
+                                        <p:cTn id="10" dur="1" fill="hold">
+                                          <p:stCondLst>
+                                            <p:cond delay="0"/>
+                                          </p:stCondLst>
+                                        </p:cTn>
+                                        <p:tgtEl>
+                                          <p:spTgt spid="6">
+                                            <p:txEl>
+                                              <p:pRg st="1" end="1"/>
+                                            </p:txEl>
+                                          </p:spTgt>
+                                        </p:tgtEl>
+                                        <p:attrNameLst>
+                                          <p:attrName>style.visibility</p:attrName>
+                                        </p:attrNameLst>
+                                      </p:cBhvr>
+                                      <p:to>
+                                        <p:strVal val="visible"/>
+                                      </p:to>
+                                    </p:set>
+                                  </p:childTnLst>
+                                </p:cTn>
+                              </p:par>
+                            </p:childTnLst>
+                          </p:cTn>
+                        </p:par>
+                      </p:childTnLst>
+                    </p:cTn>
+                  </p:par>
+                  <p:par>
+                    <p:cTn id="11" fill="hold">
+                      <p:stCondLst>
+                        <p:cond delay="indefinite"/>
+                      </p:stCondLst>
+                      <p:childTnLst>
+                        <p:par>
+                          <p:cTn id="12" fill="hold">
+                            <p:stCondLst>
+                              <p:cond delay="0"/>
+                            </p:stCondLst>
+                            <p:childTnLst>
+                              <p:par>
+                                <p:cTn id="13" presetID="1" presetClass="entr" presetSubtype="0" fill="hold" grpId="0" nodeType="clickEffect">
+                                  <p:stCondLst>
+                                    <p:cond delay="0"/>
+                                  </p:stCondLst>
+                                  <p:childTnLst>
+                                    <p:set>
+                                      <p:cBhvr>
+                                        <p:cTn id="14" dur="1" fill="hold">
+                                          <p:stCondLst>
+                                            <p:cond delay="0"/>
+                                          </p:stCondLst>
+                                        </p:cTn>
+                                        <p:tgtEl>
+                                          <p:spTgt spid="6">
+                                            <p:txEl>
+                                              <p:pRg st="2" end="2"/>
+                                            </p:txEl>
+                                          </p:spTgt>
+                                        </p:tgtEl>
+                                        <p:attrNameLst>
+                                          <p:attrName>style.visibility</p:attrName>
+                                        </p:attrNameLst>
+                                      </p:cBhvr>
+                                      <p:to>
+                                        <p:strVal val="visible"/>
+                                      </p:to>
+                                    </p:set>
+                                  </p:childTnLst>
+                                </p:cTn>
+                              </p:par>
+                            </p:childTnLst>
+                          </p:cTn>
+                        </p:par>
+                      </p:childTnLst>
+                    </p:cTn>
+                  </p:par>
+                  <p:par>
+                    <p:cTn id="15" fill="hold">
+                      <p:stCondLst>
+                        <p:cond delay="indefinite"/>
+                      </p:stCondLst>
+                      <p:childTnLst>
+                        <p:par>
+                          <p:cTn id="16" fill="hold">
+                            <p:stCondLst>
+                              <p:cond delay="0"/>
+                            </p:stCondLst>
+                            <p:childTnLst>
+                              <p:par>
+                                <p:cTn id="17" presetID="1" presetClass="entr" presetSubtype="0" fill="hold" grpId="0" nodeType="clickEffect">
+                                  <p:stCondLst>
+                                    <p:cond delay="0"/>
+                                  </p:stCondLst>
+                                  <p:childTnLst>
+                                    <p:set>
+                                      <p:cBhvr>
+                                        <p:cTn id="18" dur="1" fill="hold">
+                                          <p:stCondLst>
+                                            <p:cond delay="0"/>
+                                          </p:stCondLst>
+                                        </p:cTn>
+                                        <p:tgtEl>
+                                          <p:spTgt spid="9">
+                                            <p:txEl>
+                                              <p:pRg st="0" end="0"/>
+                                            </p:txEl>
+                                          </p:spTgt>
+                                        </p:tgtEl>
+                                        <p:attrNameLst>
+                                          <p:attrName>style.visibility</p:attrName>
+                                        </p:attrNameLst>
+                                      </p:cBhvr>
+                                      <p:to>
+                                        <p:strVal val="visible"/>
+                                      </p:to>
+                                    </p:set>
+                                  </p:childTnLst>
+                                </p:cTn>
+                              </p:par>
+                            </p:childTnLst>
+                          </p:cTn>
+                        </p:par>
+                      </p:childTnLst>
+                    </p:cTn>
+                  </p:par>
+                </p:childTnLst>
+              </p:cTn>
+              <p:prevCondLst>
+                <p:cond evt="onPrev" delay="0">
+                  <p:tgtEl>
+                    <p:sldTgt/>
+                  </p:tgtEl>
+                </p:cond>
+              </p:prevCondLst>
+              <p:nextCondLst>
+                <p:cond evt="onNext" delay="0">
+                  <p:tgtEl>
+                    <p:sldTgt/>
+                  </p:tgtEl>
+                </p:cond>
+              </p:nextCondLst>
+            </p:seq>
+          </p:childTnLst>
+        </p:cTn>
+      </p:par>
+    </p:tnLst>
+    <p:bldLst>
+      <p:bldP spid="6" grpId="0" build="p"/>
+      <p:bldP spid="9" grpId="0" build="p"/>
+    </p:bldLst>
+  </p:timing>
 </p:sld>
 </file>
 
-<file path=ppt/slides/slide11.xml><?xml version="1.0" encoding="utf-8"?>
+<file path=ppt/slides/slide16.xml><?xml version="1.0" encoding="utf-8"?>
+<p:sld xmlns:a="http://schemas.openxmlformats.org/drawingml/2006/main" xmlns:r="http://schemas.openxmlformats.org/officeDocument/2006/relationships" xmlns:p="http://schemas.openxmlformats.org/presentationml/2006/main">
+  <p:cSld>
+    <p:spTree>
+      <p:nvGrpSpPr>
+        <p:cNvPr id="1" name=""/>
+        <p:cNvGrpSpPr/>
+        <p:nvPr/>
+      </p:nvGrpSpPr>
+      <p:grpSpPr>
+        <a:xfrm>
+          <a:off x="0" y="0"/>
+          <a:ext cx="0" cy="0"/>
+          <a:chOff x="0" y="0"/>
+          <a:chExt cx="0" cy="0"/>
+        </a:xfrm>
+      </p:grpSpPr>
+      <p:sp>
+        <p:nvSpPr>
+          <p:cNvPr id="2" name="Title 1">
+            <a:extLst>
+              <a:ext uri="{FF2B5EF4-FFF2-40B4-BE49-F238E27FC236}">
+                <a16:creationId xmlns:a16="http://schemas.microsoft.com/office/drawing/2014/main" id="{437930B4-E996-4435-B9F1-D407853E2C03}"/>
+              </a:ext>
+            </a:extLst>
+          </p:cNvPr>
+          <p:cNvSpPr>
+            <a:spLocks noGrp="1"/>
+          </p:cNvSpPr>
+          <p:nvPr>
+            <p:ph type="title"/>
+          </p:nvPr>
+        </p:nvSpPr>
+        <p:spPr/>
+        <p:txBody>
+          <a:bodyPr/>
+          <a:lstStyle/>
+          <a:p>
+            <a:r>
+              <a:rPr lang="en-US" i="1" dirty="0" err="1"/>
+              <a:t>java.sql.Date</a:t>
+            </a:r>
+            <a:endParaRPr lang="en-US" i="1" dirty="0"/>
+          </a:p>
+        </p:txBody>
+      </p:sp>
+      <p:sp>
+        <p:nvSpPr>
+          <p:cNvPr id="4" name="Slide Number Placeholder 3">
+            <a:extLst>
+              <a:ext uri="{FF2B5EF4-FFF2-40B4-BE49-F238E27FC236}">
+                <a16:creationId xmlns:a16="http://schemas.microsoft.com/office/drawing/2014/main" id="{483A7CCD-D4F0-4527-9651-963B2389435E}"/>
+              </a:ext>
+            </a:extLst>
+          </p:cNvPr>
+          <p:cNvSpPr>
+            <a:spLocks noGrp="1"/>
+          </p:cNvSpPr>
+          <p:nvPr>
+            <p:ph type="sldNum" idx="12"/>
+          </p:nvPr>
+        </p:nvSpPr>
+        <p:spPr/>
+        <p:txBody>
+          <a:bodyPr/>
+          <a:lstStyle/>
+          <a:p>
+            <a:pPr marL="0" lvl="0" indent="0" algn="r" rtl="0">
+              <a:spcBef>
+                <a:spcPts val="0"/>
+              </a:spcBef>
+              <a:spcAft>
+                <a:spcPts val="0"/>
+              </a:spcAft>
+              <a:buNone/>
+            </a:pPr>
+            <a:fld id="{00000000-1234-1234-1234-123412341234}" type="slidenum">
+              <a:rPr lang="en-US" smtClean="0"/>
+              <a:t>15</a:t>
+            </a:fld>
+            <a:endParaRPr lang="en-US"/>
+          </a:p>
+        </p:txBody>
+      </p:sp>
+      <p:sp>
+        <p:nvSpPr>
+          <p:cNvPr id="5" name="Google Shape;296;p27">
+            <a:extLst>
+              <a:ext uri="{FF2B5EF4-FFF2-40B4-BE49-F238E27FC236}">
+                <a16:creationId xmlns:a16="http://schemas.microsoft.com/office/drawing/2014/main" id="{B51B15C2-463C-45FB-9095-7D638494C1BB}"/>
+              </a:ext>
+            </a:extLst>
+          </p:cNvPr>
+          <p:cNvSpPr txBox="1">
+            <a:spLocks noGrp="1"/>
+          </p:cNvSpPr>
+          <p:nvPr>
+            <p:ph type="body" idx="1"/>
+          </p:nvPr>
+        </p:nvSpPr>
+        <p:spPr>
+          <a:xfrm>
+            <a:off x="380010" y="1377751"/>
+            <a:ext cx="8383980" cy="4985961"/>
+          </a:xfrm>
+          <a:prstGeom prst="rect">
+            <a:avLst/>
+          </a:prstGeom>
+          <a:noFill/>
+          <a:ln>
+            <a:noFill/>
+          </a:ln>
+        </p:spPr>
+        <p:txBody>
+          <a:bodyPr spcFirstLastPara="1" wrap="square" lIns="91425" tIns="45700" rIns="91425" bIns="45700" anchor="t" anchorCtr="0">
+            <a:normAutofit/>
+          </a:bodyPr>
+          <a:lstStyle/>
+          <a:p>
+            <a:pPr marL="800100" lvl="1" indent="-342900">
+              <a:spcBef>
+                <a:spcPts val="0"/>
+              </a:spcBef>
+              <a:buSzPts val="2800"/>
+              <a:buChar char="•"/>
+            </a:pPr>
+            <a:endParaRPr lang="en-US" dirty="0"/>
+          </a:p>
+          <a:p>
+            <a:pPr marL="800100" lvl="1" indent="-342900">
+              <a:spcBef>
+                <a:spcPts val="0"/>
+              </a:spcBef>
+              <a:buSzPts val="2800"/>
+              <a:buChar char="•"/>
+            </a:pPr>
+            <a:endParaRPr lang="en-US" dirty="0"/>
+          </a:p>
+        </p:txBody>
+      </p:sp>
+      <p:sp>
+        <p:nvSpPr>
+          <p:cNvPr id="6" name="Google Shape;296;p27">
+            <a:extLst>
+              <a:ext uri="{FF2B5EF4-FFF2-40B4-BE49-F238E27FC236}">
+                <a16:creationId xmlns:a16="http://schemas.microsoft.com/office/drawing/2014/main" id="{AC2AF8AB-9369-4B5E-AC04-263C48A2D78C}"/>
+              </a:ext>
+            </a:extLst>
+          </p:cNvPr>
+          <p:cNvSpPr txBox="1">
+            <a:spLocks/>
+          </p:cNvSpPr>
+          <p:nvPr/>
+        </p:nvSpPr>
+        <p:spPr>
+          <a:xfrm>
+            <a:off x="532410" y="1530152"/>
+            <a:ext cx="8383980" cy="2735564"/>
+          </a:xfrm>
+          <a:prstGeom prst="rect">
+            <a:avLst/>
+          </a:prstGeom>
+          <a:noFill/>
+          <a:ln>
+            <a:noFill/>
+          </a:ln>
+        </p:spPr>
+        <p:txBody>
+          <a:bodyPr spcFirstLastPara="1" wrap="square" lIns="91425" tIns="45700" rIns="91425" bIns="45700" anchor="t" anchorCtr="0">
+            <a:normAutofit fontScale="92500" lnSpcReduction="20000"/>
+          </a:bodyPr>
+          <a:lstStyle>
+            <a:defPPr marR="0" lvl="0" algn="l" rtl="0">
+              <a:lnSpc>
+                <a:spcPct val="100000"/>
+              </a:lnSpc>
+              <a:spcBef>
+                <a:spcPts val="0"/>
+              </a:spcBef>
+              <a:spcAft>
+                <a:spcPts val="0"/>
+              </a:spcAft>
+            </a:defPPr>
+            <a:lvl1pPr marL="457200" marR="0" lvl="0" indent="-406400" algn="l" rtl="0">
+              <a:lnSpc>
+                <a:spcPct val="100000"/>
+              </a:lnSpc>
+              <a:spcBef>
+                <a:spcPts val="560"/>
+              </a:spcBef>
+              <a:spcAft>
+                <a:spcPts val="0"/>
+              </a:spcAft>
+              <a:buClr>
+                <a:schemeClr val="accent1"/>
+              </a:buClr>
+              <a:buSzPts val="2800"/>
+              <a:buFont typeface="Arial"/>
+              <a:buChar char="•"/>
+              <a:defRPr sz="2800" b="0" i="0" u="none" strike="noStrike" cap="none">
+                <a:solidFill>
+                  <a:schemeClr val="dk2"/>
+                </a:solidFill>
+                <a:latin typeface="Arial"/>
+                <a:ea typeface="Arial"/>
+                <a:cs typeface="Arial"/>
+                <a:sym typeface="Arial"/>
+              </a:defRPr>
+            </a:lvl1pPr>
+            <a:lvl2pPr marL="914400" marR="0" lvl="1" indent="-381000" algn="l" rtl="0">
+              <a:lnSpc>
+                <a:spcPct val="100000"/>
+              </a:lnSpc>
+              <a:spcBef>
+                <a:spcPts val="480"/>
+              </a:spcBef>
+              <a:spcAft>
+                <a:spcPts val="0"/>
+              </a:spcAft>
+              <a:buClr>
+                <a:schemeClr val="accent1"/>
+              </a:buClr>
+              <a:buSzPts val="2400"/>
+              <a:buFont typeface="Arial"/>
+              <a:buChar char="–"/>
+              <a:defRPr sz="2400" b="0" i="0" u="none" strike="noStrike" cap="none">
+                <a:solidFill>
+                  <a:schemeClr val="dk2"/>
+                </a:solidFill>
+                <a:latin typeface="Arial"/>
+                <a:ea typeface="Arial"/>
+                <a:cs typeface="Arial"/>
+                <a:sym typeface="Arial"/>
+              </a:defRPr>
+            </a:lvl2pPr>
+            <a:lvl3pPr marL="1371600" marR="0" lvl="2" indent="-355600" algn="l" rtl="0">
+              <a:lnSpc>
+                <a:spcPct val="100000"/>
+              </a:lnSpc>
+              <a:spcBef>
+                <a:spcPts val="400"/>
+              </a:spcBef>
+              <a:spcAft>
+                <a:spcPts val="0"/>
+              </a:spcAft>
+              <a:buClr>
+                <a:schemeClr val="accent1"/>
+              </a:buClr>
+              <a:buSzPts val="2000"/>
+              <a:buFont typeface="Arial"/>
+              <a:buChar char="•"/>
+              <a:defRPr sz="2000" b="0" i="0" u="none" strike="noStrike" cap="none">
+                <a:solidFill>
+                  <a:schemeClr val="dk2"/>
+                </a:solidFill>
+                <a:latin typeface="Arial"/>
+                <a:ea typeface="Arial"/>
+                <a:cs typeface="Arial"/>
+                <a:sym typeface="Arial"/>
+              </a:defRPr>
+            </a:lvl3pPr>
+            <a:lvl4pPr marL="1828800" marR="0" lvl="3" indent="-342900" algn="l" rtl="0">
+              <a:lnSpc>
+                <a:spcPct val="100000"/>
+              </a:lnSpc>
+              <a:spcBef>
+                <a:spcPts val="360"/>
+              </a:spcBef>
+              <a:spcAft>
+                <a:spcPts val="0"/>
+              </a:spcAft>
+              <a:buClr>
+                <a:schemeClr val="accent1"/>
+              </a:buClr>
+              <a:buSzPts val="1800"/>
+              <a:buFont typeface="Arial"/>
+              <a:buChar char="–"/>
+              <a:defRPr sz="1800" b="0" i="0" u="none" strike="noStrike" cap="none">
+                <a:solidFill>
+                  <a:schemeClr val="dk2"/>
+                </a:solidFill>
+                <a:latin typeface="Arial"/>
+                <a:ea typeface="Arial"/>
+                <a:cs typeface="Arial"/>
+                <a:sym typeface="Arial"/>
+              </a:defRPr>
+            </a:lvl4pPr>
+            <a:lvl5pPr marL="2286000" marR="0" lvl="4" indent="-342900" algn="l" rtl="0">
+              <a:lnSpc>
+                <a:spcPct val="100000"/>
+              </a:lnSpc>
+              <a:spcBef>
+                <a:spcPts val="360"/>
+              </a:spcBef>
+              <a:spcAft>
+                <a:spcPts val="0"/>
+              </a:spcAft>
+              <a:buClr>
+                <a:schemeClr val="accent1"/>
+              </a:buClr>
+              <a:buSzPts val="1800"/>
+              <a:buFont typeface="Arial"/>
+              <a:buChar char="»"/>
+              <a:defRPr sz="1800" b="0" i="0" u="none" strike="noStrike" cap="none">
+                <a:solidFill>
+                  <a:schemeClr val="dk2"/>
+                </a:solidFill>
+                <a:latin typeface="Arial"/>
+                <a:ea typeface="Arial"/>
+                <a:cs typeface="Arial"/>
+                <a:sym typeface="Arial"/>
+              </a:defRPr>
+            </a:lvl5pPr>
+            <a:lvl6pPr marL="2743200" marR="0" lvl="5" indent="-342900" algn="l" rtl="0">
+              <a:lnSpc>
+                <a:spcPct val="100000"/>
+              </a:lnSpc>
+              <a:spcBef>
+                <a:spcPts val="360"/>
+              </a:spcBef>
+              <a:spcAft>
+                <a:spcPts val="0"/>
+              </a:spcAft>
+              <a:buClr>
+                <a:schemeClr val="dk1"/>
+              </a:buClr>
+              <a:buSzPts val="1800"/>
+              <a:buFont typeface="Arial"/>
+              <a:buChar char="•"/>
+              <a:defRPr sz="2000" b="0" i="0" u="none" strike="noStrike" cap="none">
+                <a:solidFill>
+                  <a:schemeClr val="dk1"/>
+                </a:solidFill>
+                <a:latin typeface="Arial"/>
+                <a:ea typeface="Arial"/>
+                <a:cs typeface="Arial"/>
+                <a:sym typeface="Arial"/>
+              </a:defRPr>
+            </a:lvl6pPr>
+            <a:lvl7pPr marL="3200400" marR="0" lvl="6" indent="-342900" algn="l" rtl="0">
+              <a:lnSpc>
+                <a:spcPct val="100000"/>
+              </a:lnSpc>
+              <a:spcBef>
+                <a:spcPts val="360"/>
+              </a:spcBef>
+              <a:spcAft>
+                <a:spcPts val="0"/>
+              </a:spcAft>
+              <a:buClr>
+                <a:schemeClr val="dk1"/>
+              </a:buClr>
+              <a:buSzPts val="1800"/>
+              <a:buFont typeface="Arial"/>
+              <a:buChar char="•"/>
+              <a:defRPr sz="2000" b="0" i="0" u="none" strike="noStrike" cap="none">
+                <a:solidFill>
+                  <a:schemeClr val="dk1"/>
+                </a:solidFill>
+                <a:latin typeface="Arial"/>
+                <a:ea typeface="Arial"/>
+                <a:cs typeface="Arial"/>
+                <a:sym typeface="Arial"/>
+              </a:defRPr>
+            </a:lvl7pPr>
+            <a:lvl8pPr marL="3657600" marR="0" lvl="7" indent="-342900" algn="l" rtl="0">
+              <a:lnSpc>
+                <a:spcPct val="100000"/>
+              </a:lnSpc>
+              <a:spcBef>
+                <a:spcPts val="360"/>
+              </a:spcBef>
+              <a:spcAft>
+                <a:spcPts val="0"/>
+              </a:spcAft>
+              <a:buClr>
+                <a:schemeClr val="dk1"/>
+              </a:buClr>
+              <a:buSzPts val="1800"/>
+              <a:buFont typeface="Arial"/>
+              <a:buChar char="•"/>
+              <a:defRPr sz="2000" b="0" i="0" u="none" strike="noStrike" cap="none">
+                <a:solidFill>
+                  <a:schemeClr val="dk1"/>
+                </a:solidFill>
+                <a:latin typeface="Arial"/>
+                <a:ea typeface="Arial"/>
+                <a:cs typeface="Arial"/>
+                <a:sym typeface="Arial"/>
+              </a:defRPr>
+            </a:lvl8pPr>
+            <a:lvl9pPr marL="4114800" marR="0" lvl="8" indent="-342900" algn="l" rtl="0">
+              <a:lnSpc>
+                <a:spcPct val="100000"/>
+              </a:lnSpc>
+              <a:spcBef>
+                <a:spcPts val="360"/>
+              </a:spcBef>
+              <a:spcAft>
+                <a:spcPts val="0"/>
+              </a:spcAft>
+              <a:buClr>
+                <a:schemeClr val="dk1"/>
+              </a:buClr>
+              <a:buSzPts val="1800"/>
+              <a:buFont typeface="Arial"/>
+              <a:buChar char="•"/>
+              <a:defRPr sz="2000" b="0" i="0" u="none" strike="noStrike" cap="none">
+                <a:solidFill>
+                  <a:schemeClr val="dk1"/>
+                </a:solidFill>
+                <a:latin typeface="Arial"/>
+                <a:ea typeface="Arial"/>
+                <a:cs typeface="Arial"/>
+                <a:sym typeface="Arial"/>
+              </a:defRPr>
+            </a:lvl9pPr>
+          </a:lstStyle>
+          <a:p>
+            <a:pPr marL="342900" indent="-342900">
+              <a:spcBef>
+                <a:spcPts val="0"/>
+              </a:spcBef>
+            </a:pPr>
+            <a:r>
+              <a:rPr lang="en-US" dirty="0"/>
+              <a:t>SQL Dates are also created using a constructor which takes a long value. The primary difference in how </a:t>
+            </a:r>
+            <a:r>
+              <a:rPr lang="en-US" dirty="0" err="1"/>
+              <a:t>sql</a:t>
+            </a:r>
+            <a:r>
+              <a:rPr lang="en-US" dirty="0"/>
+              <a:t> dates are stored, is the </a:t>
+            </a:r>
+            <a:r>
+              <a:rPr lang="en-US" dirty="0" err="1"/>
+              <a:t>sql</a:t>
+            </a:r>
+            <a:r>
+              <a:rPr lang="en-US" dirty="0"/>
+              <a:t> dates will normalize the time (i.e. convert all times to midnight or 00:00:00).</a:t>
+            </a:r>
+          </a:p>
+          <a:p>
+            <a:pPr marL="342900" indent="-342900">
+              <a:spcBef>
+                <a:spcPts val="0"/>
+              </a:spcBef>
+            </a:pPr>
+            <a:r>
+              <a:rPr lang="en-US" dirty="0"/>
+              <a:t>The representation will also display using the following format:</a:t>
+            </a:r>
+          </a:p>
+          <a:p>
+            <a:pPr marL="0" indent="0">
+              <a:spcBef>
+                <a:spcPts val="0"/>
+              </a:spcBef>
+              <a:buNone/>
+            </a:pPr>
+            <a:r>
+              <a:rPr lang="en-US" dirty="0"/>
+              <a:t>	YYYY-MM-DD</a:t>
+            </a:r>
+          </a:p>
+        </p:txBody>
+      </p:sp>
+      <p:sp>
+        <p:nvSpPr>
+          <p:cNvPr id="7" name="Rectangle 6">
+            <a:extLst>
+              <a:ext uri="{FF2B5EF4-FFF2-40B4-BE49-F238E27FC236}">
+                <a16:creationId xmlns:a16="http://schemas.microsoft.com/office/drawing/2014/main" id="{2743A122-FF1D-45B4-9D2C-294A3BC48189}"/>
+              </a:ext>
+            </a:extLst>
+          </p:cNvPr>
+          <p:cNvSpPr/>
+          <p:nvPr/>
+        </p:nvSpPr>
+        <p:spPr>
+          <a:xfrm>
+            <a:off x="380010" y="4265716"/>
+            <a:ext cx="8536380" cy="1843536"/>
+          </a:xfrm>
+          <a:prstGeom prst="rect">
+            <a:avLst/>
+          </a:prstGeom>
+        </p:spPr>
+        <p:style>
+          <a:lnRef idx="1">
+            <a:schemeClr val="accent2"/>
+          </a:lnRef>
+          <a:fillRef idx="2">
+            <a:schemeClr val="accent2"/>
+          </a:fillRef>
+          <a:effectRef idx="1">
+            <a:schemeClr val="accent2"/>
+          </a:effectRef>
+          <a:fontRef idx="minor">
+            <a:schemeClr val="dk1"/>
+          </a:fontRef>
+        </p:style>
+        <p:txBody>
+          <a:bodyPr rtlCol="0" anchor="ctr">
+            <a:normAutofit/>
+          </a:bodyPr>
+          <a:lstStyle/>
+          <a:p>
+            <a:pPr algn="l"/>
+            <a:r>
+              <a:rPr lang="en-US" sz="1800" b="1" dirty="0">
+                <a:solidFill>
+                  <a:srgbClr val="7F0055"/>
+                </a:solidFill>
+                <a:latin typeface="Consolas" panose="020B0609020204030204" pitchFamily="49" charset="0"/>
+              </a:rPr>
+              <a:t>import</a:t>
+            </a:r>
+            <a:r>
+              <a:rPr lang="en-US" sz="1800" b="1" dirty="0">
+                <a:solidFill>
+                  <a:srgbClr val="000000"/>
+                </a:solidFill>
+                <a:latin typeface="Consolas" panose="020B0609020204030204" pitchFamily="49" charset="0"/>
+              </a:rPr>
+              <a:t> </a:t>
+            </a:r>
+            <a:r>
+              <a:rPr lang="en-US" sz="1800" b="1" dirty="0" err="1">
+                <a:solidFill>
+                  <a:srgbClr val="000000"/>
+                </a:solidFill>
+                <a:latin typeface="Consolas" panose="020B0609020204030204" pitchFamily="49" charset="0"/>
+              </a:rPr>
+              <a:t>java.sql.Date</a:t>
+            </a:r>
+            <a:r>
+              <a:rPr lang="en-US" sz="1800" b="1" dirty="0">
+                <a:solidFill>
+                  <a:srgbClr val="000000"/>
+                </a:solidFill>
+                <a:latin typeface="Consolas" panose="020B0609020204030204" pitchFamily="49" charset="0"/>
+              </a:rPr>
+              <a:t>;</a:t>
+            </a:r>
+          </a:p>
+          <a:p>
+            <a:pPr algn="l"/>
+            <a:r>
+              <a:rPr lang="en-US" sz="1800" dirty="0">
+                <a:solidFill>
+                  <a:srgbClr val="000000"/>
+                </a:solidFill>
+                <a:latin typeface="Consolas" panose="020B0609020204030204" pitchFamily="49" charset="0"/>
+              </a:rPr>
+              <a:t>// ...</a:t>
+            </a:r>
+          </a:p>
+          <a:p>
+            <a:pPr algn="l"/>
+            <a:r>
+              <a:rPr lang="en-US" sz="1800" dirty="0">
+                <a:solidFill>
+                  <a:srgbClr val="000000"/>
+                </a:solidFill>
+                <a:latin typeface="Consolas" panose="020B0609020204030204" pitchFamily="49" charset="0"/>
+              </a:rPr>
+              <a:t>Date </a:t>
+            </a:r>
+            <a:r>
+              <a:rPr lang="en-US" sz="1800" dirty="0">
+                <a:solidFill>
+                  <a:srgbClr val="6A3E3E"/>
+                </a:solidFill>
+                <a:latin typeface="Consolas" panose="020B0609020204030204" pitchFamily="49" charset="0"/>
+              </a:rPr>
+              <a:t>sqlDate_1</a:t>
+            </a:r>
+            <a:r>
+              <a:rPr lang="en-US" sz="1800" dirty="0">
+                <a:solidFill>
+                  <a:srgbClr val="000000"/>
+                </a:solidFill>
+                <a:latin typeface="Consolas" panose="020B0609020204030204" pitchFamily="49" charset="0"/>
+              </a:rPr>
+              <a:t> = </a:t>
+            </a:r>
+            <a:r>
+              <a:rPr lang="en-US" sz="1800" b="1" dirty="0">
+                <a:solidFill>
+                  <a:srgbClr val="7F0055"/>
+                </a:solidFill>
+                <a:latin typeface="Consolas" panose="020B0609020204030204" pitchFamily="49" charset="0"/>
+              </a:rPr>
+              <a:t>new</a:t>
+            </a:r>
+            <a:r>
+              <a:rPr lang="en-US" sz="1800" b="1" dirty="0">
+                <a:solidFill>
+                  <a:srgbClr val="000000"/>
+                </a:solidFill>
+                <a:latin typeface="Consolas" panose="020B0609020204030204" pitchFamily="49" charset="0"/>
+              </a:rPr>
+              <a:t> Date</a:t>
+            </a:r>
+            <a:r>
+              <a:rPr lang="en-US" sz="1800" dirty="0">
+                <a:solidFill>
+                  <a:srgbClr val="000000"/>
+                </a:solidFill>
+                <a:latin typeface="Consolas" panose="020B0609020204030204" pitchFamily="49" charset="0"/>
+              </a:rPr>
+              <a:t>(0)</a:t>
+            </a:r>
+            <a:r>
+              <a:rPr lang="en-US" sz="1800" b="1" dirty="0">
+                <a:solidFill>
+                  <a:srgbClr val="000000"/>
+                </a:solidFill>
+                <a:latin typeface="Consolas" panose="020B0609020204030204" pitchFamily="49" charset="0"/>
+              </a:rPr>
+              <a:t>;</a:t>
+            </a:r>
+          </a:p>
+          <a:p>
+            <a:pPr algn="l"/>
+            <a:r>
+              <a:rPr lang="en-US" sz="1800" dirty="0">
+                <a:solidFill>
+                  <a:srgbClr val="000000"/>
+                </a:solidFill>
+                <a:latin typeface="Consolas" panose="020B0609020204030204" pitchFamily="49" charset="0"/>
+              </a:rPr>
+              <a:t>Date </a:t>
+            </a:r>
+            <a:r>
+              <a:rPr lang="en-US" sz="1800" dirty="0">
+                <a:solidFill>
+                  <a:srgbClr val="6A3E3E"/>
+                </a:solidFill>
+                <a:latin typeface="Consolas" panose="020B0609020204030204" pitchFamily="49" charset="0"/>
+              </a:rPr>
+              <a:t>sqlDate_2</a:t>
+            </a:r>
+            <a:r>
+              <a:rPr lang="en-US" sz="1800" dirty="0">
+                <a:solidFill>
+                  <a:srgbClr val="000000"/>
+                </a:solidFill>
+                <a:latin typeface="Consolas" panose="020B0609020204030204" pitchFamily="49" charset="0"/>
+              </a:rPr>
+              <a:t> = </a:t>
+            </a:r>
+            <a:r>
+              <a:rPr lang="en-US" sz="1800" b="1" dirty="0">
+                <a:solidFill>
+                  <a:srgbClr val="7F0055"/>
+                </a:solidFill>
+                <a:latin typeface="Consolas" panose="020B0609020204030204" pitchFamily="49" charset="0"/>
+              </a:rPr>
+              <a:t>new</a:t>
+            </a:r>
+            <a:r>
+              <a:rPr lang="en-US" sz="1800" b="1" dirty="0">
+                <a:solidFill>
+                  <a:srgbClr val="000000"/>
+                </a:solidFill>
+                <a:latin typeface="Consolas" panose="020B0609020204030204" pitchFamily="49" charset="0"/>
+              </a:rPr>
+              <a:t> Date</a:t>
+            </a:r>
+            <a:r>
+              <a:rPr lang="en-US" sz="1800" dirty="0">
+                <a:solidFill>
+                  <a:srgbClr val="000000"/>
+                </a:solidFill>
+                <a:latin typeface="Consolas" panose="020B0609020204030204" pitchFamily="49" charset="0"/>
+              </a:rPr>
+              <a:t>(</a:t>
+            </a:r>
+            <a:r>
+              <a:rPr lang="en-US" sz="1800" b="1" dirty="0" err="1">
+                <a:solidFill>
+                  <a:srgbClr val="000000"/>
+                </a:solidFill>
+                <a:latin typeface="Consolas" panose="020B0609020204030204" pitchFamily="49" charset="0"/>
+              </a:rPr>
+              <a:t>System</a:t>
+            </a:r>
+            <a:r>
+              <a:rPr lang="en-US" sz="1800" dirty="0" err="1">
+                <a:solidFill>
+                  <a:srgbClr val="000000"/>
+                </a:solidFill>
+                <a:latin typeface="Consolas" panose="020B0609020204030204" pitchFamily="49" charset="0"/>
+              </a:rPr>
+              <a:t>.</a:t>
+            </a:r>
+            <a:r>
+              <a:rPr lang="en-US" sz="1800" i="1" dirty="0" err="1">
+                <a:solidFill>
+                  <a:srgbClr val="000000"/>
+                </a:solidFill>
+                <a:latin typeface="Consolas" panose="020B0609020204030204" pitchFamily="49" charset="0"/>
+              </a:rPr>
+              <a:t>currentTimeMillis</a:t>
+            </a:r>
+            <a:r>
+              <a:rPr lang="en-US" sz="1800" i="1" dirty="0">
+                <a:solidFill>
+                  <a:srgbClr val="000000"/>
+                </a:solidFill>
+                <a:latin typeface="Consolas" panose="020B0609020204030204" pitchFamily="49" charset="0"/>
+              </a:rPr>
+              <a:t>())</a:t>
+            </a:r>
+            <a:r>
+              <a:rPr lang="en-US" sz="1800" b="1" i="1" dirty="0">
+                <a:solidFill>
+                  <a:srgbClr val="000000"/>
+                </a:solidFill>
+                <a:latin typeface="Consolas" panose="020B0609020204030204" pitchFamily="49" charset="0"/>
+              </a:rPr>
+              <a:t>;</a:t>
+            </a:r>
+          </a:p>
+          <a:p>
+            <a:pPr algn="l"/>
+            <a:r>
+              <a:rPr lang="en-US" sz="1800" dirty="0" err="1">
+                <a:solidFill>
+                  <a:srgbClr val="000000"/>
+                </a:solidFill>
+                <a:latin typeface="Consolas" panose="020B0609020204030204" pitchFamily="49" charset="0"/>
+              </a:rPr>
+              <a:t>System.</a:t>
+            </a:r>
+            <a:r>
+              <a:rPr lang="en-US" sz="1800" b="1" i="1" dirty="0" err="1">
+                <a:solidFill>
+                  <a:srgbClr val="0000C0"/>
+                </a:solidFill>
+                <a:latin typeface="Consolas" panose="020B0609020204030204" pitchFamily="49" charset="0"/>
+              </a:rPr>
+              <a:t>out</a:t>
+            </a:r>
+            <a:r>
+              <a:rPr lang="en-US" sz="1800" b="1" i="1" dirty="0" err="1">
+                <a:solidFill>
+                  <a:srgbClr val="000000"/>
+                </a:solidFill>
+                <a:latin typeface="Consolas" panose="020B0609020204030204" pitchFamily="49" charset="0"/>
+              </a:rPr>
+              <a:t>.println</a:t>
+            </a:r>
+            <a:r>
+              <a:rPr lang="en-US" sz="1800" dirty="0">
+                <a:solidFill>
+                  <a:srgbClr val="000000"/>
+                </a:solidFill>
+                <a:latin typeface="Consolas" panose="020B0609020204030204" pitchFamily="49" charset="0"/>
+              </a:rPr>
+              <a:t>(</a:t>
+            </a:r>
+            <a:r>
+              <a:rPr lang="en-US" sz="1800" dirty="0">
+                <a:solidFill>
+                  <a:srgbClr val="6A3E3E"/>
+                </a:solidFill>
+                <a:latin typeface="Consolas" panose="020B0609020204030204" pitchFamily="49" charset="0"/>
+              </a:rPr>
+              <a:t>sqlDate_1</a:t>
+            </a:r>
+            <a:r>
+              <a:rPr lang="en-US" sz="1800" dirty="0">
+                <a:solidFill>
+                  <a:srgbClr val="000000"/>
+                </a:solidFill>
+                <a:latin typeface="Consolas" panose="020B0609020204030204" pitchFamily="49" charset="0"/>
+              </a:rPr>
+              <a:t>)</a:t>
+            </a:r>
+            <a:r>
+              <a:rPr lang="en-US" sz="1800" b="1" i="1" dirty="0">
+                <a:solidFill>
+                  <a:srgbClr val="000000"/>
+                </a:solidFill>
+                <a:latin typeface="Consolas" panose="020B0609020204030204" pitchFamily="49" charset="0"/>
+              </a:rPr>
+              <a:t>; </a:t>
+            </a:r>
+            <a:r>
+              <a:rPr lang="en-US" sz="1800" dirty="0">
+                <a:solidFill>
+                  <a:srgbClr val="000000"/>
+                </a:solidFill>
+                <a:latin typeface="Consolas" panose="020B0609020204030204" pitchFamily="49" charset="0"/>
+              </a:rPr>
+              <a:t>// 1970-01-01</a:t>
+            </a:r>
+            <a:endParaRPr lang="en-US" sz="1800" b="1" i="1" dirty="0">
+              <a:solidFill>
+                <a:srgbClr val="000000"/>
+              </a:solidFill>
+              <a:latin typeface="Consolas" panose="020B0609020204030204" pitchFamily="49" charset="0"/>
+            </a:endParaRPr>
+          </a:p>
+          <a:p>
+            <a:pPr algn="l"/>
+            <a:r>
+              <a:rPr lang="en-US" sz="1800" dirty="0" err="1">
+                <a:solidFill>
+                  <a:srgbClr val="000000"/>
+                </a:solidFill>
+                <a:latin typeface="Consolas" panose="020B0609020204030204" pitchFamily="49" charset="0"/>
+              </a:rPr>
+              <a:t>System.</a:t>
+            </a:r>
+            <a:r>
+              <a:rPr lang="en-US" sz="1800" b="1" i="1" dirty="0" err="1">
+                <a:solidFill>
+                  <a:srgbClr val="0000C0"/>
+                </a:solidFill>
+                <a:latin typeface="Consolas" panose="020B0609020204030204" pitchFamily="49" charset="0"/>
+              </a:rPr>
+              <a:t>out</a:t>
+            </a:r>
+            <a:r>
+              <a:rPr lang="en-US" sz="1800" b="1" i="1" dirty="0" err="1">
+                <a:solidFill>
+                  <a:srgbClr val="000000"/>
+                </a:solidFill>
+                <a:latin typeface="Consolas" panose="020B0609020204030204" pitchFamily="49" charset="0"/>
+              </a:rPr>
+              <a:t>.println</a:t>
+            </a:r>
+            <a:r>
+              <a:rPr lang="en-US" sz="1800" dirty="0">
+                <a:solidFill>
+                  <a:srgbClr val="000000"/>
+                </a:solidFill>
+                <a:latin typeface="Consolas" panose="020B0609020204030204" pitchFamily="49" charset="0"/>
+              </a:rPr>
+              <a:t>(</a:t>
+            </a:r>
+            <a:r>
+              <a:rPr lang="en-US" sz="1800" dirty="0">
+                <a:solidFill>
+                  <a:srgbClr val="6A3E3E"/>
+                </a:solidFill>
+                <a:latin typeface="Consolas" panose="020B0609020204030204" pitchFamily="49" charset="0"/>
+              </a:rPr>
+              <a:t>sqlDate_2</a:t>
+            </a:r>
+            <a:r>
+              <a:rPr lang="en-US" sz="1800" dirty="0">
+                <a:solidFill>
+                  <a:srgbClr val="000000"/>
+                </a:solidFill>
+                <a:latin typeface="Consolas" panose="020B0609020204030204" pitchFamily="49" charset="0"/>
+              </a:rPr>
+              <a:t>)</a:t>
+            </a:r>
+            <a:r>
+              <a:rPr lang="en-US" sz="1800" b="1" i="1" dirty="0">
+                <a:solidFill>
+                  <a:srgbClr val="000000"/>
+                </a:solidFill>
+                <a:latin typeface="Consolas" panose="020B0609020204030204" pitchFamily="49" charset="0"/>
+              </a:rPr>
+              <a:t>; </a:t>
+            </a:r>
+            <a:r>
+              <a:rPr lang="en-US" sz="1800" dirty="0">
+                <a:solidFill>
+                  <a:srgbClr val="000000"/>
+                </a:solidFill>
+                <a:latin typeface="Consolas" panose="020B0609020204030204" pitchFamily="49" charset="0"/>
+              </a:rPr>
+              <a:t>// current date</a:t>
+            </a:r>
+          </a:p>
+        </p:txBody>
+      </p:sp>
+    </p:spTree>
+    <p:extLst>
+      <p:ext uri="{BB962C8B-B14F-4D97-AF65-F5344CB8AC3E}">
+        <p14:creationId xmlns:p14="http://schemas.microsoft.com/office/powerpoint/2010/main" val="291357924"/>
+      </p:ext>
+    </p:extLst>
+  </p:cSld>
+  <p:clrMapOvr>
+    <a:masterClrMapping/>
+  </p:clrMapOvr>
+  <p:timing>
+    <p:tnLst>
+      <p:par>
+        <p:cTn id="1" dur="indefinite" restart="never" nodeType="tmRoot">
+          <p:childTnLst>
+            <p:seq concurrent="1" nextAc="seek">
+              <p:cTn id="2" dur="indefinite" nodeType="mainSeq">
+                <p:childTnLst>
+                  <p:par>
+                    <p:cTn id="3" fill="hold">
+                      <p:stCondLst>
+                        <p:cond delay="indefinite"/>
+                      </p:stCondLst>
+                      <p:childTnLst>
+                        <p:par>
+                          <p:cTn id="4" fill="hold">
+                            <p:stCondLst>
+                              <p:cond delay="0"/>
+                            </p:stCondLst>
+                            <p:childTnLst>
+                              <p:par>
+                                <p:cTn id="5" presetID="1" presetClass="entr" presetSubtype="0" fill="hold" grpId="0" nodeType="clickEffect">
+                                  <p:stCondLst>
+                                    <p:cond delay="0"/>
+                                  </p:stCondLst>
+                                  <p:childTnLst>
+                                    <p:set>
+                                      <p:cBhvr>
+                                        <p:cTn id="6" dur="1" fill="hold">
+                                          <p:stCondLst>
+                                            <p:cond delay="0"/>
+                                          </p:stCondLst>
+                                        </p:cTn>
+                                        <p:tgtEl>
+                                          <p:spTgt spid="6">
+                                            <p:txEl>
+                                              <p:pRg st="0" end="0"/>
+                                            </p:txEl>
+                                          </p:spTgt>
+                                        </p:tgtEl>
+                                        <p:attrNameLst>
+                                          <p:attrName>style.visibility</p:attrName>
+                                        </p:attrNameLst>
+                                      </p:cBhvr>
+                                      <p:to>
+                                        <p:strVal val="visible"/>
+                                      </p:to>
+                                    </p:set>
+                                  </p:childTnLst>
+                                </p:cTn>
+                              </p:par>
+                            </p:childTnLst>
+                          </p:cTn>
+                        </p:par>
+                      </p:childTnLst>
+                    </p:cTn>
+                  </p:par>
+                  <p:par>
+                    <p:cTn id="7" fill="hold">
+                      <p:stCondLst>
+                        <p:cond delay="indefinite"/>
+                      </p:stCondLst>
+                      <p:childTnLst>
+                        <p:par>
+                          <p:cTn id="8" fill="hold">
+                            <p:stCondLst>
+                              <p:cond delay="0"/>
+                            </p:stCondLst>
+                            <p:childTnLst>
+                              <p:par>
+                                <p:cTn id="9" presetID="1" presetClass="entr" presetSubtype="0" fill="hold" grpId="0" nodeType="clickEffect">
+                                  <p:stCondLst>
+                                    <p:cond delay="0"/>
+                                  </p:stCondLst>
+                                  <p:childTnLst>
+                                    <p:set>
+                                      <p:cBhvr>
+                                        <p:cTn id="10" dur="1" fill="hold">
+                                          <p:stCondLst>
+                                            <p:cond delay="0"/>
+                                          </p:stCondLst>
+                                        </p:cTn>
+                                        <p:tgtEl>
+                                          <p:spTgt spid="6">
+                                            <p:txEl>
+                                              <p:pRg st="1" end="1"/>
+                                            </p:txEl>
+                                          </p:spTgt>
+                                        </p:tgtEl>
+                                        <p:attrNameLst>
+                                          <p:attrName>style.visibility</p:attrName>
+                                        </p:attrNameLst>
+                                      </p:cBhvr>
+                                      <p:to>
+                                        <p:strVal val="visible"/>
+                                      </p:to>
+                                    </p:set>
+                                  </p:childTnLst>
+                                </p:cTn>
+                              </p:par>
+                            </p:childTnLst>
+                          </p:cTn>
+                        </p:par>
+                      </p:childTnLst>
+                    </p:cTn>
+                  </p:par>
+                  <p:par>
+                    <p:cTn id="11" fill="hold">
+                      <p:stCondLst>
+                        <p:cond delay="indefinite"/>
+                      </p:stCondLst>
+                      <p:childTnLst>
+                        <p:par>
+                          <p:cTn id="12" fill="hold">
+                            <p:stCondLst>
+                              <p:cond delay="0"/>
+                            </p:stCondLst>
+                            <p:childTnLst>
+                              <p:par>
+                                <p:cTn id="13" presetID="1" presetClass="entr" presetSubtype="0" fill="hold" grpId="0" nodeType="clickEffect">
+                                  <p:stCondLst>
+                                    <p:cond delay="0"/>
+                                  </p:stCondLst>
+                                  <p:childTnLst>
+                                    <p:set>
+                                      <p:cBhvr>
+                                        <p:cTn id="14" dur="1" fill="hold">
+                                          <p:stCondLst>
+                                            <p:cond delay="0"/>
+                                          </p:stCondLst>
+                                        </p:cTn>
+                                        <p:tgtEl>
+                                          <p:spTgt spid="6">
+                                            <p:txEl>
+                                              <p:pRg st="2" end="2"/>
+                                            </p:txEl>
+                                          </p:spTgt>
+                                        </p:tgtEl>
+                                        <p:attrNameLst>
+                                          <p:attrName>style.visibility</p:attrName>
+                                        </p:attrNameLst>
+                                      </p:cBhvr>
+                                      <p:to>
+                                        <p:strVal val="visible"/>
+                                      </p:to>
+                                    </p:set>
+                                  </p:childTnLst>
+                                </p:cTn>
+                              </p:par>
+                            </p:childTnLst>
+                          </p:cTn>
+                        </p:par>
+                      </p:childTnLst>
+                    </p:cTn>
+                  </p:par>
+                </p:childTnLst>
+              </p:cTn>
+              <p:prevCondLst>
+                <p:cond evt="onPrev" delay="0">
+                  <p:tgtEl>
+                    <p:sldTgt/>
+                  </p:tgtEl>
+                </p:cond>
+              </p:prevCondLst>
+              <p:nextCondLst>
+                <p:cond evt="onNext" delay="0">
+                  <p:tgtEl>
+                    <p:sldTgt/>
+                  </p:tgtEl>
+                </p:cond>
+              </p:nextCondLst>
+            </p:seq>
+          </p:childTnLst>
+        </p:cTn>
+      </p:par>
+    </p:tnLst>
+    <p:bldLst>
+      <p:bldP spid="6" grpId="0" build="p"/>
+    </p:bldLst>
+  </p:timing>
+</p:sld>
+</file>
+
+<file path=ppt/slides/slide17.xml><?xml version="1.0" encoding="utf-8"?>
 <p:sld xmlns:a="http://schemas.openxmlformats.org/drawingml/2006/main" xmlns:r="http://schemas.openxmlformats.org/officeDocument/2006/relationships" xmlns:p="http://schemas.openxmlformats.org/presentationml/2006/main">
   <p:cSld>
     <p:spTree>
@@ -25544,7 +30665,7 @@
             </a:pPr>
             <a:fld id="{00000000-1234-1234-1234-123412341234}" type="slidenum">
               <a:rPr lang="en-US"/>
-              <a:t>10</a:t>
+              <a:t>16</a:t>
             </a:fld>
             <a:endParaRPr/>
           </a:p>
@@ -26014,6 +31135,338 @@
           <a:p>
             <a:r>
               <a:rPr lang="en-US" dirty="0"/>
+              <a:t>Maven Repository</a:t>
+            </a:r>
+          </a:p>
+        </p:txBody>
+      </p:sp>
+      <p:sp>
+        <p:nvSpPr>
+          <p:cNvPr id="3" name="Text Placeholder 2">
+            <a:extLst>
+              <a:ext uri="{FF2B5EF4-FFF2-40B4-BE49-F238E27FC236}">
+                <a16:creationId xmlns:a16="http://schemas.microsoft.com/office/drawing/2014/main" id="{0C6BA468-B2FB-4410-8CC4-82872A4103B6}"/>
+              </a:ext>
+            </a:extLst>
+          </p:cNvPr>
+          <p:cNvSpPr>
+            <a:spLocks noGrp="1"/>
+          </p:cNvSpPr>
+          <p:nvPr>
+            <p:ph type="body" idx="1"/>
+          </p:nvPr>
+        </p:nvSpPr>
+        <p:spPr>
+          <a:xfrm>
+            <a:off x="380010" y="1481446"/>
+            <a:ext cx="8383980" cy="4882266"/>
+          </a:xfrm>
+        </p:spPr>
+        <p:txBody>
+          <a:bodyPr>
+            <a:normAutofit/>
+          </a:bodyPr>
+          <a:lstStyle/>
+          <a:p>
+            <a:pPr marL="50800" indent="0">
+              <a:buNone/>
+            </a:pPr>
+            <a:r>
+              <a:rPr lang="en-US" dirty="0">
+                <a:hlinkClick r:id="rId2"/>
+              </a:rPr>
+              <a:t>https://mvnrepository.com/</a:t>
+            </a:r>
+            <a:endParaRPr lang="en-US" dirty="0"/>
+          </a:p>
+          <a:p>
+            <a:endParaRPr lang="en-US" dirty="0"/>
+          </a:p>
+          <a:p>
+            <a:r>
+              <a:rPr lang="en-US" dirty="0"/>
+              <a:t>The maven repository holds build artifacts including libraries and other dependencies that a maven project may access based on the configurations in the project’s POM file.</a:t>
+            </a:r>
+          </a:p>
+          <a:p>
+            <a:r>
+              <a:rPr lang="en-US" dirty="0"/>
+              <a:t>Maven will search this repository and remotely download and cache this information.</a:t>
+            </a:r>
+          </a:p>
+        </p:txBody>
+      </p:sp>
+      <p:sp>
+        <p:nvSpPr>
+          <p:cNvPr id="4" name="Slide Number Placeholder 3">
+            <a:extLst>
+              <a:ext uri="{FF2B5EF4-FFF2-40B4-BE49-F238E27FC236}">
+                <a16:creationId xmlns:a16="http://schemas.microsoft.com/office/drawing/2014/main" id="{483A7CCD-D4F0-4527-9651-963B2389435E}"/>
+              </a:ext>
+            </a:extLst>
+          </p:cNvPr>
+          <p:cNvSpPr>
+            <a:spLocks noGrp="1"/>
+          </p:cNvSpPr>
+          <p:nvPr>
+            <p:ph type="sldNum" idx="12"/>
+          </p:nvPr>
+        </p:nvSpPr>
+        <p:spPr/>
+        <p:txBody>
+          <a:bodyPr/>
+          <a:lstStyle/>
+          <a:p>
+            <a:pPr marL="0" lvl="0" indent="0" algn="r" rtl="0">
+              <a:spcBef>
+                <a:spcPts val="0"/>
+              </a:spcBef>
+              <a:spcAft>
+                <a:spcPts val="0"/>
+              </a:spcAft>
+              <a:buNone/>
+            </a:pPr>
+            <a:fld id="{00000000-1234-1234-1234-123412341234}" type="slidenum">
+              <a:rPr lang="en-US" smtClean="0"/>
+              <a:t>2</a:t>
+            </a:fld>
+            <a:endParaRPr lang="en-US"/>
+          </a:p>
+        </p:txBody>
+      </p:sp>
+    </p:spTree>
+    <p:extLst>
+      <p:ext uri="{BB962C8B-B14F-4D97-AF65-F5344CB8AC3E}">
+        <p14:creationId xmlns:p14="http://schemas.microsoft.com/office/powerpoint/2010/main" val="3703549128"/>
+      </p:ext>
+    </p:extLst>
+  </p:cSld>
+  <p:clrMapOvr>
+    <a:masterClrMapping/>
+  </p:clrMapOvr>
+  <p:timing>
+    <p:tnLst>
+      <p:par>
+        <p:cTn id="1" dur="indefinite" restart="never" nodeType="tmRoot">
+          <p:childTnLst>
+            <p:seq concurrent="1" nextAc="seek">
+              <p:cTn id="2" dur="indefinite" nodeType="mainSeq">
+                <p:childTnLst>
+                  <p:par>
+                    <p:cTn id="3" fill="hold">
+                      <p:stCondLst>
+                        <p:cond delay="indefinite"/>
+                      </p:stCondLst>
+                      <p:childTnLst>
+                        <p:par>
+                          <p:cTn id="4" fill="hold">
+                            <p:stCondLst>
+                              <p:cond delay="0"/>
+                            </p:stCondLst>
+                            <p:childTnLst>
+                              <p:par>
+                                <p:cTn id="5" presetID="1" presetClass="entr" presetSubtype="0" fill="hold" grpId="0" nodeType="clickEffect">
+                                  <p:stCondLst>
+                                    <p:cond delay="0"/>
+                                  </p:stCondLst>
+                                  <p:childTnLst>
+                                    <p:set>
+                                      <p:cBhvr>
+                                        <p:cTn id="6" dur="1" fill="hold">
+                                          <p:stCondLst>
+                                            <p:cond delay="0"/>
+                                          </p:stCondLst>
+                                        </p:cTn>
+                                        <p:tgtEl>
+                                          <p:spTgt spid="3">
+                                            <p:txEl>
+                                              <p:pRg st="0" end="0"/>
+                                            </p:txEl>
+                                          </p:spTgt>
+                                        </p:tgtEl>
+                                        <p:attrNameLst>
+                                          <p:attrName>style.visibility</p:attrName>
+                                        </p:attrNameLst>
+                                      </p:cBhvr>
+                                      <p:to>
+                                        <p:strVal val="visible"/>
+                                      </p:to>
+                                    </p:set>
+                                  </p:childTnLst>
+                                </p:cTn>
+                              </p:par>
+                            </p:childTnLst>
+                          </p:cTn>
+                        </p:par>
+                      </p:childTnLst>
+                    </p:cTn>
+                  </p:par>
+                  <p:par>
+                    <p:cTn id="7" fill="hold">
+                      <p:stCondLst>
+                        <p:cond delay="indefinite"/>
+                      </p:stCondLst>
+                      <p:childTnLst>
+                        <p:par>
+                          <p:cTn id="8" fill="hold">
+                            <p:stCondLst>
+                              <p:cond delay="0"/>
+                            </p:stCondLst>
+                            <p:childTnLst>
+                              <p:par>
+                                <p:cTn id="9" presetID="1" presetClass="entr" presetSubtype="0" fill="hold" grpId="0" nodeType="clickEffect">
+                                  <p:stCondLst>
+                                    <p:cond delay="0"/>
+                                  </p:stCondLst>
+                                  <p:childTnLst>
+                                    <p:set>
+                                      <p:cBhvr>
+                                        <p:cTn id="10" dur="1" fill="hold">
+                                          <p:stCondLst>
+                                            <p:cond delay="0"/>
+                                          </p:stCondLst>
+                                        </p:cTn>
+                                        <p:tgtEl>
+                                          <p:spTgt spid="3">
+                                            <p:txEl>
+                                              <p:pRg st="2" end="2"/>
+                                            </p:txEl>
+                                          </p:spTgt>
+                                        </p:tgtEl>
+                                        <p:attrNameLst>
+                                          <p:attrName>style.visibility</p:attrName>
+                                        </p:attrNameLst>
+                                      </p:cBhvr>
+                                      <p:to>
+                                        <p:strVal val="visible"/>
+                                      </p:to>
+                                    </p:set>
+                                  </p:childTnLst>
+                                </p:cTn>
+                              </p:par>
+                            </p:childTnLst>
+                          </p:cTn>
+                        </p:par>
+                      </p:childTnLst>
+                    </p:cTn>
+                  </p:par>
+                  <p:par>
+                    <p:cTn id="11" fill="hold">
+                      <p:stCondLst>
+                        <p:cond delay="indefinite"/>
+                      </p:stCondLst>
+                      <p:childTnLst>
+                        <p:par>
+                          <p:cTn id="12" fill="hold">
+                            <p:stCondLst>
+                              <p:cond delay="0"/>
+                            </p:stCondLst>
+                            <p:childTnLst>
+                              <p:par>
+                                <p:cTn id="13" presetID="1" presetClass="entr" presetSubtype="0" fill="hold" grpId="0" nodeType="clickEffect">
+                                  <p:stCondLst>
+                                    <p:cond delay="0"/>
+                                  </p:stCondLst>
+                                  <p:childTnLst>
+                                    <p:set>
+                                      <p:cBhvr>
+                                        <p:cTn id="14" dur="1" fill="hold">
+                                          <p:stCondLst>
+                                            <p:cond delay="0"/>
+                                          </p:stCondLst>
+                                        </p:cTn>
+                                        <p:tgtEl>
+                                          <p:spTgt spid="3">
+                                            <p:txEl>
+                                              <p:pRg st="3" end="3"/>
+                                            </p:txEl>
+                                          </p:spTgt>
+                                        </p:tgtEl>
+                                        <p:attrNameLst>
+                                          <p:attrName>style.visibility</p:attrName>
+                                        </p:attrNameLst>
+                                      </p:cBhvr>
+                                      <p:to>
+                                        <p:strVal val="visible"/>
+                                      </p:to>
+                                    </p:set>
+                                  </p:childTnLst>
+                                </p:cTn>
+                              </p:par>
+                            </p:childTnLst>
+                          </p:cTn>
+                        </p:par>
+                      </p:childTnLst>
+                    </p:cTn>
+                  </p:par>
+                </p:childTnLst>
+              </p:cTn>
+              <p:prevCondLst>
+                <p:cond evt="onPrev" delay="0">
+                  <p:tgtEl>
+                    <p:sldTgt/>
+                  </p:tgtEl>
+                </p:cond>
+              </p:prevCondLst>
+              <p:nextCondLst>
+                <p:cond evt="onNext" delay="0">
+                  <p:tgtEl>
+                    <p:sldTgt/>
+                  </p:tgtEl>
+                </p:cond>
+              </p:nextCondLst>
+            </p:seq>
+          </p:childTnLst>
+        </p:cTn>
+      </p:par>
+    </p:tnLst>
+    <p:bldLst>
+      <p:bldP spid="3" grpId="0" build="p"/>
+    </p:bldLst>
+  </p:timing>
+</p:sld>
+</file>
+
+<file path=ppt/slides/slide4.xml><?xml version="1.0" encoding="utf-8"?>
+<p:sld xmlns:a="http://schemas.openxmlformats.org/drawingml/2006/main" xmlns:r="http://schemas.openxmlformats.org/officeDocument/2006/relationships" xmlns:p="http://schemas.openxmlformats.org/presentationml/2006/main">
+  <p:cSld>
+    <p:spTree>
+      <p:nvGrpSpPr>
+        <p:cNvPr id="1" name=""/>
+        <p:cNvGrpSpPr/>
+        <p:nvPr/>
+      </p:nvGrpSpPr>
+      <p:grpSpPr>
+        <a:xfrm>
+          <a:off x="0" y="0"/>
+          <a:ext cx="0" cy="0"/>
+          <a:chOff x="0" y="0"/>
+          <a:chExt cx="0" cy="0"/>
+        </a:xfrm>
+      </p:grpSpPr>
+      <p:sp>
+        <p:nvSpPr>
+          <p:cNvPr id="2" name="Title 1">
+            <a:extLst>
+              <a:ext uri="{FF2B5EF4-FFF2-40B4-BE49-F238E27FC236}">
+                <a16:creationId xmlns:a16="http://schemas.microsoft.com/office/drawing/2014/main" id="{437930B4-E996-4435-B9F1-D407853E2C03}"/>
+              </a:ext>
+            </a:extLst>
+          </p:cNvPr>
+          <p:cNvSpPr>
+            <a:spLocks noGrp="1"/>
+          </p:cNvSpPr>
+          <p:nvPr>
+            <p:ph type="title"/>
+          </p:nvPr>
+        </p:nvSpPr>
+        <p:spPr/>
+        <p:txBody>
+          <a:bodyPr/>
+          <a:lstStyle/>
+          <a:p>
+            <a:r>
+              <a:rPr lang="en-US" dirty="0"/>
               <a:t>Maven Configurations</a:t>
             </a:r>
           </a:p>
@@ -26149,7 +31602,7 @@
             </a:pPr>
             <a:fld id="{00000000-1234-1234-1234-123412341234}" type="slidenum">
               <a:rPr lang="en-US" smtClean="0"/>
-              <a:t>2</a:t>
+              <a:t>3</a:t>
             </a:fld>
             <a:endParaRPr lang="en-US"/>
           </a:p>
@@ -26472,7 +31925,7 @@
 </p:sld>
 </file>
 
-<file path=ppt/slides/slide4.xml><?xml version="1.0" encoding="utf-8"?>
+<file path=ppt/slides/slide5.xml><?xml version="1.0" encoding="utf-8"?>
 <p:sld xmlns:a="http://schemas.openxmlformats.org/drawingml/2006/main" xmlns:r="http://schemas.openxmlformats.org/officeDocument/2006/relationships" xmlns:p="http://schemas.openxmlformats.org/presentationml/2006/main">
   <p:cSld>
     <p:spTree>
@@ -26604,7 +32057,7 @@
             </a:pPr>
             <a:fld id="{00000000-1234-1234-1234-123412341234}" type="slidenum">
               <a:rPr lang="en-US" smtClean="0"/>
-              <a:t>3</a:t>
+              <a:t>4</a:t>
             </a:fld>
             <a:endParaRPr lang="en-US"/>
           </a:p>
@@ -26816,7 +32269,7 @@
 </p:sld>
 </file>
 
-<file path=ppt/slides/slide5.xml><?xml version="1.0" encoding="utf-8"?>
+<file path=ppt/slides/slide6.xml><?xml version="1.0" encoding="utf-8"?>
 <p:sld xmlns:a="http://schemas.openxmlformats.org/drawingml/2006/main" xmlns:r="http://schemas.openxmlformats.org/officeDocument/2006/relationships" xmlns:p="http://schemas.openxmlformats.org/presentationml/2006/main">
   <p:cSld>
     <p:spTree>
@@ -26953,7 +32406,7 @@
             </a:pPr>
             <a:fld id="{00000000-1234-1234-1234-123412341234}" type="slidenum">
               <a:rPr lang="en-US" smtClean="0"/>
-              <a:t>4</a:t>
+              <a:t>5</a:t>
             </a:fld>
             <a:endParaRPr lang="en-US"/>
           </a:p>
@@ -27152,7 +32605,7 @@
 </p:sld>
 </file>
 
-<file path=ppt/slides/slide6.xml><?xml version="1.0" encoding="utf-8"?>
+<file path=ppt/slides/slide7.xml><?xml version="1.0" encoding="utf-8"?>
 <p:sld xmlns:a="http://schemas.openxmlformats.org/drawingml/2006/main" xmlns:r="http://schemas.openxmlformats.org/officeDocument/2006/relationships" xmlns:p="http://schemas.openxmlformats.org/presentationml/2006/main">
   <p:cSld>
     <p:spTree>
@@ -27343,7 +32796,7 @@
             </a:pPr>
             <a:fld id="{00000000-1234-1234-1234-123412341234}" type="slidenum">
               <a:rPr lang="en-US" smtClean="0"/>
-              <a:t>5</a:t>
+              <a:t>6</a:t>
             </a:fld>
             <a:endParaRPr lang="en-US"/>
           </a:p>
@@ -27441,7 +32894,7 @@
 </p:sld>
 </file>
 
-<file path=ppt/slides/slide7.xml><?xml version="1.0" encoding="utf-8"?>
+<file path=ppt/slides/slide8.xml><?xml version="1.0" encoding="utf-8"?>
 <p:sld xmlns:a="http://schemas.openxmlformats.org/drawingml/2006/main" xmlns:r="http://schemas.openxmlformats.org/officeDocument/2006/relationships" xmlns:p="http://schemas.openxmlformats.org/presentationml/2006/main">
   <p:cSld>
     <p:spTree>
@@ -27536,6 +32989,15 @@
               <a:t> package.</a:t>
             </a:r>
           </a:p>
+          <a:p>
+            <a:endParaRPr lang="en-US" dirty="0"/>
+          </a:p>
+          <a:p>
+            <a:r>
+              <a:rPr lang="en-US" dirty="0"/>
+              <a:t>To fully leverage JDBC, an SQL database driver should be downloaded and configured (this can be done using Maven).</a:t>
+            </a:r>
+          </a:p>
         </p:txBody>
       </p:sp>
       <p:sp>
@@ -27570,7 +33032,7 @@
             </a:pPr>
             <a:fld id="{00000000-1234-1234-1234-123412341234}" type="slidenum">
               <a:rPr lang="en-US" smtClean="0"/>
-              <a:t>6</a:t>
+              <a:t>7</a:t>
             </a:fld>
             <a:endParaRPr lang="en-US"/>
           </a:p>
@@ -27692,6 +33154,55 @@
                       </p:childTnLst>
                     </p:cTn>
                   </p:par>
+                  <p:par>
+                    <p:cTn id="11" fill="hold">
+                      <p:stCondLst>
+                        <p:cond delay="indefinite"/>
+                      </p:stCondLst>
+                      <p:childTnLst>
+                        <p:par>
+                          <p:cTn id="12" fill="hold">
+                            <p:stCondLst>
+                              <p:cond delay="0"/>
+                            </p:stCondLst>
+                            <p:childTnLst>
+                              <p:par>
+                                <p:cTn id="13" presetID="1" presetClass="entr" presetSubtype="0" fill="hold" grpId="0" nodeType="clickEffect">
+                                  <p:stCondLst>
+                                    <p:cond delay="0"/>
+                                  </p:stCondLst>
+                                  <p:childTnLst>
+                                    <p:set>
+                                      <p:cBhvr>
+                                        <p:cTn id="14" dur="1" fill="hold">
+                                          <p:stCondLst>
+                                            <p:cond delay="0"/>
+                                          </p:stCondLst>
+                                        </p:cTn>
+                                        <p:tgtEl>
+                                          <p:spTgt spid="3">
+                                            <p:txEl>
+                                              <p:pRg st="4" end="4"/>
+                                            </p:txEl>
+                                          </p:spTgt>
+                                        </p:tgtEl>
+                                        <p:attrNameLst>
+                                          <p:attrName>style.visibility</p:attrName>
+                                        </p:attrNameLst>
+                                      </p:cBhvr>
+                                      <p:to>
+                                        <p:strVal val="visible"/>
+                                      </p:to>
+                                    </p:set>
+                                  </p:childTnLst>
+                                </p:cTn>
+                              </p:par>
+                            </p:childTnLst>
+                          </p:cTn>
+                        </p:par>
+                      </p:childTnLst>
+                    </p:cTn>
+                  </p:par>
                 </p:childTnLst>
               </p:cTn>
               <p:prevCondLst>
@@ -27720,7 +33231,7 @@
 </p:sld>
 </file>
 
-<file path=ppt/slides/slide8.xml><?xml version="1.0" encoding="utf-8"?>
+<file path=ppt/slides/slide9.xml><?xml version="1.0" encoding="utf-8"?>
 <p:sld xmlns:a="http://schemas.openxmlformats.org/drawingml/2006/main" xmlns:r="http://schemas.openxmlformats.org/officeDocument/2006/relationships" xmlns:p="http://schemas.openxmlformats.org/presentationml/2006/main">
   <p:cSld>
     <p:spTree>
@@ -27902,7 +33413,7 @@
             </a:pPr>
             <a:fld id="{00000000-1234-1234-1234-123412341234}" type="slidenum">
               <a:rPr lang="en-US" smtClean="0"/>
-              <a:t>7</a:t>
+              <a:t>8</a:t>
             </a:fld>
             <a:endParaRPr lang="en-US"/>
           </a:p>
@@ -28141,543 +33652,6 @@
                                           <p:spTgt spid="3">
                                             <p:txEl>
                                               <p:pRg st="6" end="6"/>
-                                            </p:txEl>
-                                          </p:spTgt>
-                                        </p:tgtEl>
-                                        <p:attrNameLst>
-                                          <p:attrName>style.visibility</p:attrName>
-                                        </p:attrNameLst>
-                                      </p:cBhvr>
-                                      <p:to>
-                                        <p:strVal val="visible"/>
-                                      </p:to>
-                                    </p:set>
-                                  </p:childTnLst>
-                                </p:cTn>
-                              </p:par>
-                            </p:childTnLst>
-                          </p:cTn>
-                        </p:par>
-                      </p:childTnLst>
-                    </p:cTn>
-                  </p:par>
-                </p:childTnLst>
-              </p:cTn>
-              <p:prevCondLst>
-                <p:cond evt="onPrev" delay="0">
-                  <p:tgtEl>
-                    <p:sldTgt/>
-                  </p:tgtEl>
-                </p:cond>
-              </p:prevCondLst>
-              <p:nextCondLst>
-                <p:cond evt="onNext" delay="0">
-                  <p:tgtEl>
-                    <p:sldTgt/>
-                  </p:tgtEl>
-                </p:cond>
-              </p:nextCondLst>
-            </p:seq>
-          </p:childTnLst>
-        </p:cTn>
-      </p:par>
-    </p:tnLst>
-    <p:bldLst>
-      <p:bldP spid="3" grpId="0" build="p"/>
-    </p:bldLst>
-  </p:timing>
-</p:sld>
-</file>
-
-<file path=ppt/slides/slide9.xml><?xml version="1.0" encoding="utf-8"?>
-<p:sld xmlns:a="http://schemas.openxmlformats.org/drawingml/2006/main" xmlns:r="http://schemas.openxmlformats.org/officeDocument/2006/relationships" xmlns:p="http://schemas.openxmlformats.org/presentationml/2006/main">
-  <p:cSld>
-    <p:spTree>
-      <p:nvGrpSpPr>
-        <p:cNvPr id="1" name=""/>
-        <p:cNvGrpSpPr/>
-        <p:nvPr/>
-      </p:nvGrpSpPr>
-      <p:grpSpPr>
-        <a:xfrm>
-          <a:off x="0" y="0"/>
-          <a:ext cx="0" cy="0"/>
-          <a:chOff x="0" y="0"/>
-          <a:chExt cx="0" cy="0"/>
-        </a:xfrm>
-      </p:grpSpPr>
-      <p:sp>
-        <p:nvSpPr>
-          <p:cNvPr id="2" name="Title 1">
-            <a:extLst>
-              <a:ext uri="{FF2B5EF4-FFF2-40B4-BE49-F238E27FC236}">
-                <a16:creationId xmlns:a16="http://schemas.microsoft.com/office/drawing/2014/main" id="{437930B4-E996-4435-B9F1-D407853E2C03}"/>
-              </a:ext>
-            </a:extLst>
-          </p:cNvPr>
-          <p:cNvSpPr>
-            <a:spLocks noGrp="1"/>
-          </p:cNvSpPr>
-          <p:nvPr>
-            <p:ph type="title"/>
-          </p:nvPr>
-        </p:nvSpPr>
-        <p:spPr/>
-        <p:txBody>
-          <a:bodyPr/>
-          <a:lstStyle/>
-          <a:p>
-            <a:r>
-              <a:rPr lang="en-US" dirty="0"/>
-              <a:t>Statement</a:t>
-            </a:r>
-          </a:p>
-        </p:txBody>
-      </p:sp>
-      <p:sp>
-        <p:nvSpPr>
-          <p:cNvPr id="3" name="Text Placeholder 2">
-            <a:extLst>
-              <a:ext uri="{FF2B5EF4-FFF2-40B4-BE49-F238E27FC236}">
-                <a16:creationId xmlns:a16="http://schemas.microsoft.com/office/drawing/2014/main" id="{0C6BA468-B2FB-4410-8CC4-82872A4103B6}"/>
-              </a:ext>
-            </a:extLst>
-          </p:cNvPr>
-          <p:cNvSpPr>
-            <a:spLocks noGrp="1"/>
-          </p:cNvSpPr>
-          <p:nvPr>
-            <p:ph type="body" idx="1"/>
-          </p:nvPr>
-        </p:nvSpPr>
-        <p:spPr>
-          <a:xfrm>
-            <a:off x="380010" y="1481446"/>
-            <a:ext cx="8383980" cy="4882266"/>
-          </a:xfrm>
-        </p:spPr>
-        <p:txBody>
-          <a:bodyPr>
-            <a:normAutofit fontScale="85000" lnSpcReduction="20000"/>
-          </a:bodyPr>
-          <a:lstStyle/>
-          <a:p>
-            <a:r>
-              <a:rPr lang="en-US" b="1" dirty="0"/>
-              <a:t>Simple Statements</a:t>
-            </a:r>
-            <a:r>
-              <a:rPr lang="en-US" dirty="0"/>
-              <a:t> – Literal interpretation of SQL strings which are compiled and executed on the database side.</a:t>
-            </a:r>
-          </a:p>
-          <a:p>
-            <a:pPr lvl="1"/>
-            <a:r>
-              <a:rPr lang="en-US" dirty="0"/>
-              <a:t>NOTE: These are risky because they are susceptible to SQL injection</a:t>
-            </a:r>
-          </a:p>
-          <a:p>
-            <a:pPr lvl="2"/>
-            <a:r>
-              <a:rPr lang="en-US" dirty="0"/>
-              <a:t>Ex: </a:t>
-            </a:r>
-            <a:r>
-              <a:rPr lang="en-US" dirty="0" err="1"/>
-              <a:t>user_id</a:t>
-            </a:r>
-            <a:r>
-              <a:rPr lang="en-US" dirty="0"/>
-              <a:t> (1000, DROP table customers)</a:t>
-            </a:r>
-          </a:p>
-          <a:p>
-            <a:pPr lvl="1"/>
-            <a:r>
-              <a:rPr lang="en-US" dirty="0"/>
-              <a:t>SQL Injection: the inclusion of unintended SQL statements sent to a database through input streams</a:t>
-            </a:r>
-          </a:p>
-          <a:p>
-            <a:r>
-              <a:rPr lang="en-US" b="1" dirty="0"/>
-              <a:t>Prepared Statements**</a:t>
-            </a:r>
-            <a:r>
-              <a:rPr lang="en-US" dirty="0"/>
-              <a:t> – Parameterizing data that is passed into SQL</a:t>
-            </a:r>
-          </a:p>
-          <a:p>
-            <a:pPr lvl="1"/>
-            <a:r>
-              <a:rPr lang="en-US" dirty="0"/>
-              <a:t>Compiled on the Java side, which can prevent SQL injection</a:t>
-            </a:r>
-          </a:p>
-          <a:p>
-            <a:r>
-              <a:rPr lang="en-US" b="1" dirty="0"/>
-              <a:t>Callable Statements</a:t>
-            </a:r>
-            <a:r>
-              <a:rPr lang="en-US" dirty="0"/>
-              <a:t> – Allow for the execution of stored procedures and functions and execution of PL/SQL</a:t>
-            </a:r>
-          </a:p>
-          <a:p>
-            <a:pPr lvl="1"/>
-            <a:r>
-              <a:rPr lang="en-US" dirty="0" err="1"/>
-              <a:t>Postgre</a:t>
-            </a:r>
-            <a:r>
-              <a:rPr lang="en-US" dirty="0"/>
-              <a:t> 11+ supports the creation of stored procedures, and as such, we will not examine callable statements.</a:t>
-            </a:r>
-          </a:p>
-        </p:txBody>
-      </p:sp>
-      <p:sp>
-        <p:nvSpPr>
-          <p:cNvPr id="4" name="Slide Number Placeholder 3">
-            <a:extLst>
-              <a:ext uri="{FF2B5EF4-FFF2-40B4-BE49-F238E27FC236}">
-                <a16:creationId xmlns:a16="http://schemas.microsoft.com/office/drawing/2014/main" id="{483A7CCD-D4F0-4527-9651-963B2389435E}"/>
-              </a:ext>
-            </a:extLst>
-          </p:cNvPr>
-          <p:cNvSpPr>
-            <a:spLocks noGrp="1"/>
-          </p:cNvSpPr>
-          <p:nvPr>
-            <p:ph type="sldNum" idx="12"/>
-          </p:nvPr>
-        </p:nvSpPr>
-        <p:spPr/>
-        <p:txBody>
-          <a:bodyPr/>
-          <a:lstStyle/>
-          <a:p>
-            <a:pPr marL="0" lvl="0" indent="0" algn="r" rtl="0">
-              <a:spcBef>
-                <a:spcPts val="0"/>
-              </a:spcBef>
-              <a:spcAft>
-                <a:spcPts val="0"/>
-              </a:spcAft>
-              <a:buNone/>
-            </a:pPr>
-            <a:fld id="{00000000-1234-1234-1234-123412341234}" type="slidenum">
-              <a:rPr lang="en-US" smtClean="0"/>
-              <a:t>8</a:t>
-            </a:fld>
-            <a:endParaRPr lang="en-US"/>
-          </a:p>
-        </p:txBody>
-      </p:sp>
-    </p:spTree>
-    <p:extLst>
-      <p:ext uri="{BB962C8B-B14F-4D97-AF65-F5344CB8AC3E}">
-        <p14:creationId xmlns:p14="http://schemas.microsoft.com/office/powerpoint/2010/main" val="1418107337"/>
-      </p:ext>
-    </p:extLst>
-  </p:cSld>
-  <p:clrMapOvr>
-    <a:masterClrMapping/>
-  </p:clrMapOvr>
-  <p:timing>
-    <p:tnLst>
-      <p:par>
-        <p:cTn id="1" dur="indefinite" restart="never" nodeType="tmRoot">
-          <p:childTnLst>
-            <p:seq concurrent="1" nextAc="seek">
-              <p:cTn id="2" dur="indefinite" nodeType="mainSeq">
-                <p:childTnLst>
-                  <p:par>
-                    <p:cTn id="3" fill="hold">
-                      <p:stCondLst>
-                        <p:cond delay="indefinite"/>
-                      </p:stCondLst>
-                      <p:childTnLst>
-                        <p:par>
-                          <p:cTn id="4" fill="hold">
-                            <p:stCondLst>
-                              <p:cond delay="0"/>
-                            </p:stCondLst>
-                            <p:childTnLst>
-                              <p:par>
-                                <p:cTn id="5" presetID="1" presetClass="entr" presetSubtype="0" fill="hold" grpId="0" nodeType="clickEffect">
-                                  <p:stCondLst>
-                                    <p:cond delay="0"/>
-                                  </p:stCondLst>
-                                  <p:childTnLst>
-                                    <p:set>
-                                      <p:cBhvr>
-                                        <p:cTn id="6" dur="1" fill="hold">
-                                          <p:stCondLst>
-                                            <p:cond delay="0"/>
-                                          </p:stCondLst>
-                                        </p:cTn>
-                                        <p:tgtEl>
-                                          <p:spTgt spid="3">
-                                            <p:txEl>
-                                              <p:pRg st="0" end="0"/>
-                                            </p:txEl>
-                                          </p:spTgt>
-                                        </p:tgtEl>
-                                        <p:attrNameLst>
-                                          <p:attrName>style.visibility</p:attrName>
-                                        </p:attrNameLst>
-                                      </p:cBhvr>
-                                      <p:to>
-                                        <p:strVal val="visible"/>
-                                      </p:to>
-                                    </p:set>
-                                  </p:childTnLst>
-                                </p:cTn>
-                              </p:par>
-                              <p:par>
-                                <p:cTn id="7" presetID="1" presetClass="entr" presetSubtype="0" fill="hold" grpId="0" nodeType="withEffect">
-                                  <p:stCondLst>
-                                    <p:cond delay="0"/>
-                                  </p:stCondLst>
-                                  <p:childTnLst>
-                                    <p:set>
-                                      <p:cBhvr>
-                                        <p:cTn id="8" dur="1" fill="hold">
-                                          <p:stCondLst>
-                                            <p:cond delay="0"/>
-                                          </p:stCondLst>
-                                        </p:cTn>
-                                        <p:tgtEl>
-                                          <p:spTgt spid="3">
-                                            <p:txEl>
-                                              <p:pRg st="1" end="1"/>
-                                            </p:txEl>
-                                          </p:spTgt>
-                                        </p:tgtEl>
-                                        <p:attrNameLst>
-                                          <p:attrName>style.visibility</p:attrName>
-                                        </p:attrNameLst>
-                                      </p:cBhvr>
-                                      <p:to>
-                                        <p:strVal val="visible"/>
-                                      </p:to>
-                                    </p:set>
-                                  </p:childTnLst>
-                                </p:cTn>
-                              </p:par>
-                              <p:par>
-                                <p:cTn id="9" presetID="1" presetClass="entr" presetSubtype="0" fill="hold" grpId="0" nodeType="withEffect">
-                                  <p:stCondLst>
-                                    <p:cond delay="0"/>
-                                  </p:stCondLst>
-                                  <p:childTnLst>
-                                    <p:set>
-                                      <p:cBhvr>
-                                        <p:cTn id="10" dur="1" fill="hold">
-                                          <p:stCondLst>
-                                            <p:cond delay="0"/>
-                                          </p:stCondLst>
-                                        </p:cTn>
-                                        <p:tgtEl>
-                                          <p:spTgt spid="3">
-                                            <p:txEl>
-                                              <p:pRg st="2" end="2"/>
-                                            </p:txEl>
-                                          </p:spTgt>
-                                        </p:tgtEl>
-                                        <p:attrNameLst>
-                                          <p:attrName>style.visibility</p:attrName>
-                                        </p:attrNameLst>
-                                      </p:cBhvr>
-                                      <p:to>
-                                        <p:strVal val="visible"/>
-                                      </p:to>
-                                    </p:set>
-                                  </p:childTnLst>
-                                </p:cTn>
-                              </p:par>
-                              <p:par>
-                                <p:cTn id="11" presetID="1" presetClass="entr" presetSubtype="0" fill="hold" grpId="0" nodeType="withEffect">
-                                  <p:stCondLst>
-                                    <p:cond delay="0"/>
-                                  </p:stCondLst>
-                                  <p:childTnLst>
-                                    <p:set>
-                                      <p:cBhvr>
-                                        <p:cTn id="12" dur="1" fill="hold">
-                                          <p:stCondLst>
-                                            <p:cond delay="0"/>
-                                          </p:stCondLst>
-                                        </p:cTn>
-                                        <p:tgtEl>
-                                          <p:spTgt spid="3">
-                                            <p:txEl>
-                                              <p:pRg st="3" end="3"/>
-                                            </p:txEl>
-                                          </p:spTgt>
-                                        </p:tgtEl>
-                                        <p:attrNameLst>
-                                          <p:attrName>style.visibility</p:attrName>
-                                        </p:attrNameLst>
-                                      </p:cBhvr>
-                                      <p:to>
-                                        <p:strVal val="visible"/>
-                                      </p:to>
-                                    </p:set>
-                                  </p:childTnLst>
-                                </p:cTn>
-                              </p:par>
-                            </p:childTnLst>
-                          </p:cTn>
-                        </p:par>
-                      </p:childTnLst>
-                    </p:cTn>
-                  </p:par>
-                  <p:par>
-                    <p:cTn id="13" fill="hold">
-                      <p:stCondLst>
-                        <p:cond delay="indefinite"/>
-                      </p:stCondLst>
-                      <p:childTnLst>
-                        <p:par>
-                          <p:cTn id="14" fill="hold">
-                            <p:stCondLst>
-                              <p:cond delay="0"/>
-                            </p:stCondLst>
-                            <p:childTnLst>
-                              <p:par>
-                                <p:cTn id="15" presetID="1" presetClass="entr" presetSubtype="0" fill="hold" grpId="0" nodeType="clickEffect">
-                                  <p:stCondLst>
-                                    <p:cond delay="0"/>
-                                  </p:stCondLst>
-                                  <p:childTnLst>
-                                    <p:set>
-                                      <p:cBhvr>
-                                        <p:cTn id="16" dur="1" fill="hold">
-                                          <p:stCondLst>
-                                            <p:cond delay="0"/>
-                                          </p:stCondLst>
-                                        </p:cTn>
-                                        <p:tgtEl>
-                                          <p:spTgt spid="3">
-                                            <p:txEl>
-                                              <p:pRg st="4" end="4"/>
-                                            </p:txEl>
-                                          </p:spTgt>
-                                        </p:tgtEl>
-                                        <p:attrNameLst>
-                                          <p:attrName>style.visibility</p:attrName>
-                                        </p:attrNameLst>
-                                      </p:cBhvr>
-                                      <p:to>
-                                        <p:strVal val="visible"/>
-                                      </p:to>
-                                    </p:set>
-                                  </p:childTnLst>
-                                </p:cTn>
-                              </p:par>
-                              <p:par>
-                                <p:cTn id="17" presetID="1" presetClass="entr" presetSubtype="0" fill="hold" grpId="0" nodeType="withEffect">
-                                  <p:stCondLst>
-                                    <p:cond delay="0"/>
-                                  </p:stCondLst>
-                                  <p:childTnLst>
-                                    <p:set>
-                                      <p:cBhvr>
-                                        <p:cTn id="18" dur="1" fill="hold">
-                                          <p:stCondLst>
-                                            <p:cond delay="0"/>
-                                          </p:stCondLst>
-                                        </p:cTn>
-                                        <p:tgtEl>
-                                          <p:spTgt spid="3">
-                                            <p:txEl>
-                                              <p:pRg st="5" end="5"/>
-                                            </p:txEl>
-                                          </p:spTgt>
-                                        </p:tgtEl>
-                                        <p:attrNameLst>
-                                          <p:attrName>style.visibility</p:attrName>
-                                        </p:attrNameLst>
-                                      </p:cBhvr>
-                                      <p:to>
-                                        <p:strVal val="visible"/>
-                                      </p:to>
-                                    </p:set>
-                                  </p:childTnLst>
-                                </p:cTn>
-                              </p:par>
-                            </p:childTnLst>
-                          </p:cTn>
-                        </p:par>
-                      </p:childTnLst>
-                    </p:cTn>
-                  </p:par>
-                  <p:par>
-                    <p:cTn id="19" fill="hold">
-                      <p:stCondLst>
-                        <p:cond delay="indefinite"/>
-                      </p:stCondLst>
-                      <p:childTnLst>
-                        <p:par>
-                          <p:cTn id="20" fill="hold">
-                            <p:stCondLst>
-                              <p:cond delay="0"/>
-                            </p:stCondLst>
-                            <p:childTnLst>
-                              <p:par>
-                                <p:cTn id="21" presetID="1" presetClass="entr" presetSubtype="0" fill="hold" grpId="0" nodeType="clickEffect">
-                                  <p:stCondLst>
-                                    <p:cond delay="0"/>
-                                  </p:stCondLst>
-                                  <p:childTnLst>
-                                    <p:set>
-                                      <p:cBhvr>
-                                        <p:cTn id="22" dur="1" fill="hold">
-                                          <p:stCondLst>
-                                            <p:cond delay="0"/>
-                                          </p:stCondLst>
-                                        </p:cTn>
-                                        <p:tgtEl>
-                                          <p:spTgt spid="3">
-                                            <p:txEl>
-                                              <p:pRg st="6" end="6"/>
-                                            </p:txEl>
-                                          </p:spTgt>
-                                        </p:tgtEl>
-                                        <p:attrNameLst>
-                                          <p:attrName>style.visibility</p:attrName>
-                                        </p:attrNameLst>
-                                      </p:cBhvr>
-                                      <p:to>
-                                        <p:strVal val="visible"/>
-                                      </p:to>
-                                    </p:set>
-                                  </p:childTnLst>
-                                </p:cTn>
-                              </p:par>
-                              <p:par>
-                                <p:cTn id="23" presetID="1" presetClass="entr" presetSubtype="0" fill="hold" grpId="0" nodeType="withEffect">
-                                  <p:stCondLst>
-                                    <p:cond delay="0"/>
-                                  </p:stCondLst>
-                                  <p:childTnLst>
-                                    <p:set>
-                                      <p:cBhvr>
-                                        <p:cTn id="24" dur="1" fill="hold">
-                                          <p:stCondLst>
-                                            <p:cond delay="0"/>
-                                          </p:stCondLst>
-                                        </p:cTn>
-                                        <p:tgtEl>
-                                          <p:spTgt spid="3">
-                                            <p:txEl>
-                                              <p:pRg st="7" end="7"/>
                                             </p:txEl>
                                           </p:spTgt>
                                         </p:tgtEl>

--- a/powerpoints/Day_25.pptx
+++ b/powerpoints/Day_25.pptx
@@ -28488,15 +28488,15 @@
             </a:pPr>
             <a:r>
               <a:rPr lang="en-US" dirty="0"/>
-              <a:t>Java Dates are created using a constructor which takes a long value. </a:t>
+              <a:t>Java Dates are created using a constructor which takes a long value. This value represents milliseconds since Jan 01</a:t>
             </a:r>
             <a:r>
-              <a:rPr lang="en-US" dirty="0" err="1"/>
-              <a:t>Thes</a:t>
+              <a:rPr lang="en-US"/>
+              <a:t>, 1970 </a:t>
             </a:r>
             <a:r>
               <a:rPr lang="en-US" dirty="0"/>
-              <a:t> value represents milliseconds since Jan 01, 1990 (based on the United States Naval Observatory Master clock).</a:t>
+              <a:t>(based on the United States Naval Observatory Master clock).</a:t>
             </a:r>
           </a:p>
           <a:p>
@@ -30760,7 +30760,7 @@
           <a:p>
             <a:r>
               <a:rPr lang="en-US" dirty="0"/>
-              <a:t>Maven is a tool that can be used for building and managing Java projects</a:t>
+              <a:t>Maven is a tool that can be used for building and managing programming projects</a:t>
             </a:r>
           </a:p>
           <a:p>
